--- a/figures.pptx
+++ b/figures.pptx
@@ -4,9 +4,13 @@
   <p:sldMasterIdLst>
     <p:sldMasterId id="2147483648" r:id="rId1"/>
   </p:sldMasterIdLst>
+  <p:notesMasterIdLst>
+    <p:notesMasterId r:id="rId5"/>
+  </p:notesMasterIdLst>
   <p:sldIdLst>
     <p:sldId id="321" r:id="rId2"/>
     <p:sldId id="322" r:id="rId3"/>
+    <p:sldId id="323" r:id="rId4"/>
   </p:sldIdLst>
   <p:sldSz cx="12192000" cy="6858000"/>
   <p:notesSz cx="6858000" cy="9144000"/>
@@ -105,7 +109,529 @@
       </a:defRPr>
     </a:lvl9pPr>
   </p:defaultTextStyle>
+  <p:extLst>
+    <p:ext uri="{EFAFB233-063F-42B5-8137-9DF3F51BA10A}">
+      <p15:sldGuideLst xmlns:p15="http://schemas.microsoft.com/office/powerpoint/2012/main"/>
+    </p:ext>
+  </p:extLst>
 </p:presentation>
+</file>
+
+<file path=ppt/notesMasters/notesMaster1.xml><?xml version="1.0" encoding="utf-8"?>
+<p:notesMaster xmlns:a="http://schemas.openxmlformats.org/drawingml/2006/main" xmlns:r="http://schemas.openxmlformats.org/officeDocument/2006/relationships" xmlns:p="http://schemas.openxmlformats.org/presentationml/2006/main">
+  <p:cSld>
+    <p:bg>
+      <p:bgRef idx="1001">
+        <a:schemeClr val="bg1"/>
+      </p:bgRef>
+    </p:bg>
+    <p:spTree>
+      <p:nvGrpSpPr>
+        <p:cNvPr id="1" name=""/>
+        <p:cNvGrpSpPr/>
+        <p:nvPr/>
+      </p:nvGrpSpPr>
+      <p:grpSpPr>
+        <a:xfrm>
+          <a:off x="0" y="0"/>
+          <a:ext cx="0" cy="0"/>
+          <a:chOff x="0" y="0"/>
+          <a:chExt cx="0" cy="0"/>
+        </a:xfrm>
+      </p:grpSpPr>
+      <p:sp>
+        <p:nvSpPr>
+          <p:cNvPr id="2" name="页眉占位符 1"/>
+          <p:cNvSpPr>
+            <a:spLocks noGrp="1"/>
+          </p:cNvSpPr>
+          <p:nvPr>
+            <p:ph type="hdr" sz="quarter"/>
+          </p:nvPr>
+        </p:nvSpPr>
+        <p:spPr>
+          <a:xfrm>
+            <a:off x="0" y="0"/>
+            <a:ext cx="2971800" cy="458788"/>
+          </a:xfrm>
+          <a:prstGeom prst="rect">
+            <a:avLst/>
+          </a:prstGeom>
+        </p:spPr>
+        <p:txBody>
+          <a:bodyPr vert="horz" lIns="91440" tIns="45720" rIns="91440" bIns="45720" rtlCol="0"/>
+          <a:lstStyle>
+            <a:lvl1pPr algn="l">
+              <a:defRPr sz="1200"/>
+            </a:lvl1pPr>
+          </a:lstStyle>
+          <a:p>
+            <a:endParaRPr lang="zh-CN" altLang="en-US"/>
+          </a:p>
+        </p:txBody>
+      </p:sp>
+      <p:sp>
+        <p:nvSpPr>
+          <p:cNvPr id="3" name="日期占位符 2"/>
+          <p:cNvSpPr>
+            <a:spLocks noGrp="1"/>
+          </p:cNvSpPr>
+          <p:nvPr>
+            <p:ph type="dt" idx="1"/>
+          </p:nvPr>
+        </p:nvSpPr>
+        <p:spPr>
+          <a:xfrm>
+            <a:off x="3884613" y="0"/>
+            <a:ext cx="2971800" cy="458788"/>
+          </a:xfrm>
+          <a:prstGeom prst="rect">
+            <a:avLst/>
+          </a:prstGeom>
+        </p:spPr>
+        <p:txBody>
+          <a:bodyPr vert="horz" lIns="91440" tIns="45720" rIns="91440" bIns="45720" rtlCol="0"/>
+          <a:lstStyle>
+            <a:lvl1pPr algn="r">
+              <a:defRPr sz="1200"/>
+            </a:lvl1pPr>
+          </a:lstStyle>
+          <a:p>
+            <a:fld id="{CC66260A-31CB-4826-B64A-447D5B9C3C6E}" type="datetimeFigureOut">
+              <a:rPr lang="zh-CN" altLang="en-US" smtClean="0"/>
+              <a:t>2021/4/20</a:t>
+            </a:fld>
+            <a:endParaRPr lang="zh-CN" altLang="en-US"/>
+          </a:p>
+        </p:txBody>
+      </p:sp>
+      <p:sp>
+        <p:nvSpPr>
+          <p:cNvPr id="4" name="幻灯片图像占位符 3"/>
+          <p:cNvSpPr>
+            <a:spLocks noGrp="1" noRot="1" noChangeAspect="1"/>
+          </p:cNvSpPr>
+          <p:nvPr>
+            <p:ph type="sldImg" idx="2"/>
+          </p:nvPr>
+        </p:nvSpPr>
+        <p:spPr>
+          <a:xfrm>
+            <a:off x="685800" y="1143000"/>
+            <a:ext cx="5486400" cy="3086100"/>
+          </a:xfrm>
+          <a:prstGeom prst="rect">
+            <a:avLst/>
+          </a:prstGeom>
+          <a:noFill/>
+          <a:ln w="12700">
+            <a:solidFill>
+              <a:prstClr val="black"/>
+            </a:solidFill>
+          </a:ln>
+        </p:spPr>
+        <p:txBody>
+          <a:bodyPr vert="horz" lIns="91440" tIns="45720" rIns="91440" bIns="45720" rtlCol="0" anchor="ctr"/>
+          <a:lstStyle/>
+          <a:p>
+            <a:endParaRPr lang="zh-CN" altLang="en-US"/>
+          </a:p>
+        </p:txBody>
+      </p:sp>
+      <p:sp>
+        <p:nvSpPr>
+          <p:cNvPr id="5" name="备注占位符 4"/>
+          <p:cNvSpPr>
+            <a:spLocks noGrp="1"/>
+          </p:cNvSpPr>
+          <p:nvPr>
+            <p:ph type="body" sz="quarter" idx="3"/>
+          </p:nvPr>
+        </p:nvSpPr>
+        <p:spPr>
+          <a:xfrm>
+            <a:off x="685800" y="4400550"/>
+            <a:ext cx="5486400" cy="3600450"/>
+          </a:xfrm>
+          <a:prstGeom prst="rect">
+            <a:avLst/>
+          </a:prstGeom>
+        </p:spPr>
+        <p:txBody>
+          <a:bodyPr vert="horz" lIns="91440" tIns="45720" rIns="91440" bIns="45720" rtlCol="0"/>
+          <a:lstStyle/>
+          <a:p>
+            <a:pPr lvl="0"/>
+            <a:r>
+              <a:rPr lang="zh-CN" altLang="en-US"/>
+              <a:t>单击此处编辑母版文本样式</a:t>
+            </a:r>
+          </a:p>
+          <a:p>
+            <a:pPr lvl="1"/>
+            <a:r>
+              <a:rPr lang="zh-CN" altLang="en-US"/>
+              <a:t>二级</a:t>
+            </a:r>
+          </a:p>
+          <a:p>
+            <a:pPr lvl="2"/>
+            <a:r>
+              <a:rPr lang="zh-CN" altLang="en-US"/>
+              <a:t>三级</a:t>
+            </a:r>
+          </a:p>
+          <a:p>
+            <a:pPr lvl="3"/>
+            <a:r>
+              <a:rPr lang="zh-CN" altLang="en-US"/>
+              <a:t>四级</a:t>
+            </a:r>
+          </a:p>
+          <a:p>
+            <a:pPr lvl="4"/>
+            <a:r>
+              <a:rPr lang="zh-CN" altLang="en-US"/>
+              <a:t>五级</a:t>
+            </a:r>
+          </a:p>
+        </p:txBody>
+      </p:sp>
+      <p:sp>
+        <p:nvSpPr>
+          <p:cNvPr id="6" name="页脚占位符 5"/>
+          <p:cNvSpPr>
+            <a:spLocks noGrp="1"/>
+          </p:cNvSpPr>
+          <p:nvPr>
+            <p:ph type="ftr" sz="quarter" idx="4"/>
+          </p:nvPr>
+        </p:nvSpPr>
+        <p:spPr>
+          <a:xfrm>
+            <a:off x="0" y="8685213"/>
+            <a:ext cx="2971800" cy="458787"/>
+          </a:xfrm>
+          <a:prstGeom prst="rect">
+            <a:avLst/>
+          </a:prstGeom>
+        </p:spPr>
+        <p:txBody>
+          <a:bodyPr vert="horz" lIns="91440" tIns="45720" rIns="91440" bIns="45720" rtlCol="0" anchor="b"/>
+          <a:lstStyle>
+            <a:lvl1pPr algn="l">
+              <a:defRPr sz="1200"/>
+            </a:lvl1pPr>
+          </a:lstStyle>
+          <a:p>
+            <a:endParaRPr lang="zh-CN" altLang="en-US"/>
+          </a:p>
+        </p:txBody>
+      </p:sp>
+      <p:sp>
+        <p:nvSpPr>
+          <p:cNvPr id="7" name="灯片编号占位符 6"/>
+          <p:cNvSpPr>
+            <a:spLocks noGrp="1"/>
+          </p:cNvSpPr>
+          <p:nvPr>
+            <p:ph type="sldNum" sz="quarter" idx="5"/>
+          </p:nvPr>
+        </p:nvSpPr>
+        <p:spPr>
+          <a:xfrm>
+            <a:off x="3884613" y="8685213"/>
+            <a:ext cx="2971800" cy="458787"/>
+          </a:xfrm>
+          <a:prstGeom prst="rect">
+            <a:avLst/>
+          </a:prstGeom>
+        </p:spPr>
+        <p:txBody>
+          <a:bodyPr vert="horz" lIns="91440" tIns="45720" rIns="91440" bIns="45720" rtlCol="0" anchor="b"/>
+          <a:lstStyle>
+            <a:lvl1pPr algn="r">
+              <a:defRPr sz="1200"/>
+            </a:lvl1pPr>
+          </a:lstStyle>
+          <a:p>
+            <a:fld id="{AECA2AEE-FC70-46A7-B275-5AE1F1E25B32}" type="slidenum">
+              <a:rPr lang="zh-CN" altLang="en-US" smtClean="0"/>
+              <a:t>‹#›</a:t>
+            </a:fld>
+            <a:endParaRPr lang="zh-CN" altLang="en-US"/>
+          </a:p>
+        </p:txBody>
+      </p:sp>
+    </p:spTree>
+    <p:extLst>
+      <p:ext uri="{BB962C8B-B14F-4D97-AF65-F5344CB8AC3E}">
+        <p14:creationId xmlns:p14="http://schemas.microsoft.com/office/powerpoint/2010/main" val="1359271229"/>
+      </p:ext>
+    </p:extLst>
+  </p:cSld>
+  <p:clrMap bg1="lt1" tx1="dk1" bg2="lt2" tx2="dk2" accent1="accent1" accent2="accent2" accent3="accent3" accent4="accent4" accent5="accent5" accent6="accent6" hlink="hlink" folHlink="folHlink"/>
+  <p:notesStyle>
+    <a:lvl1pPr marL="0" algn="l" defTabSz="914400" rtl="0" eaLnBrk="1" latinLnBrk="0" hangingPunct="1">
+      <a:defRPr sz="1200" kern="1200">
+        <a:solidFill>
+          <a:schemeClr val="tx1"/>
+        </a:solidFill>
+        <a:latin typeface="+mn-lt"/>
+        <a:ea typeface="+mn-ea"/>
+        <a:cs typeface="+mn-cs"/>
+      </a:defRPr>
+    </a:lvl1pPr>
+    <a:lvl2pPr marL="457200" algn="l" defTabSz="914400" rtl="0" eaLnBrk="1" latinLnBrk="0" hangingPunct="1">
+      <a:defRPr sz="1200" kern="1200">
+        <a:solidFill>
+          <a:schemeClr val="tx1"/>
+        </a:solidFill>
+        <a:latin typeface="+mn-lt"/>
+        <a:ea typeface="+mn-ea"/>
+        <a:cs typeface="+mn-cs"/>
+      </a:defRPr>
+    </a:lvl2pPr>
+    <a:lvl3pPr marL="914400" algn="l" defTabSz="914400" rtl="0" eaLnBrk="1" latinLnBrk="0" hangingPunct="1">
+      <a:defRPr sz="1200" kern="1200">
+        <a:solidFill>
+          <a:schemeClr val="tx1"/>
+        </a:solidFill>
+        <a:latin typeface="+mn-lt"/>
+        <a:ea typeface="+mn-ea"/>
+        <a:cs typeface="+mn-cs"/>
+      </a:defRPr>
+    </a:lvl3pPr>
+    <a:lvl4pPr marL="1371600" algn="l" defTabSz="914400" rtl="0" eaLnBrk="1" latinLnBrk="0" hangingPunct="1">
+      <a:defRPr sz="1200" kern="1200">
+        <a:solidFill>
+          <a:schemeClr val="tx1"/>
+        </a:solidFill>
+        <a:latin typeface="+mn-lt"/>
+        <a:ea typeface="+mn-ea"/>
+        <a:cs typeface="+mn-cs"/>
+      </a:defRPr>
+    </a:lvl4pPr>
+    <a:lvl5pPr marL="1828800" algn="l" defTabSz="914400" rtl="0" eaLnBrk="1" latinLnBrk="0" hangingPunct="1">
+      <a:defRPr sz="1200" kern="1200">
+        <a:solidFill>
+          <a:schemeClr val="tx1"/>
+        </a:solidFill>
+        <a:latin typeface="+mn-lt"/>
+        <a:ea typeface="+mn-ea"/>
+        <a:cs typeface="+mn-cs"/>
+      </a:defRPr>
+    </a:lvl5pPr>
+    <a:lvl6pPr marL="2286000" algn="l" defTabSz="914400" rtl="0" eaLnBrk="1" latinLnBrk="0" hangingPunct="1">
+      <a:defRPr sz="1200" kern="1200">
+        <a:solidFill>
+          <a:schemeClr val="tx1"/>
+        </a:solidFill>
+        <a:latin typeface="+mn-lt"/>
+        <a:ea typeface="+mn-ea"/>
+        <a:cs typeface="+mn-cs"/>
+      </a:defRPr>
+    </a:lvl6pPr>
+    <a:lvl7pPr marL="2743200" algn="l" defTabSz="914400" rtl="0" eaLnBrk="1" latinLnBrk="0" hangingPunct="1">
+      <a:defRPr sz="1200" kern="1200">
+        <a:solidFill>
+          <a:schemeClr val="tx1"/>
+        </a:solidFill>
+        <a:latin typeface="+mn-lt"/>
+        <a:ea typeface="+mn-ea"/>
+        <a:cs typeface="+mn-cs"/>
+      </a:defRPr>
+    </a:lvl7pPr>
+    <a:lvl8pPr marL="3200400" algn="l" defTabSz="914400" rtl="0" eaLnBrk="1" latinLnBrk="0" hangingPunct="1">
+      <a:defRPr sz="1200" kern="1200">
+        <a:solidFill>
+          <a:schemeClr val="tx1"/>
+        </a:solidFill>
+        <a:latin typeface="+mn-lt"/>
+        <a:ea typeface="+mn-ea"/>
+        <a:cs typeface="+mn-cs"/>
+      </a:defRPr>
+    </a:lvl8pPr>
+    <a:lvl9pPr marL="3657600" algn="l" defTabSz="914400" rtl="0" eaLnBrk="1" latinLnBrk="0" hangingPunct="1">
+      <a:defRPr sz="1200" kern="1200">
+        <a:solidFill>
+          <a:schemeClr val="tx1"/>
+        </a:solidFill>
+        <a:latin typeface="+mn-lt"/>
+        <a:ea typeface="+mn-ea"/>
+        <a:cs typeface="+mn-cs"/>
+      </a:defRPr>
+    </a:lvl9pPr>
+  </p:notesStyle>
+</p:notesMaster>
+</file>
+
+<file path=ppt/notesSlides/notesSlide1.xml><?xml version="1.0" encoding="utf-8"?>
+<p:notes xmlns:a="http://schemas.openxmlformats.org/drawingml/2006/main" xmlns:r="http://schemas.openxmlformats.org/officeDocument/2006/relationships" xmlns:p="http://schemas.openxmlformats.org/presentationml/2006/main">
+  <p:cSld>
+    <p:spTree>
+      <p:nvGrpSpPr>
+        <p:cNvPr id="1" name=""/>
+        <p:cNvGrpSpPr/>
+        <p:nvPr/>
+      </p:nvGrpSpPr>
+      <p:grpSpPr>
+        <a:xfrm>
+          <a:off x="0" y="0"/>
+          <a:ext cx="0" cy="0"/>
+          <a:chOff x="0" y="0"/>
+          <a:chExt cx="0" cy="0"/>
+        </a:xfrm>
+      </p:grpSpPr>
+      <p:sp>
+        <p:nvSpPr>
+          <p:cNvPr id="2" name="幻灯片图像占位符 1"/>
+          <p:cNvSpPr>
+            <a:spLocks noGrp="1" noRot="1" noChangeAspect="1"/>
+          </p:cNvSpPr>
+          <p:nvPr>
+            <p:ph type="sldImg"/>
+          </p:nvPr>
+        </p:nvSpPr>
+        <p:spPr/>
+      </p:sp>
+      <p:sp>
+        <p:nvSpPr>
+          <p:cNvPr id="3" name="备注占位符 2"/>
+          <p:cNvSpPr>
+            <a:spLocks noGrp="1"/>
+          </p:cNvSpPr>
+          <p:nvPr>
+            <p:ph type="body" idx="1"/>
+          </p:nvPr>
+        </p:nvSpPr>
+        <p:spPr/>
+        <p:txBody>
+          <a:bodyPr/>
+          <a:lstStyle/>
+          <a:p>
+            <a:endParaRPr lang="zh-CN" altLang="en-US" dirty="0"/>
+          </a:p>
+        </p:txBody>
+      </p:sp>
+      <p:sp>
+        <p:nvSpPr>
+          <p:cNvPr id="4" name="灯片编号占位符 3"/>
+          <p:cNvSpPr>
+            <a:spLocks noGrp="1"/>
+          </p:cNvSpPr>
+          <p:nvPr>
+            <p:ph type="sldNum" sz="quarter" idx="5"/>
+          </p:nvPr>
+        </p:nvSpPr>
+        <p:spPr/>
+        <p:txBody>
+          <a:bodyPr/>
+          <a:lstStyle/>
+          <a:p>
+            <a:fld id="{AECA2AEE-FC70-46A7-B275-5AE1F1E25B32}" type="slidenum">
+              <a:rPr lang="zh-CN" altLang="en-US" smtClean="0"/>
+              <a:t>2</a:t>
+            </a:fld>
+            <a:endParaRPr lang="zh-CN" altLang="en-US"/>
+          </a:p>
+        </p:txBody>
+      </p:sp>
+    </p:spTree>
+    <p:extLst>
+      <p:ext uri="{BB962C8B-B14F-4D97-AF65-F5344CB8AC3E}">
+        <p14:creationId xmlns:p14="http://schemas.microsoft.com/office/powerpoint/2010/main" val="2820059476"/>
+      </p:ext>
+    </p:extLst>
+  </p:cSld>
+  <p:clrMapOvr>
+    <a:masterClrMapping/>
+  </p:clrMapOvr>
+</p:notes>
+</file>
+
+<file path=ppt/notesSlides/notesSlide2.xml><?xml version="1.0" encoding="utf-8"?>
+<p:notes xmlns:a="http://schemas.openxmlformats.org/drawingml/2006/main" xmlns:r="http://schemas.openxmlformats.org/officeDocument/2006/relationships" xmlns:p="http://schemas.openxmlformats.org/presentationml/2006/main">
+  <p:cSld>
+    <p:spTree>
+      <p:nvGrpSpPr>
+        <p:cNvPr id="1" name=""/>
+        <p:cNvGrpSpPr/>
+        <p:nvPr/>
+      </p:nvGrpSpPr>
+      <p:grpSpPr>
+        <a:xfrm>
+          <a:off x="0" y="0"/>
+          <a:ext cx="0" cy="0"/>
+          <a:chOff x="0" y="0"/>
+          <a:chExt cx="0" cy="0"/>
+        </a:xfrm>
+      </p:grpSpPr>
+      <p:sp>
+        <p:nvSpPr>
+          <p:cNvPr id="2" name="幻灯片图像占位符 1"/>
+          <p:cNvSpPr>
+            <a:spLocks noGrp="1" noRot="1" noChangeAspect="1"/>
+          </p:cNvSpPr>
+          <p:nvPr>
+            <p:ph type="sldImg"/>
+          </p:nvPr>
+        </p:nvSpPr>
+        <p:spPr/>
+      </p:sp>
+      <p:sp>
+        <p:nvSpPr>
+          <p:cNvPr id="3" name="备注占位符 2"/>
+          <p:cNvSpPr>
+            <a:spLocks noGrp="1"/>
+          </p:cNvSpPr>
+          <p:nvPr>
+            <p:ph type="body" idx="1"/>
+          </p:nvPr>
+        </p:nvSpPr>
+        <p:spPr/>
+        <p:txBody>
+          <a:bodyPr/>
+          <a:lstStyle/>
+          <a:p>
+            <a:endParaRPr lang="zh-CN" altLang="en-US" dirty="0"/>
+          </a:p>
+        </p:txBody>
+      </p:sp>
+      <p:sp>
+        <p:nvSpPr>
+          <p:cNvPr id="4" name="灯片编号占位符 3"/>
+          <p:cNvSpPr>
+            <a:spLocks noGrp="1"/>
+          </p:cNvSpPr>
+          <p:nvPr>
+            <p:ph type="sldNum" sz="quarter" idx="5"/>
+          </p:nvPr>
+        </p:nvSpPr>
+        <p:spPr/>
+        <p:txBody>
+          <a:bodyPr/>
+          <a:lstStyle/>
+          <a:p>
+            <a:fld id="{AECA2AEE-FC70-46A7-B275-5AE1F1E25B32}" type="slidenum">
+              <a:rPr lang="zh-CN" altLang="en-US" smtClean="0"/>
+              <a:t>3</a:t>
+            </a:fld>
+            <a:endParaRPr lang="zh-CN" altLang="en-US"/>
+          </a:p>
+        </p:txBody>
+      </p:sp>
+    </p:spTree>
+    <p:extLst>
+      <p:ext uri="{BB962C8B-B14F-4D97-AF65-F5344CB8AC3E}">
+        <p14:creationId xmlns:p14="http://schemas.microsoft.com/office/powerpoint/2010/main" val="1152119034"/>
+      </p:ext>
+    </p:extLst>
+  </p:cSld>
+  <p:clrMapOvr>
+    <a:masterClrMapping/>
+  </p:clrMapOvr>
+</p:notes>
 </file>
 
 <file path=ppt/slideLayouts/slideLayout1.xml><?xml version="1.0" encoding="utf-8"?>
@@ -255,7 +781,7 @@
           <a:p>
             <a:fld id="{0F6E1487-C65C-442C-8696-5DDAB5505ADF}" type="datetimeFigureOut">
               <a:rPr lang="zh-CN" altLang="en-US" smtClean="0"/>
-              <a:t>2021/4/19</a:t>
+              <a:t>2021/4/20</a:t>
             </a:fld>
             <a:endParaRPr lang="zh-CN" altLang="en-US"/>
           </a:p>
@@ -453,7 +979,7 @@
           <a:p>
             <a:fld id="{0F6E1487-C65C-442C-8696-5DDAB5505ADF}" type="datetimeFigureOut">
               <a:rPr lang="zh-CN" altLang="en-US" smtClean="0"/>
-              <a:t>2021/4/19</a:t>
+              <a:t>2021/4/20</a:t>
             </a:fld>
             <a:endParaRPr lang="zh-CN" altLang="en-US"/>
           </a:p>
@@ -661,7 +1187,7 @@
           <a:p>
             <a:fld id="{0F6E1487-C65C-442C-8696-5DDAB5505ADF}" type="datetimeFigureOut">
               <a:rPr lang="zh-CN" altLang="en-US" smtClean="0"/>
-              <a:t>2021/4/19</a:t>
+              <a:t>2021/4/20</a:t>
             </a:fld>
             <a:endParaRPr lang="zh-CN" altLang="en-US"/>
           </a:p>
@@ -859,7 +1385,7 @@
           <a:p>
             <a:fld id="{0F6E1487-C65C-442C-8696-5DDAB5505ADF}" type="datetimeFigureOut">
               <a:rPr lang="zh-CN" altLang="en-US" smtClean="0"/>
-              <a:t>2021/4/19</a:t>
+              <a:t>2021/4/20</a:t>
             </a:fld>
             <a:endParaRPr lang="zh-CN" altLang="en-US"/>
           </a:p>
@@ -1134,7 +1660,7 @@
           <a:p>
             <a:fld id="{0F6E1487-C65C-442C-8696-5DDAB5505ADF}" type="datetimeFigureOut">
               <a:rPr lang="zh-CN" altLang="en-US" smtClean="0"/>
-              <a:t>2021/4/19</a:t>
+              <a:t>2021/4/20</a:t>
             </a:fld>
             <a:endParaRPr lang="zh-CN" altLang="en-US"/>
           </a:p>
@@ -1399,7 +1925,7 @@
           <a:p>
             <a:fld id="{0F6E1487-C65C-442C-8696-5DDAB5505ADF}" type="datetimeFigureOut">
               <a:rPr lang="zh-CN" altLang="en-US" smtClean="0"/>
-              <a:t>2021/4/19</a:t>
+              <a:t>2021/4/20</a:t>
             </a:fld>
             <a:endParaRPr lang="zh-CN" altLang="en-US"/>
           </a:p>
@@ -1811,7 +2337,7 @@
           <a:p>
             <a:fld id="{0F6E1487-C65C-442C-8696-5DDAB5505ADF}" type="datetimeFigureOut">
               <a:rPr lang="zh-CN" altLang="en-US" smtClean="0"/>
-              <a:t>2021/4/19</a:t>
+              <a:t>2021/4/20</a:t>
             </a:fld>
             <a:endParaRPr lang="zh-CN" altLang="en-US"/>
           </a:p>
@@ -1952,7 +2478,7 @@
           <a:p>
             <a:fld id="{0F6E1487-C65C-442C-8696-5DDAB5505ADF}" type="datetimeFigureOut">
               <a:rPr lang="zh-CN" altLang="en-US" smtClean="0"/>
-              <a:t>2021/4/19</a:t>
+              <a:t>2021/4/20</a:t>
             </a:fld>
             <a:endParaRPr lang="zh-CN" altLang="en-US"/>
           </a:p>
@@ -2065,7 +2591,7 @@
           <a:p>
             <a:fld id="{0F6E1487-C65C-442C-8696-5DDAB5505ADF}" type="datetimeFigureOut">
               <a:rPr lang="zh-CN" altLang="en-US" smtClean="0"/>
-              <a:t>2021/4/19</a:t>
+              <a:t>2021/4/20</a:t>
             </a:fld>
             <a:endParaRPr lang="zh-CN" altLang="en-US"/>
           </a:p>
@@ -2376,7 +2902,7 @@
           <a:p>
             <a:fld id="{0F6E1487-C65C-442C-8696-5DDAB5505ADF}" type="datetimeFigureOut">
               <a:rPr lang="zh-CN" altLang="en-US" smtClean="0"/>
-              <a:t>2021/4/19</a:t>
+              <a:t>2021/4/20</a:t>
             </a:fld>
             <a:endParaRPr lang="zh-CN" altLang="en-US"/>
           </a:p>
@@ -2664,7 +3190,7 @@
           <a:p>
             <a:fld id="{0F6E1487-C65C-442C-8696-5DDAB5505ADF}" type="datetimeFigureOut">
               <a:rPr lang="zh-CN" altLang="en-US" smtClean="0"/>
-              <a:t>2021/4/19</a:t>
+              <a:t>2021/4/20</a:t>
             </a:fld>
             <a:endParaRPr lang="zh-CN" altLang="en-US"/>
           </a:p>
@@ -2905,7 +3431,7 @@
           <a:p>
             <a:fld id="{0F6E1487-C65C-442C-8696-5DDAB5505ADF}" type="datetimeFigureOut">
               <a:rPr lang="zh-CN" altLang="en-US" smtClean="0"/>
-              <a:t>2021/4/19</a:t>
+              <a:t>2021/4/20</a:t>
             </a:fld>
             <a:endParaRPr lang="zh-CN" altLang="en-US"/>
           </a:p>
@@ -3867,10 +4393,3486 @@
           <a:chExt cx="0" cy="0"/>
         </a:xfrm>
       </p:grpSpPr>
+      <p:sp>
+        <p:nvSpPr>
+          <p:cNvPr id="2" name="矩形 1">
+            <a:extLst>
+              <a:ext uri="{FF2B5EF4-FFF2-40B4-BE49-F238E27FC236}">
+                <a16:creationId xmlns:a16="http://schemas.microsoft.com/office/drawing/2014/main" id="{B71FC87C-A2F5-4FC7-921D-DC41DE9DF4D2}"/>
+              </a:ext>
+            </a:extLst>
+          </p:cNvPr>
+          <p:cNvSpPr/>
+          <p:nvPr/>
+        </p:nvSpPr>
+        <p:spPr>
+          <a:xfrm>
+            <a:off x="596631" y="2548647"/>
+            <a:ext cx="830094" cy="428017"/>
+          </a:xfrm>
+          <a:prstGeom prst="rect">
+            <a:avLst/>
+          </a:prstGeom>
+          <a:noFill/>
+          <a:ln>
+            <a:solidFill>
+              <a:schemeClr val="tx1"/>
+            </a:solidFill>
+          </a:ln>
+        </p:spPr>
+        <p:style>
+          <a:lnRef idx="2">
+            <a:schemeClr val="accent1">
+              <a:shade val="50000"/>
+            </a:schemeClr>
+          </a:lnRef>
+          <a:fillRef idx="1">
+            <a:schemeClr val="accent1"/>
+          </a:fillRef>
+          <a:effectRef idx="0">
+            <a:schemeClr val="accent1"/>
+          </a:effectRef>
+          <a:fontRef idx="minor">
+            <a:schemeClr val="lt1"/>
+          </a:fontRef>
+        </p:style>
+        <p:txBody>
+          <a:bodyPr rtlCol="0" anchor="ctr"/>
+          <a:lstStyle/>
+          <a:p>
+            <a:pPr algn="ctr"/>
+            <a:r>
+              <a:rPr lang="en-US" altLang="zh-CN" sz="900" dirty="0">
+                <a:solidFill>
+                  <a:schemeClr val="tx1"/>
+                </a:solidFill>
+                <a:latin typeface="Times New Roman" panose="02020603050405020304" pitchFamily="18" charset="0"/>
+                <a:cs typeface="Times New Roman" panose="02020603050405020304" pitchFamily="18" charset="0"/>
+              </a:rPr>
+              <a:t>Parse</a:t>
+            </a:r>
+          </a:p>
+          <a:p>
+            <a:pPr algn="ctr"/>
+            <a:r>
+              <a:rPr lang="en-US" altLang="zh-CN" sz="900" dirty="0">
+                <a:solidFill>
+                  <a:schemeClr val="tx1"/>
+                </a:solidFill>
+                <a:latin typeface="Times New Roman" panose="02020603050405020304" pitchFamily="18" charset="0"/>
+                <a:cs typeface="Times New Roman" panose="02020603050405020304" pitchFamily="18" charset="0"/>
+              </a:rPr>
+              <a:t>configuration</a:t>
+            </a:r>
+            <a:endParaRPr lang="zh-CN" altLang="en-US" sz="900" dirty="0">
+              <a:latin typeface="Times New Roman" panose="02020603050405020304" pitchFamily="18" charset="0"/>
+              <a:cs typeface="Times New Roman" panose="02020603050405020304" pitchFamily="18" charset="0"/>
+            </a:endParaRPr>
+          </a:p>
+        </p:txBody>
+      </p:sp>
+      <p:sp>
+        <p:nvSpPr>
+          <p:cNvPr id="3" name="矩形 2">
+            <a:extLst>
+              <a:ext uri="{FF2B5EF4-FFF2-40B4-BE49-F238E27FC236}">
+                <a16:creationId xmlns:a16="http://schemas.microsoft.com/office/drawing/2014/main" id="{0108980B-5AD1-4498-9725-0E03F5635D84}"/>
+              </a:ext>
+            </a:extLst>
+          </p:cNvPr>
+          <p:cNvSpPr/>
+          <p:nvPr/>
+        </p:nvSpPr>
+        <p:spPr>
+          <a:xfrm>
+            <a:off x="1806103" y="2548647"/>
+            <a:ext cx="830094" cy="428017"/>
+          </a:xfrm>
+          <a:prstGeom prst="rect">
+            <a:avLst/>
+          </a:prstGeom>
+          <a:noFill/>
+          <a:ln>
+            <a:solidFill>
+              <a:schemeClr val="tx1"/>
+            </a:solidFill>
+          </a:ln>
+        </p:spPr>
+        <p:style>
+          <a:lnRef idx="2">
+            <a:schemeClr val="accent1">
+              <a:shade val="50000"/>
+            </a:schemeClr>
+          </a:lnRef>
+          <a:fillRef idx="1">
+            <a:schemeClr val="accent1"/>
+          </a:fillRef>
+          <a:effectRef idx="0">
+            <a:schemeClr val="accent1"/>
+          </a:effectRef>
+          <a:fontRef idx="minor">
+            <a:schemeClr val="lt1"/>
+          </a:fontRef>
+        </p:style>
+        <p:txBody>
+          <a:bodyPr rtlCol="0" anchor="ctr"/>
+          <a:lstStyle/>
+          <a:p>
+            <a:pPr algn="ctr"/>
+            <a:r>
+              <a:rPr lang="en-US" altLang="zh-CN" sz="900" dirty="0">
+                <a:solidFill>
+                  <a:schemeClr val="tx1"/>
+                </a:solidFill>
+                <a:latin typeface="Times New Roman" panose="02020603050405020304" pitchFamily="18" charset="0"/>
+                <a:cs typeface="Times New Roman" panose="02020603050405020304" pitchFamily="18" charset="0"/>
+              </a:rPr>
+              <a:t>Parse</a:t>
+            </a:r>
+          </a:p>
+          <a:p>
+            <a:pPr algn="ctr"/>
+            <a:r>
+              <a:rPr lang="en-US" altLang="zh-CN" sz="900" dirty="0">
+                <a:solidFill>
+                  <a:schemeClr val="tx1"/>
+                </a:solidFill>
+                <a:latin typeface="Times New Roman" panose="02020603050405020304" pitchFamily="18" charset="0"/>
+                <a:cs typeface="Times New Roman" panose="02020603050405020304" pitchFamily="18" charset="0"/>
+              </a:rPr>
+              <a:t>files</a:t>
+            </a:r>
+            <a:endParaRPr lang="zh-CN" altLang="en-US" sz="900" dirty="0">
+              <a:latin typeface="Times New Roman" panose="02020603050405020304" pitchFamily="18" charset="0"/>
+              <a:cs typeface="Times New Roman" panose="02020603050405020304" pitchFamily="18" charset="0"/>
+            </a:endParaRPr>
+          </a:p>
+        </p:txBody>
+      </p:sp>
+      <p:sp>
+        <p:nvSpPr>
+          <p:cNvPr id="4" name="矩形: 圆角 3">
+            <a:extLst>
+              <a:ext uri="{FF2B5EF4-FFF2-40B4-BE49-F238E27FC236}">
+                <a16:creationId xmlns:a16="http://schemas.microsoft.com/office/drawing/2014/main" id="{D59A93ED-A7ED-4B83-9393-F68048063972}"/>
+              </a:ext>
+            </a:extLst>
+          </p:cNvPr>
+          <p:cNvSpPr/>
+          <p:nvPr/>
+        </p:nvSpPr>
+        <p:spPr>
+          <a:xfrm>
+            <a:off x="3054484" y="3297678"/>
+            <a:ext cx="752275" cy="428017"/>
+          </a:xfrm>
+          <a:prstGeom prst="roundRect">
+            <a:avLst/>
+          </a:prstGeom>
+          <a:noFill/>
+          <a:ln>
+            <a:solidFill>
+              <a:schemeClr val="tx1"/>
+            </a:solidFill>
+          </a:ln>
+        </p:spPr>
+        <p:style>
+          <a:lnRef idx="2">
+            <a:schemeClr val="accent1">
+              <a:shade val="50000"/>
+            </a:schemeClr>
+          </a:lnRef>
+          <a:fillRef idx="1">
+            <a:schemeClr val="accent1"/>
+          </a:fillRef>
+          <a:effectRef idx="0">
+            <a:schemeClr val="accent1"/>
+          </a:effectRef>
+          <a:fontRef idx="minor">
+            <a:schemeClr val="lt1"/>
+          </a:fontRef>
+        </p:style>
+        <p:txBody>
+          <a:bodyPr rtlCol="0" anchor="ctr"/>
+          <a:lstStyle/>
+          <a:p>
+            <a:pPr algn="ctr"/>
+            <a:r>
+              <a:rPr lang="en-US" altLang="zh-CN" sz="900" dirty="0">
+                <a:solidFill>
+                  <a:schemeClr val="tx1"/>
+                </a:solidFill>
+                <a:latin typeface="Times New Roman" panose="02020603050405020304" pitchFamily="18" charset="0"/>
+                <a:cs typeface="Times New Roman" panose="02020603050405020304" pitchFamily="18" charset="0"/>
+              </a:rPr>
+              <a:t>Process</a:t>
+            </a:r>
+          </a:p>
+          <a:p>
+            <a:pPr algn="ctr"/>
+            <a:r>
+              <a:rPr lang="en-US" altLang="zh-CN" sz="900" dirty="0">
+                <a:solidFill>
+                  <a:schemeClr val="tx1"/>
+                </a:solidFill>
+                <a:latin typeface="Times New Roman" panose="02020603050405020304" pitchFamily="18" charset="0"/>
+                <a:cs typeface="Times New Roman" panose="02020603050405020304" pitchFamily="18" charset="0"/>
+              </a:rPr>
+              <a:t>init</a:t>
+            </a:r>
+            <a:endParaRPr lang="zh-CN" altLang="en-US" sz="900" dirty="0">
+              <a:latin typeface="Times New Roman" panose="02020603050405020304" pitchFamily="18" charset="0"/>
+              <a:cs typeface="Times New Roman" panose="02020603050405020304" pitchFamily="18" charset="0"/>
+            </a:endParaRPr>
+          </a:p>
+        </p:txBody>
+      </p:sp>
+      <p:sp>
+        <p:nvSpPr>
+          <p:cNvPr id="5" name="矩形 4">
+            <a:extLst>
+              <a:ext uri="{FF2B5EF4-FFF2-40B4-BE49-F238E27FC236}">
+                <a16:creationId xmlns:a16="http://schemas.microsoft.com/office/drawing/2014/main" id="{321BF6A7-2CFB-4745-8888-D49502EA86D3}"/>
+              </a:ext>
+            </a:extLst>
+          </p:cNvPr>
+          <p:cNvSpPr/>
+          <p:nvPr/>
+        </p:nvSpPr>
+        <p:spPr>
+          <a:xfrm>
+            <a:off x="3015575" y="2548647"/>
+            <a:ext cx="830094" cy="428017"/>
+          </a:xfrm>
+          <a:prstGeom prst="rect">
+            <a:avLst/>
+          </a:prstGeom>
+          <a:noFill/>
+          <a:ln>
+            <a:solidFill>
+              <a:schemeClr val="tx1"/>
+            </a:solidFill>
+          </a:ln>
+        </p:spPr>
+        <p:style>
+          <a:lnRef idx="2">
+            <a:schemeClr val="accent1">
+              <a:shade val="50000"/>
+            </a:schemeClr>
+          </a:lnRef>
+          <a:fillRef idx="1">
+            <a:schemeClr val="accent1"/>
+          </a:fillRef>
+          <a:effectRef idx="0">
+            <a:schemeClr val="accent1"/>
+          </a:effectRef>
+          <a:fontRef idx="minor">
+            <a:schemeClr val="lt1"/>
+          </a:fontRef>
+        </p:style>
+        <p:txBody>
+          <a:bodyPr rtlCol="0" anchor="ctr"/>
+          <a:lstStyle/>
+          <a:p>
+            <a:pPr algn="ctr"/>
+            <a:r>
+              <a:rPr lang="en-US" altLang="zh-CN" sz="900" dirty="0">
+                <a:solidFill>
+                  <a:schemeClr val="tx1"/>
+                </a:solidFill>
+                <a:latin typeface="Times New Roman" panose="02020603050405020304" pitchFamily="18" charset="0"/>
+                <a:cs typeface="Times New Roman" panose="02020603050405020304" pitchFamily="18" charset="0"/>
+              </a:rPr>
+              <a:t>Fork</a:t>
+            </a:r>
+            <a:r>
+              <a:rPr lang="zh-CN" altLang="en-US" sz="900" dirty="0">
+                <a:solidFill>
+                  <a:schemeClr val="tx1"/>
+                </a:solidFill>
+                <a:latin typeface="Times New Roman" panose="02020603050405020304" pitchFamily="18" charset="0"/>
+                <a:cs typeface="Times New Roman" panose="02020603050405020304" pitchFamily="18" charset="0"/>
+              </a:rPr>
+              <a:t> </a:t>
+            </a:r>
+            <a:r>
+              <a:rPr lang="en-US" altLang="zh-CN" sz="900" dirty="0">
+                <a:solidFill>
+                  <a:schemeClr val="tx1"/>
+                </a:solidFill>
+                <a:latin typeface="Times New Roman" panose="02020603050405020304" pitchFamily="18" charset="0"/>
+                <a:cs typeface="Times New Roman" panose="02020603050405020304" pitchFamily="18" charset="0"/>
+              </a:rPr>
+              <a:t>init</a:t>
+            </a:r>
+          </a:p>
+          <a:p>
+            <a:pPr algn="ctr"/>
+            <a:r>
+              <a:rPr lang="en-US" altLang="zh-CN" sz="900" dirty="0">
+                <a:solidFill>
+                  <a:schemeClr val="tx1"/>
+                </a:solidFill>
+                <a:latin typeface="Times New Roman" panose="02020603050405020304" pitchFamily="18" charset="0"/>
+                <a:cs typeface="Times New Roman" panose="02020603050405020304" pitchFamily="18" charset="0"/>
+              </a:rPr>
+              <a:t>process</a:t>
+            </a:r>
+          </a:p>
+        </p:txBody>
+      </p:sp>
+      <p:sp>
+        <p:nvSpPr>
+          <p:cNvPr id="6" name="矩形 5">
+            <a:extLst>
+              <a:ext uri="{FF2B5EF4-FFF2-40B4-BE49-F238E27FC236}">
+                <a16:creationId xmlns:a16="http://schemas.microsoft.com/office/drawing/2014/main" id="{96B9A5D0-F64E-4A28-91F4-351987CCDEF1}"/>
+              </a:ext>
+            </a:extLst>
+          </p:cNvPr>
+          <p:cNvSpPr/>
+          <p:nvPr/>
+        </p:nvSpPr>
+        <p:spPr>
+          <a:xfrm>
+            <a:off x="4160197" y="3297678"/>
+            <a:ext cx="830094" cy="428017"/>
+          </a:xfrm>
+          <a:prstGeom prst="rect">
+            <a:avLst/>
+          </a:prstGeom>
+          <a:noFill/>
+          <a:ln>
+            <a:solidFill>
+              <a:schemeClr val="tx1"/>
+            </a:solidFill>
+          </a:ln>
+        </p:spPr>
+        <p:style>
+          <a:lnRef idx="2">
+            <a:schemeClr val="accent1">
+              <a:shade val="50000"/>
+            </a:schemeClr>
+          </a:lnRef>
+          <a:fillRef idx="1">
+            <a:schemeClr val="accent1"/>
+          </a:fillRef>
+          <a:effectRef idx="0">
+            <a:schemeClr val="accent1"/>
+          </a:effectRef>
+          <a:fontRef idx="minor">
+            <a:schemeClr val="lt1"/>
+          </a:fontRef>
+        </p:style>
+        <p:txBody>
+          <a:bodyPr rtlCol="0" anchor="ctr"/>
+          <a:lstStyle/>
+          <a:p>
+            <a:pPr algn="ctr"/>
+            <a:r>
+              <a:rPr lang="en-US" altLang="zh-CN" sz="900" dirty="0">
+                <a:solidFill>
+                  <a:schemeClr val="tx1"/>
+                </a:solidFill>
+                <a:latin typeface="Times New Roman" panose="02020603050405020304" pitchFamily="18" charset="0"/>
+                <a:cs typeface="Times New Roman" panose="02020603050405020304" pitchFamily="18" charset="0"/>
+              </a:rPr>
+              <a:t>Prepare</a:t>
+            </a:r>
+          </a:p>
+          <a:p>
+            <a:pPr algn="ctr"/>
+            <a:r>
+              <a:rPr lang="en-US" altLang="zh-CN" sz="900" dirty="0">
+                <a:solidFill>
+                  <a:schemeClr val="tx1"/>
+                </a:solidFill>
+                <a:latin typeface="Times New Roman" panose="02020603050405020304" pitchFamily="18" charset="0"/>
+                <a:cs typeface="Times New Roman" panose="02020603050405020304" pitchFamily="18" charset="0"/>
+              </a:rPr>
+              <a:t>cgroups</a:t>
+            </a:r>
+          </a:p>
+        </p:txBody>
+      </p:sp>
+      <p:sp>
+        <p:nvSpPr>
+          <p:cNvPr id="7" name="矩形 6">
+            <a:extLst>
+              <a:ext uri="{FF2B5EF4-FFF2-40B4-BE49-F238E27FC236}">
+                <a16:creationId xmlns:a16="http://schemas.microsoft.com/office/drawing/2014/main" id="{CDAC7E60-4D6D-4ED4-8D0C-23CBAE84ACB4}"/>
+              </a:ext>
+            </a:extLst>
+          </p:cNvPr>
+          <p:cNvSpPr/>
+          <p:nvPr/>
+        </p:nvSpPr>
+        <p:spPr>
+          <a:xfrm>
+            <a:off x="5324274" y="3297678"/>
+            <a:ext cx="830094" cy="428017"/>
+          </a:xfrm>
+          <a:prstGeom prst="rect">
+            <a:avLst/>
+          </a:prstGeom>
+          <a:noFill/>
+          <a:ln>
+            <a:solidFill>
+              <a:schemeClr val="tx1"/>
+            </a:solidFill>
+          </a:ln>
+        </p:spPr>
+        <p:style>
+          <a:lnRef idx="2">
+            <a:schemeClr val="accent1">
+              <a:shade val="50000"/>
+            </a:schemeClr>
+          </a:lnRef>
+          <a:fillRef idx="1">
+            <a:schemeClr val="accent1"/>
+          </a:fillRef>
+          <a:effectRef idx="0">
+            <a:schemeClr val="accent1"/>
+          </a:effectRef>
+          <a:fontRef idx="minor">
+            <a:schemeClr val="lt1"/>
+          </a:fontRef>
+        </p:style>
+        <p:txBody>
+          <a:bodyPr rtlCol="0" anchor="ctr"/>
+          <a:lstStyle/>
+          <a:p>
+            <a:pPr algn="ctr"/>
+            <a:r>
+              <a:rPr lang="en-US" altLang="zh-CN" sz="900" dirty="0">
+                <a:solidFill>
+                  <a:schemeClr val="tx1"/>
+                </a:solidFill>
+                <a:latin typeface="Times New Roman" panose="02020603050405020304" pitchFamily="18" charset="0"/>
+                <a:cs typeface="Times New Roman" panose="02020603050405020304" pitchFamily="18" charset="0"/>
+              </a:rPr>
+              <a:t>Initialize</a:t>
+            </a:r>
+          </a:p>
+          <a:p>
+            <a:pPr algn="ctr"/>
+            <a:r>
+              <a:rPr lang="en-US" altLang="zh-CN" sz="900" dirty="0">
+                <a:solidFill>
+                  <a:schemeClr val="tx1"/>
+                </a:solidFill>
+                <a:latin typeface="Times New Roman" panose="02020603050405020304" pitchFamily="18" charset="0"/>
+                <a:cs typeface="Times New Roman" panose="02020603050405020304" pitchFamily="18" charset="0"/>
+              </a:rPr>
+              <a:t>namespaces</a:t>
+            </a:r>
+          </a:p>
+        </p:txBody>
+      </p:sp>
+      <p:sp>
+        <p:nvSpPr>
+          <p:cNvPr id="8" name="矩形 7">
+            <a:extLst>
+              <a:ext uri="{FF2B5EF4-FFF2-40B4-BE49-F238E27FC236}">
+                <a16:creationId xmlns:a16="http://schemas.microsoft.com/office/drawing/2014/main" id="{F83B5ECA-45DB-4095-AB38-7A7FFFF79E9B}"/>
+              </a:ext>
+            </a:extLst>
+          </p:cNvPr>
+          <p:cNvSpPr/>
+          <p:nvPr/>
+        </p:nvSpPr>
+        <p:spPr>
+          <a:xfrm>
+            <a:off x="6487466" y="3297677"/>
+            <a:ext cx="830094" cy="428017"/>
+          </a:xfrm>
+          <a:prstGeom prst="rect">
+            <a:avLst/>
+          </a:prstGeom>
+          <a:noFill/>
+          <a:ln>
+            <a:solidFill>
+              <a:schemeClr val="tx1"/>
+            </a:solidFill>
+          </a:ln>
+        </p:spPr>
+        <p:style>
+          <a:lnRef idx="2">
+            <a:schemeClr val="accent1">
+              <a:shade val="50000"/>
+            </a:schemeClr>
+          </a:lnRef>
+          <a:fillRef idx="1">
+            <a:schemeClr val="accent1"/>
+          </a:fillRef>
+          <a:effectRef idx="0">
+            <a:schemeClr val="accent1"/>
+          </a:effectRef>
+          <a:fontRef idx="minor">
+            <a:schemeClr val="lt1"/>
+          </a:fontRef>
+        </p:style>
+        <p:txBody>
+          <a:bodyPr rtlCol="0" anchor="ctr"/>
+          <a:lstStyle/>
+          <a:p>
+            <a:pPr algn="ctr"/>
+            <a:r>
+              <a:rPr lang="en-US" altLang="zh-CN" sz="900" dirty="0">
+                <a:solidFill>
+                  <a:schemeClr val="tx1"/>
+                </a:solidFill>
+                <a:latin typeface="Times New Roman" panose="02020603050405020304" pitchFamily="18" charset="0"/>
+                <a:cs typeface="Times New Roman" panose="02020603050405020304" pitchFamily="18" charset="0"/>
+              </a:rPr>
+              <a:t>Restore</a:t>
+            </a:r>
+          </a:p>
+          <a:p>
+            <a:pPr algn="ctr"/>
+            <a:r>
+              <a:rPr lang="en-US" altLang="zh-CN" sz="900" dirty="0">
+                <a:solidFill>
+                  <a:schemeClr val="tx1"/>
+                </a:solidFill>
+                <a:latin typeface="Times New Roman" panose="02020603050405020304" pitchFamily="18" charset="0"/>
+                <a:cs typeface="Times New Roman" panose="02020603050405020304" pitchFamily="18" charset="0"/>
+              </a:rPr>
+              <a:t>resources</a:t>
+            </a:r>
+          </a:p>
+        </p:txBody>
+      </p:sp>
+      <p:sp>
+        <p:nvSpPr>
+          <p:cNvPr id="9" name="矩形 8">
+            <a:extLst>
+              <a:ext uri="{FF2B5EF4-FFF2-40B4-BE49-F238E27FC236}">
+                <a16:creationId xmlns:a16="http://schemas.microsoft.com/office/drawing/2014/main" id="{026881F4-B1B2-474C-974C-12769CD3F065}"/>
+              </a:ext>
+            </a:extLst>
+          </p:cNvPr>
+          <p:cNvSpPr/>
+          <p:nvPr/>
+        </p:nvSpPr>
+        <p:spPr>
+          <a:xfrm>
+            <a:off x="7650658" y="3297677"/>
+            <a:ext cx="830094" cy="428017"/>
+          </a:xfrm>
+          <a:prstGeom prst="rect">
+            <a:avLst/>
+          </a:prstGeom>
+          <a:noFill/>
+          <a:ln>
+            <a:solidFill>
+              <a:schemeClr val="tx1"/>
+            </a:solidFill>
+          </a:ln>
+        </p:spPr>
+        <p:style>
+          <a:lnRef idx="2">
+            <a:schemeClr val="accent1">
+              <a:shade val="50000"/>
+            </a:schemeClr>
+          </a:lnRef>
+          <a:fillRef idx="1">
+            <a:schemeClr val="accent1"/>
+          </a:fillRef>
+          <a:effectRef idx="0">
+            <a:schemeClr val="accent1"/>
+          </a:effectRef>
+          <a:fontRef idx="minor">
+            <a:schemeClr val="lt1"/>
+          </a:fontRef>
+        </p:style>
+        <p:txBody>
+          <a:bodyPr rtlCol="0" anchor="ctr"/>
+          <a:lstStyle/>
+          <a:p>
+            <a:pPr algn="ctr"/>
+            <a:r>
+              <a:rPr lang="en-US" altLang="zh-CN" sz="900" dirty="0">
+                <a:solidFill>
+                  <a:schemeClr val="tx1"/>
+                </a:solidFill>
+                <a:latin typeface="Times New Roman" panose="02020603050405020304" pitchFamily="18" charset="0"/>
+                <a:cs typeface="Times New Roman" panose="02020603050405020304" pitchFamily="18" charset="0"/>
+              </a:rPr>
+              <a:t>Load memory</a:t>
+            </a:r>
+          </a:p>
+          <a:p>
+            <a:pPr algn="ctr"/>
+            <a:r>
+              <a:rPr lang="en-US" altLang="zh-CN" sz="900" dirty="0">
+                <a:solidFill>
+                  <a:schemeClr val="tx1"/>
+                </a:solidFill>
+                <a:latin typeface="Times New Roman" panose="02020603050405020304" pitchFamily="18" charset="0"/>
+                <a:cs typeface="Times New Roman" panose="02020603050405020304" pitchFamily="18" charset="0"/>
+              </a:rPr>
+              <a:t>data </a:t>
+            </a:r>
+          </a:p>
+        </p:txBody>
+      </p:sp>
+      <p:sp>
+        <p:nvSpPr>
+          <p:cNvPr id="10" name="矩形 9">
+            <a:extLst>
+              <a:ext uri="{FF2B5EF4-FFF2-40B4-BE49-F238E27FC236}">
+                <a16:creationId xmlns:a16="http://schemas.microsoft.com/office/drawing/2014/main" id="{3017904D-11F0-4F18-B24B-23A735BBE3F7}"/>
+              </a:ext>
+            </a:extLst>
+          </p:cNvPr>
+          <p:cNvSpPr/>
+          <p:nvPr/>
+        </p:nvSpPr>
+        <p:spPr>
+          <a:xfrm>
+            <a:off x="8813850" y="3297677"/>
+            <a:ext cx="830094" cy="428017"/>
+          </a:xfrm>
+          <a:prstGeom prst="rect">
+            <a:avLst/>
+          </a:prstGeom>
+          <a:noFill/>
+          <a:ln>
+            <a:solidFill>
+              <a:schemeClr val="tx1"/>
+            </a:solidFill>
+          </a:ln>
+        </p:spPr>
+        <p:style>
+          <a:lnRef idx="2">
+            <a:schemeClr val="accent1">
+              <a:shade val="50000"/>
+            </a:schemeClr>
+          </a:lnRef>
+          <a:fillRef idx="1">
+            <a:schemeClr val="accent1"/>
+          </a:fillRef>
+          <a:effectRef idx="0">
+            <a:schemeClr val="accent1"/>
+          </a:effectRef>
+          <a:fontRef idx="minor">
+            <a:schemeClr val="lt1"/>
+          </a:fontRef>
+        </p:style>
+        <p:txBody>
+          <a:bodyPr rtlCol="0" anchor="ctr"/>
+          <a:lstStyle/>
+          <a:p>
+            <a:pPr algn="ctr"/>
+            <a:r>
+              <a:rPr lang="en-US" altLang="zh-CN" sz="900" dirty="0">
+                <a:solidFill>
+                  <a:schemeClr val="tx1"/>
+                </a:solidFill>
+                <a:latin typeface="Times New Roman" panose="02020603050405020304" pitchFamily="18" charset="0"/>
+                <a:cs typeface="Times New Roman" panose="02020603050405020304" pitchFamily="18" charset="0"/>
+              </a:rPr>
+              <a:t>Restore</a:t>
+            </a:r>
+          </a:p>
+          <a:p>
+            <a:pPr algn="ctr"/>
+            <a:r>
+              <a:rPr lang="en-US" altLang="zh-CN" sz="900" dirty="0">
+                <a:solidFill>
+                  <a:schemeClr val="tx1"/>
+                </a:solidFill>
+                <a:latin typeface="Times New Roman" panose="02020603050405020304" pitchFamily="18" charset="0"/>
+                <a:cs typeface="Times New Roman" panose="02020603050405020304" pitchFamily="18" charset="0"/>
+              </a:rPr>
+              <a:t>threads</a:t>
+            </a:r>
+          </a:p>
+        </p:txBody>
+      </p:sp>
+      <p:sp>
+        <p:nvSpPr>
+          <p:cNvPr id="11" name="矩形 10">
+            <a:extLst>
+              <a:ext uri="{FF2B5EF4-FFF2-40B4-BE49-F238E27FC236}">
+                <a16:creationId xmlns:a16="http://schemas.microsoft.com/office/drawing/2014/main" id="{8949C399-AEB8-435A-A4C5-4080736FFBE9}"/>
+              </a:ext>
+            </a:extLst>
+          </p:cNvPr>
+          <p:cNvSpPr/>
+          <p:nvPr/>
+        </p:nvSpPr>
+        <p:spPr>
+          <a:xfrm>
+            <a:off x="8813850" y="2548646"/>
+            <a:ext cx="830094" cy="428017"/>
+          </a:xfrm>
+          <a:prstGeom prst="rect">
+            <a:avLst/>
+          </a:prstGeom>
+          <a:noFill/>
+          <a:ln>
+            <a:solidFill>
+              <a:schemeClr val="tx1"/>
+            </a:solidFill>
+          </a:ln>
+        </p:spPr>
+        <p:style>
+          <a:lnRef idx="2">
+            <a:schemeClr val="accent1">
+              <a:shade val="50000"/>
+            </a:schemeClr>
+          </a:lnRef>
+          <a:fillRef idx="1">
+            <a:schemeClr val="accent1"/>
+          </a:fillRef>
+          <a:effectRef idx="0">
+            <a:schemeClr val="accent1"/>
+          </a:effectRef>
+          <a:fontRef idx="minor">
+            <a:schemeClr val="lt1"/>
+          </a:fontRef>
+        </p:style>
+        <p:txBody>
+          <a:bodyPr rtlCol="0" anchor="ctr"/>
+          <a:lstStyle/>
+          <a:p>
+            <a:pPr algn="ctr"/>
+            <a:r>
+              <a:rPr lang="en-US" altLang="zh-CN" sz="900" dirty="0">
+                <a:solidFill>
+                  <a:schemeClr val="tx1"/>
+                </a:solidFill>
+                <a:latin typeface="Times New Roman" panose="02020603050405020304" pitchFamily="18" charset="0"/>
+                <a:cs typeface="Times New Roman" panose="02020603050405020304" pitchFamily="18" charset="0"/>
+              </a:rPr>
+              <a:t>Synchronize</a:t>
+            </a:r>
+          </a:p>
+        </p:txBody>
+      </p:sp>
+      <p:cxnSp>
+        <p:nvCxnSpPr>
+          <p:cNvPr id="13" name="直接箭头连接符 12">
+            <a:extLst>
+              <a:ext uri="{FF2B5EF4-FFF2-40B4-BE49-F238E27FC236}">
+                <a16:creationId xmlns:a16="http://schemas.microsoft.com/office/drawing/2014/main" id="{667C5F29-CE37-446C-87AD-A4F0977B2365}"/>
+              </a:ext>
+            </a:extLst>
+          </p:cNvPr>
+          <p:cNvCxnSpPr>
+            <a:stCxn id="2" idx="3"/>
+            <a:endCxn id="3" idx="1"/>
+          </p:cNvCxnSpPr>
+          <p:nvPr/>
+        </p:nvCxnSpPr>
+        <p:spPr>
+          <a:xfrm>
+            <a:off x="1426725" y="2762656"/>
+            <a:ext cx="379378" cy="0"/>
+          </a:xfrm>
+          <a:prstGeom prst="straightConnector1">
+            <a:avLst/>
+          </a:prstGeom>
+          <a:ln w="12700">
+            <a:tailEnd type="triangle"/>
+          </a:ln>
+        </p:spPr>
+        <p:style>
+          <a:lnRef idx="1">
+            <a:schemeClr val="dk1"/>
+          </a:lnRef>
+          <a:fillRef idx="0">
+            <a:schemeClr val="dk1"/>
+          </a:fillRef>
+          <a:effectRef idx="0">
+            <a:schemeClr val="dk1"/>
+          </a:effectRef>
+          <a:fontRef idx="minor">
+            <a:schemeClr val="tx1"/>
+          </a:fontRef>
+        </p:style>
+      </p:cxnSp>
+      <p:cxnSp>
+        <p:nvCxnSpPr>
+          <p:cNvPr id="17" name="直接箭头连接符 16">
+            <a:extLst>
+              <a:ext uri="{FF2B5EF4-FFF2-40B4-BE49-F238E27FC236}">
+                <a16:creationId xmlns:a16="http://schemas.microsoft.com/office/drawing/2014/main" id="{0ECD9950-FA8A-4914-A621-90FB5FD72C5D}"/>
+              </a:ext>
+            </a:extLst>
+          </p:cNvPr>
+          <p:cNvCxnSpPr>
+            <a:cxnSpLocks/>
+            <a:stCxn id="3" idx="3"/>
+            <a:endCxn id="5" idx="1"/>
+          </p:cNvCxnSpPr>
+          <p:nvPr/>
+        </p:nvCxnSpPr>
+        <p:spPr>
+          <a:xfrm>
+            <a:off x="2636197" y="2762656"/>
+            <a:ext cx="379378" cy="0"/>
+          </a:xfrm>
+          <a:prstGeom prst="straightConnector1">
+            <a:avLst/>
+          </a:prstGeom>
+          <a:ln w="12700">
+            <a:tailEnd type="triangle"/>
+          </a:ln>
+        </p:spPr>
+        <p:style>
+          <a:lnRef idx="1">
+            <a:schemeClr val="dk1"/>
+          </a:lnRef>
+          <a:fillRef idx="0">
+            <a:schemeClr val="dk1"/>
+          </a:fillRef>
+          <a:effectRef idx="0">
+            <a:schemeClr val="dk1"/>
+          </a:effectRef>
+          <a:fontRef idx="minor">
+            <a:schemeClr val="tx1"/>
+          </a:fontRef>
+        </p:style>
+      </p:cxnSp>
+      <p:cxnSp>
+        <p:nvCxnSpPr>
+          <p:cNvPr id="20" name="直接箭头连接符 19">
+            <a:extLst>
+              <a:ext uri="{FF2B5EF4-FFF2-40B4-BE49-F238E27FC236}">
+                <a16:creationId xmlns:a16="http://schemas.microsoft.com/office/drawing/2014/main" id="{D09B4DB2-6A49-4C4E-B324-AB9B56750C11}"/>
+              </a:ext>
+            </a:extLst>
+          </p:cNvPr>
+          <p:cNvCxnSpPr>
+            <a:cxnSpLocks/>
+            <a:stCxn id="5" idx="2"/>
+            <a:endCxn id="4" idx="0"/>
+          </p:cNvCxnSpPr>
+          <p:nvPr/>
+        </p:nvCxnSpPr>
+        <p:spPr>
+          <a:xfrm>
+            <a:off x="3430622" y="2976664"/>
+            <a:ext cx="0" cy="321014"/>
+          </a:xfrm>
+          <a:prstGeom prst="straightConnector1">
+            <a:avLst/>
+          </a:prstGeom>
+          <a:ln w="12700">
+            <a:tailEnd type="triangle"/>
+          </a:ln>
+        </p:spPr>
+        <p:style>
+          <a:lnRef idx="1">
+            <a:schemeClr val="dk1"/>
+          </a:lnRef>
+          <a:fillRef idx="0">
+            <a:schemeClr val="dk1"/>
+          </a:fillRef>
+          <a:effectRef idx="0">
+            <a:schemeClr val="dk1"/>
+          </a:effectRef>
+          <a:fontRef idx="minor">
+            <a:schemeClr val="tx1"/>
+          </a:fontRef>
+        </p:style>
+      </p:cxnSp>
+      <p:cxnSp>
+        <p:nvCxnSpPr>
+          <p:cNvPr id="24" name="直接箭头连接符 23">
+            <a:extLst>
+              <a:ext uri="{FF2B5EF4-FFF2-40B4-BE49-F238E27FC236}">
+                <a16:creationId xmlns:a16="http://schemas.microsoft.com/office/drawing/2014/main" id="{AE699029-5045-4314-B994-670027776E2C}"/>
+              </a:ext>
+            </a:extLst>
+          </p:cNvPr>
+          <p:cNvCxnSpPr>
+            <a:cxnSpLocks/>
+            <a:stCxn id="4" idx="3"/>
+            <a:endCxn id="6" idx="1"/>
+          </p:cNvCxnSpPr>
+          <p:nvPr/>
+        </p:nvCxnSpPr>
+        <p:spPr>
+          <a:xfrm>
+            <a:off x="3806759" y="3511687"/>
+            <a:ext cx="353438" cy="0"/>
+          </a:xfrm>
+          <a:prstGeom prst="straightConnector1">
+            <a:avLst/>
+          </a:prstGeom>
+          <a:ln w="12700">
+            <a:tailEnd type="triangle"/>
+          </a:ln>
+        </p:spPr>
+        <p:style>
+          <a:lnRef idx="1">
+            <a:schemeClr val="dk1"/>
+          </a:lnRef>
+          <a:fillRef idx="0">
+            <a:schemeClr val="dk1"/>
+          </a:fillRef>
+          <a:effectRef idx="0">
+            <a:schemeClr val="dk1"/>
+          </a:effectRef>
+          <a:fontRef idx="minor">
+            <a:schemeClr val="tx1"/>
+          </a:fontRef>
+        </p:style>
+      </p:cxnSp>
+      <p:cxnSp>
+        <p:nvCxnSpPr>
+          <p:cNvPr id="28" name="直接箭头连接符 27">
+            <a:extLst>
+              <a:ext uri="{FF2B5EF4-FFF2-40B4-BE49-F238E27FC236}">
+                <a16:creationId xmlns:a16="http://schemas.microsoft.com/office/drawing/2014/main" id="{53193511-2751-42B5-AA3A-9484CBDCCA16}"/>
+              </a:ext>
+            </a:extLst>
+          </p:cNvPr>
+          <p:cNvCxnSpPr>
+            <a:cxnSpLocks/>
+            <a:stCxn id="6" idx="3"/>
+            <a:endCxn id="7" idx="1"/>
+          </p:cNvCxnSpPr>
+          <p:nvPr/>
+        </p:nvCxnSpPr>
+        <p:spPr>
+          <a:xfrm>
+            <a:off x="4990291" y="3511687"/>
+            <a:ext cx="333983" cy="0"/>
+          </a:xfrm>
+          <a:prstGeom prst="straightConnector1">
+            <a:avLst/>
+          </a:prstGeom>
+          <a:ln w="12700">
+            <a:tailEnd type="triangle"/>
+          </a:ln>
+        </p:spPr>
+        <p:style>
+          <a:lnRef idx="1">
+            <a:schemeClr val="dk1"/>
+          </a:lnRef>
+          <a:fillRef idx="0">
+            <a:schemeClr val="dk1"/>
+          </a:fillRef>
+          <a:effectRef idx="0">
+            <a:schemeClr val="dk1"/>
+          </a:effectRef>
+          <a:fontRef idx="minor">
+            <a:schemeClr val="tx1"/>
+          </a:fontRef>
+        </p:style>
+      </p:cxnSp>
+      <p:cxnSp>
+        <p:nvCxnSpPr>
+          <p:cNvPr id="31" name="直接箭头连接符 30">
+            <a:extLst>
+              <a:ext uri="{FF2B5EF4-FFF2-40B4-BE49-F238E27FC236}">
+                <a16:creationId xmlns:a16="http://schemas.microsoft.com/office/drawing/2014/main" id="{955CA4B6-4751-4AB9-98E6-41C20D20BD10}"/>
+              </a:ext>
+            </a:extLst>
+          </p:cNvPr>
+          <p:cNvCxnSpPr>
+            <a:cxnSpLocks/>
+            <a:stCxn id="7" idx="3"/>
+            <a:endCxn id="8" idx="1"/>
+          </p:cNvCxnSpPr>
+          <p:nvPr/>
+        </p:nvCxnSpPr>
+        <p:spPr>
+          <a:xfrm flipV="1">
+            <a:off x="6154368" y="3511686"/>
+            <a:ext cx="333098" cy="1"/>
+          </a:xfrm>
+          <a:prstGeom prst="straightConnector1">
+            <a:avLst/>
+          </a:prstGeom>
+          <a:ln w="12700">
+            <a:tailEnd type="triangle"/>
+          </a:ln>
+        </p:spPr>
+        <p:style>
+          <a:lnRef idx="1">
+            <a:schemeClr val="dk1"/>
+          </a:lnRef>
+          <a:fillRef idx="0">
+            <a:schemeClr val="dk1"/>
+          </a:fillRef>
+          <a:effectRef idx="0">
+            <a:schemeClr val="dk1"/>
+          </a:effectRef>
+          <a:fontRef idx="minor">
+            <a:schemeClr val="tx1"/>
+          </a:fontRef>
+        </p:style>
+      </p:cxnSp>
+      <p:cxnSp>
+        <p:nvCxnSpPr>
+          <p:cNvPr id="34" name="直接箭头连接符 33">
+            <a:extLst>
+              <a:ext uri="{FF2B5EF4-FFF2-40B4-BE49-F238E27FC236}">
+                <a16:creationId xmlns:a16="http://schemas.microsoft.com/office/drawing/2014/main" id="{F61B8959-129E-472B-8653-E6CEE14472FE}"/>
+              </a:ext>
+            </a:extLst>
+          </p:cNvPr>
+          <p:cNvCxnSpPr>
+            <a:cxnSpLocks/>
+            <a:stCxn id="8" idx="3"/>
+            <a:endCxn id="9" idx="1"/>
+          </p:cNvCxnSpPr>
+          <p:nvPr/>
+        </p:nvCxnSpPr>
+        <p:spPr>
+          <a:xfrm>
+            <a:off x="7317560" y="3511686"/>
+            <a:ext cx="333098" cy="0"/>
+          </a:xfrm>
+          <a:prstGeom prst="straightConnector1">
+            <a:avLst/>
+          </a:prstGeom>
+          <a:ln w="12700">
+            <a:tailEnd type="triangle"/>
+          </a:ln>
+        </p:spPr>
+        <p:style>
+          <a:lnRef idx="1">
+            <a:schemeClr val="dk1"/>
+          </a:lnRef>
+          <a:fillRef idx="0">
+            <a:schemeClr val="dk1"/>
+          </a:fillRef>
+          <a:effectRef idx="0">
+            <a:schemeClr val="dk1"/>
+          </a:effectRef>
+          <a:fontRef idx="minor">
+            <a:schemeClr val="tx1"/>
+          </a:fontRef>
+        </p:style>
+      </p:cxnSp>
+      <p:cxnSp>
+        <p:nvCxnSpPr>
+          <p:cNvPr id="37" name="直接箭头连接符 36">
+            <a:extLst>
+              <a:ext uri="{FF2B5EF4-FFF2-40B4-BE49-F238E27FC236}">
+                <a16:creationId xmlns:a16="http://schemas.microsoft.com/office/drawing/2014/main" id="{17343791-C46D-43AA-8AA6-159980F2A783}"/>
+              </a:ext>
+            </a:extLst>
+          </p:cNvPr>
+          <p:cNvCxnSpPr>
+            <a:cxnSpLocks/>
+            <a:endCxn id="10" idx="1"/>
+          </p:cNvCxnSpPr>
+          <p:nvPr/>
+        </p:nvCxnSpPr>
+        <p:spPr>
+          <a:xfrm>
+            <a:off x="8480752" y="3511685"/>
+            <a:ext cx="333098" cy="1"/>
+          </a:xfrm>
+          <a:prstGeom prst="straightConnector1">
+            <a:avLst/>
+          </a:prstGeom>
+          <a:ln w="12700">
+            <a:tailEnd type="triangle"/>
+          </a:ln>
+        </p:spPr>
+        <p:style>
+          <a:lnRef idx="1">
+            <a:schemeClr val="dk1"/>
+          </a:lnRef>
+          <a:fillRef idx="0">
+            <a:schemeClr val="dk1"/>
+          </a:fillRef>
+          <a:effectRef idx="0">
+            <a:schemeClr val="dk1"/>
+          </a:effectRef>
+          <a:fontRef idx="minor">
+            <a:schemeClr val="tx1"/>
+          </a:fontRef>
+        </p:style>
+      </p:cxnSp>
+      <p:sp>
+        <p:nvSpPr>
+          <p:cNvPr id="42" name="矩形 41">
+            <a:extLst>
+              <a:ext uri="{FF2B5EF4-FFF2-40B4-BE49-F238E27FC236}">
+                <a16:creationId xmlns:a16="http://schemas.microsoft.com/office/drawing/2014/main" id="{DB3FDF0F-66A8-4EC9-BC54-F1AE0265F39B}"/>
+              </a:ext>
+            </a:extLst>
+          </p:cNvPr>
+          <p:cNvSpPr/>
+          <p:nvPr/>
+        </p:nvSpPr>
+        <p:spPr>
+          <a:xfrm>
+            <a:off x="10058990" y="2923161"/>
+            <a:ext cx="613241" cy="428017"/>
+          </a:xfrm>
+          <a:prstGeom prst="rect">
+            <a:avLst/>
+          </a:prstGeom>
+          <a:noFill/>
+          <a:ln>
+            <a:solidFill>
+              <a:schemeClr val="tx1"/>
+            </a:solidFill>
+          </a:ln>
+        </p:spPr>
+        <p:style>
+          <a:lnRef idx="2">
+            <a:schemeClr val="accent1">
+              <a:shade val="50000"/>
+            </a:schemeClr>
+          </a:lnRef>
+          <a:fillRef idx="1">
+            <a:schemeClr val="accent1"/>
+          </a:fillRef>
+          <a:effectRef idx="0">
+            <a:schemeClr val="accent1"/>
+          </a:effectRef>
+          <a:fontRef idx="minor">
+            <a:schemeClr val="lt1"/>
+          </a:fontRef>
+        </p:style>
+        <p:txBody>
+          <a:bodyPr rtlCol="0" anchor="ctr"/>
+          <a:lstStyle/>
+          <a:p>
+            <a:pPr algn="ctr"/>
+            <a:r>
+              <a:rPr lang="en-US" altLang="zh-CN" sz="900" dirty="0">
+                <a:solidFill>
+                  <a:schemeClr val="tx1"/>
+                </a:solidFill>
+                <a:latin typeface="Times New Roman" panose="02020603050405020304" pitchFamily="18" charset="0"/>
+                <a:cs typeface="Times New Roman" panose="02020603050405020304" pitchFamily="18" charset="0"/>
+              </a:rPr>
+              <a:t>Execute</a:t>
+            </a:r>
+          </a:p>
+        </p:txBody>
+      </p:sp>
+      <p:cxnSp>
+        <p:nvCxnSpPr>
+          <p:cNvPr id="44" name="连接符: 肘形 43">
+            <a:extLst>
+              <a:ext uri="{FF2B5EF4-FFF2-40B4-BE49-F238E27FC236}">
+                <a16:creationId xmlns:a16="http://schemas.microsoft.com/office/drawing/2014/main" id="{EF622640-E96E-4394-8333-75238B9D3B63}"/>
+              </a:ext>
+            </a:extLst>
+          </p:cNvPr>
+          <p:cNvCxnSpPr>
+            <a:cxnSpLocks/>
+            <a:stCxn id="11" idx="3"/>
+            <a:endCxn id="42" idx="1"/>
+          </p:cNvCxnSpPr>
+          <p:nvPr/>
+        </p:nvCxnSpPr>
+        <p:spPr>
+          <a:xfrm>
+            <a:off x="9643944" y="2762655"/>
+            <a:ext cx="415046" cy="374515"/>
+          </a:xfrm>
+          <a:prstGeom prst="bentConnector3">
+            <a:avLst/>
+          </a:prstGeom>
+          <a:ln w="12700">
+            <a:tailEnd type="triangle"/>
+          </a:ln>
+        </p:spPr>
+        <p:style>
+          <a:lnRef idx="1">
+            <a:schemeClr val="dk1"/>
+          </a:lnRef>
+          <a:fillRef idx="0">
+            <a:schemeClr val="dk1"/>
+          </a:fillRef>
+          <a:effectRef idx="0">
+            <a:schemeClr val="dk1"/>
+          </a:effectRef>
+          <a:fontRef idx="minor">
+            <a:schemeClr val="tx1"/>
+          </a:fontRef>
+        </p:style>
+      </p:cxnSp>
+      <p:cxnSp>
+        <p:nvCxnSpPr>
+          <p:cNvPr id="45" name="连接符: 肘形 44">
+            <a:extLst>
+              <a:ext uri="{FF2B5EF4-FFF2-40B4-BE49-F238E27FC236}">
+                <a16:creationId xmlns:a16="http://schemas.microsoft.com/office/drawing/2014/main" id="{C914FC8C-7010-438E-8FA0-7D87344D58E3}"/>
+              </a:ext>
+            </a:extLst>
+          </p:cNvPr>
+          <p:cNvCxnSpPr>
+            <a:cxnSpLocks/>
+            <a:stCxn id="10" idx="3"/>
+            <a:endCxn id="42" idx="1"/>
+          </p:cNvCxnSpPr>
+          <p:nvPr/>
+        </p:nvCxnSpPr>
+        <p:spPr>
+          <a:xfrm flipV="1">
+            <a:off x="9643944" y="3137170"/>
+            <a:ext cx="415046" cy="374516"/>
+          </a:xfrm>
+          <a:prstGeom prst="bentConnector3">
+            <a:avLst/>
+          </a:prstGeom>
+          <a:ln w="12700">
+            <a:tailEnd type="triangle"/>
+          </a:ln>
+        </p:spPr>
+        <p:style>
+          <a:lnRef idx="1">
+            <a:schemeClr val="dk1"/>
+          </a:lnRef>
+          <a:fillRef idx="0">
+            <a:schemeClr val="dk1"/>
+          </a:fillRef>
+          <a:effectRef idx="0">
+            <a:schemeClr val="dk1"/>
+          </a:effectRef>
+          <a:fontRef idx="minor">
+            <a:schemeClr val="tx1"/>
+          </a:fontRef>
+        </p:style>
+      </p:cxnSp>
+      <p:cxnSp>
+        <p:nvCxnSpPr>
+          <p:cNvPr id="48" name="直接箭头连接符 47">
+            <a:extLst>
+              <a:ext uri="{FF2B5EF4-FFF2-40B4-BE49-F238E27FC236}">
+                <a16:creationId xmlns:a16="http://schemas.microsoft.com/office/drawing/2014/main" id="{6932D7D2-8CAC-4DB1-B85D-4D322B09B6C2}"/>
+              </a:ext>
+            </a:extLst>
+          </p:cNvPr>
+          <p:cNvCxnSpPr>
+            <a:cxnSpLocks/>
+            <a:stCxn id="5" idx="3"/>
+            <a:endCxn id="11" idx="1"/>
+          </p:cNvCxnSpPr>
+          <p:nvPr/>
+        </p:nvCxnSpPr>
+        <p:spPr>
+          <a:xfrm flipV="1">
+            <a:off x="3845669" y="2762655"/>
+            <a:ext cx="4968181" cy="1"/>
+          </a:xfrm>
+          <a:prstGeom prst="straightConnector1">
+            <a:avLst/>
+          </a:prstGeom>
+          <a:ln w="12700">
+            <a:tailEnd type="triangle"/>
+          </a:ln>
+        </p:spPr>
+        <p:style>
+          <a:lnRef idx="1">
+            <a:schemeClr val="dk1"/>
+          </a:lnRef>
+          <a:fillRef idx="0">
+            <a:schemeClr val="dk1"/>
+          </a:fillRef>
+          <a:effectRef idx="0">
+            <a:schemeClr val="dk1"/>
+          </a:effectRef>
+          <a:fontRef idx="minor">
+            <a:schemeClr val="tx1"/>
+          </a:fontRef>
+        </p:style>
+      </p:cxnSp>
+      <p:sp>
+        <p:nvSpPr>
+          <p:cNvPr id="55" name="文本框 54">
+            <a:extLst>
+              <a:ext uri="{FF2B5EF4-FFF2-40B4-BE49-F238E27FC236}">
+                <a16:creationId xmlns:a16="http://schemas.microsoft.com/office/drawing/2014/main" id="{CC71257C-421E-41B1-8E45-7C1AADC493ED}"/>
+              </a:ext>
+            </a:extLst>
+          </p:cNvPr>
+          <p:cNvSpPr txBox="1"/>
+          <p:nvPr/>
+        </p:nvSpPr>
+        <p:spPr>
+          <a:xfrm>
+            <a:off x="764543" y="2240358"/>
+            <a:ext cx="616874" cy="276999"/>
+          </a:xfrm>
+          <a:prstGeom prst="rect">
+            <a:avLst/>
+          </a:prstGeom>
+          <a:noFill/>
+        </p:spPr>
+        <p:txBody>
+          <a:bodyPr wrap="square" rtlCol="0">
+            <a:spAutoFit/>
+          </a:bodyPr>
+          <a:lstStyle/>
+          <a:p>
+            <a:r>
+              <a:rPr lang="en-US" altLang="zh-CN" sz="1200" dirty="0">
+                <a:solidFill>
+                  <a:srgbClr val="C00000"/>
+                </a:solidFill>
+                <a:latin typeface="Times New Roman" panose="02020603050405020304" pitchFamily="18" charset="0"/>
+                <a:cs typeface="Times New Roman" panose="02020603050405020304" pitchFamily="18" charset="0"/>
+              </a:rPr>
+              <a:t>0.9ms</a:t>
+            </a:r>
+            <a:endParaRPr lang="zh-CN" altLang="en-US" sz="1200" dirty="0">
+              <a:solidFill>
+                <a:srgbClr val="C00000"/>
+              </a:solidFill>
+              <a:latin typeface="Times New Roman" panose="02020603050405020304" pitchFamily="18" charset="0"/>
+              <a:cs typeface="Times New Roman" panose="02020603050405020304" pitchFamily="18" charset="0"/>
+            </a:endParaRPr>
+          </a:p>
+        </p:txBody>
+      </p:sp>
+      <p:sp>
+        <p:nvSpPr>
+          <p:cNvPr id="56" name="文本框 55">
+            <a:extLst>
+              <a:ext uri="{FF2B5EF4-FFF2-40B4-BE49-F238E27FC236}">
+                <a16:creationId xmlns:a16="http://schemas.microsoft.com/office/drawing/2014/main" id="{5CFC0C54-73DA-431A-A072-C039D274F49D}"/>
+              </a:ext>
+            </a:extLst>
+          </p:cNvPr>
+          <p:cNvSpPr txBox="1"/>
+          <p:nvPr/>
+        </p:nvSpPr>
+        <p:spPr>
+          <a:xfrm>
+            <a:off x="3242950" y="2240358"/>
+            <a:ext cx="505267" cy="276999"/>
+          </a:xfrm>
+          <a:prstGeom prst="rect">
+            <a:avLst/>
+          </a:prstGeom>
+          <a:noFill/>
+        </p:spPr>
+        <p:txBody>
+          <a:bodyPr wrap="square" rtlCol="0">
+            <a:spAutoFit/>
+          </a:bodyPr>
+          <a:lstStyle/>
+          <a:p>
+            <a:r>
+              <a:rPr lang="en-US" altLang="zh-CN" sz="1200" dirty="0">
+                <a:solidFill>
+                  <a:srgbClr val="C00000"/>
+                </a:solidFill>
+                <a:latin typeface="Times New Roman" panose="02020603050405020304" pitchFamily="18" charset="0"/>
+                <a:cs typeface="Times New Roman" panose="02020603050405020304" pitchFamily="18" charset="0"/>
+              </a:rPr>
+              <a:t>5ms</a:t>
+            </a:r>
+            <a:endParaRPr lang="zh-CN" altLang="en-US" sz="1200" dirty="0">
+              <a:solidFill>
+                <a:srgbClr val="C00000"/>
+              </a:solidFill>
+              <a:latin typeface="Times New Roman" panose="02020603050405020304" pitchFamily="18" charset="0"/>
+              <a:cs typeface="Times New Roman" panose="02020603050405020304" pitchFamily="18" charset="0"/>
+            </a:endParaRPr>
+          </a:p>
+        </p:txBody>
+      </p:sp>
+      <p:sp>
+        <p:nvSpPr>
+          <p:cNvPr id="57" name="文本框 56">
+            <a:extLst>
+              <a:ext uri="{FF2B5EF4-FFF2-40B4-BE49-F238E27FC236}">
+                <a16:creationId xmlns:a16="http://schemas.microsoft.com/office/drawing/2014/main" id="{B3D8F638-01A2-46DA-80C7-79D5049F5B6D}"/>
+              </a:ext>
+            </a:extLst>
+          </p:cNvPr>
+          <p:cNvSpPr txBox="1"/>
+          <p:nvPr/>
+        </p:nvSpPr>
+        <p:spPr>
+          <a:xfrm>
+            <a:off x="1912713" y="2240358"/>
+            <a:ext cx="616874" cy="276999"/>
+          </a:xfrm>
+          <a:prstGeom prst="rect">
+            <a:avLst/>
+          </a:prstGeom>
+          <a:noFill/>
+        </p:spPr>
+        <p:txBody>
+          <a:bodyPr wrap="square" rtlCol="0">
+            <a:spAutoFit/>
+          </a:bodyPr>
+          <a:lstStyle/>
+          <a:p>
+            <a:r>
+              <a:rPr lang="en-US" altLang="zh-CN" sz="1200" dirty="0">
+                <a:solidFill>
+                  <a:srgbClr val="C00000"/>
+                </a:solidFill>
+                <a:latin typeface="Times New Roman" panose="02020603050405020304" pitchFamily="18" charset="0"/>
+                <a:cs typeface="Times New Roman" panose="02020603050405020304" pitchFamily="18" charset="0"/>
+              </a:rPr>
+              <a:t>1.2ms</a:t>
+            </a:r>
+            <a:endParaRPr lang="zh-CN" altLang="en-US" sz="1200" dirty="0">
+              <a:solidFill>
+                <a:srgbClr val="C00000"/>
+              </a:solidFill>
+              <a:latin typeface="Times New Roman" panose="02020603050405020304" pitchFamily="18" charset="0"/>
+              <a:cs typeface="Times New Roman" panose="02020603050405020304" pitchFamily="18" charset="0"/>
+            </a:endParaRPr>
+          </a:p>
+        </p:txBody>
+      </p:sp>
+      <p:sp>
+        <p:nvSpPr>
+          <p:cNvPr id="59" name="文本框 58">
+            <a:extLst>
+              <a:ext uri="{FF2B5EF4-FFF2-40B4-BE49-F238E27FC236}">
+                <a16:creationId xmlns:a16="http://schemas.microsoft.com/office/drawing/2014/main" id="{9773B389-4542-44C2-BBE3-8B1E72F39C87}"/>
+              </a:ext>
+            </a:extLst>
+          </p:cNvPr>
+          <p:cNvSpPr txBox="1"/>
+          <p:nvPr/>
+        </p:nvSpPr>
+        <p:spPr>
+          <a:xfrm>
+            <a:off x="4350372" y="3725694"/>
+            <a:ext cx="505267" cy="276999"/>
+          </a:xfrm>
+          <a:prstGeom prst="rect">
+            <a:avLst/>
+          </a:prstGeom>
+          <a:noFill/>
+        </p:spPr>
+        <p:txBody>
+          <a:bodyPr wrap="square" rtlCol="0">
+            <a:spAutoFit/>
+          </a:bodyPr>
+          <a:lstStyle/>
+          <a:p>
+            <a:r>
+              <a:rPr lang="en-US" altLang="zh-CN" sz="1200" dirty="0">
+                <a:solidFill>
+                  <a:srgbClr val="C00000"/>
+                </a:solidFill>
+                <a:latin typeface="Times New Roman" panose="02020603050405020304" pitchFamily="18" charset="0"/>
+                <a:cs typeface="Times New Roman" panose="02020603050405020304" pitchFamily="18" charset="0"/>
+              </a:rPr>
+              <a:t>3ms</a:t>
+            </a:r>
+            <a:endParaRPr lang="zh-CN" altLang="en-US" sz="1200" dirty="0">
+              <a:solidFill>
+                <a:srgbClr val="C00000"/>
+              </a:solidFill>
+              <a:latin typeface="Times New Roman" panose="02020603050405020304" pitchFamily="18" charset="0"/>
+              <a:cs typeface="Times New Roman" panose="02020603050405020304" pitchFamily="18" charset="0"/>
+            </a:endParaRPr>
+          </a:p>
+        </p:txBody>
+      </p:sp>
+      <p:sp>
+        <p:nvSpPr>
+          <p:cNvPr id="60" name="文本框 59">
+            <a:extLst>
+              <a:ext uri="{FF2B5EF4-FFF2-40B4-BE49-F238E27FC236}">
+                <a16:creationId xmlns:a16="http://schemas.microsoft.com/office/drawing/2014/main" id="{83E457B7-B7E9-4F17-9FC5-E1D91D58474D}"/>
+              </a:ext>
+            </a:extLst>
+          </p:cNvPr>
+          <p:cNvSpPr txBox="1"/>
+          <p:nvPr/>
+        </p:nvSpPr>
+        <p:spPr>
+          <a:xfrm>
+            <a:off x="5490563" y="3725694"/>
+            <a:ext cx="581857" cy="276999"/>
+          </a:xfrm>
+          <a:prstGeom prst="rect">
+            <a:avLst/>
+          </a:prstGeom>
+          <a:noFill/>
+        </p:spPr>
+        <p:txBody>
+          <a:bodyPr wrap="square" rtlCol="0">
+            <a:spAutoFit/>
+          </a:bodyPr>
+          <a:lstStyle/>
+          <a:p>
+            <a:r>
+              <a:rPr lang="en-US" altLang="zh-CN" sz="1200" dirty="0">
+                <a:solidFill>
+                  <a:srgbClr val="C00000"/>
+                </a:solidFill>
+                <a:latin typeface="Times New Roman" panose="02020603050405020304" pitchFamily="18" charset="0"/>
+                <a:cs typeface="Times New Roman" panose="02020603050405020304" pitchFamily="18" charset="0"/>
+              </a:rPr>
+              <a:t>30ms</a:t>
+            </a:r>
+            <a:endParaRPr lang="zh-CN" altLang="en-US" sz="1200" dirty="0">
+              <a:solidFill>
+                <a:srgbClr val="C00000"/>
+              </a:solidFill>
+              <a:latin typeface="Times New Roman" panose="02020603050405020304" pitchFamily="18" charset="0"/>
+              <a:cs typeface="Times New Roman" panose="02020603050405020304" pitchFamily="18" charset="0"/>
+            </a:endParaRPr>
+          </a:p>
+        </p:txBody>
+      </p:sp>
+      <p:sp>
+        <p:nvSpPr>
+          <p:cNvPr id="61" name="文本框 60">
+            <a:extLst>
+              <a:ext uri="{FF2B5EF4-FFF2-40B4-BE49-F238E27FC236}">
+                <a16:creationId xmlns:a16="http://schemas.microsoft.com/office/drawing/2014/main" id="{75C02C55-02C1-49F8-8DAF-EA7DC5B9118B}"/>
+              </a:ext>
+            </a:extLst>
+          </p:cNvPr>
+          <p:cNvSpPr txBox="1"/>
+          <p:nvPr/>
+        </p:nvSpPr>
+        <p:spPr>
+          <a:xfrm>
+            <a:off x="6707344" y="3725694"/>
+            <a:ext cx="581857" cy="276999"/>
+          </a:xfrm>
+          <a:prstGeom prst="rect">
+            <a:avLst/>
+          </a:prstGeom>
+          <a:noFill/>
+        </p:spPr>
+        <p:txBody>
+          <a:bodyPr wrap="square" rtlCol="0">
+            <a:spAutoFit/>
+          </a:bodyPr>
+          <a:lstStyle/>
+          <a:p>
+            <a:r>
+              <a:rPr lang="en-US" altLang="zh-CN" sz="1200" dirty="0">
+                <a:solidFill>
+                  <a:srgbClr val="C00000"/>
+                </a:solidFill>
+                <a:latin typeface="Times New Roman" panose="02020603050405020304" pitchFamily="18" charset="0"/>
+                <a:cs typeface="Times New Roman" panose="02020603050405020304" pitchFamily="18" charset="0"/>
+              </a:rPr>
+              <a:t>7ms</a:t>
+            </a:r>
+            <a:endParaRPr lang="zh-CN" altLang="en-US" sz="1200" dirty="0">
+              <a:solidFill>
+                <a:srgbClr val="C00000"/>
+              </a:solidFill>
+              <a:latin typeface="Times New Roman" panose="02020603050405020304" pitchFamily="18" charset="0"/>
+              <a:cs typeface="Times New Roman" panose="02020603050405020304" pitchFamily="18" charset="0"/>
+            </a:endParaRPr>
+          </a:p>
+        </p:txBody>
+      </p:sp>
+      <p:sp>
+        <p:nvSpPr>
+          <p:cNvPr id="62" name="文本框 61">
+            <a:extLst>
+              <a:ext uri="{FF2B5EF4-FFF2-40B4-BE49-F238E27FC236}">
+                <a16:creationId xmlns:a16="http://schemas.microsoft.com/office/drawing/2014/main" id="{B229882F-7897-4CAA-B402-C1B4D6790B61}"/>
+              </a:ext>
+            </a:extLst>
+          </p:cNvPr>
+          <p:cNvSpPr txBox="1"/>
+          <p:nvPr/>
+        </p:nvSpPr>
+        <p:spPr>
+          <a:xfrm>
+            <a:off x="7870536" y="3725693"/>
+            <a:ext cx="581857" cy="276999"/>
+          </a:xfrm>
+          <a:prstGeom prst="rect">
+            <a:avLst/>
+          </a:prstGeom>
+          <a:noFill/>
+        </p:spPr>
+        <p:txBody>
+          <a:bodyPr wrap="square" rtlCol="0">
+            <a:spAutoFit/>
+          </a:bodyPr>
+          <a:lstStyle/>
+          <a:p>
+            <a:r>
+              <a:rPr lang="en-US" altLang="zh-CN" sz="1200" dirty="0">
+                <a:solidFill>
+                  <a:srgbClr val="C00000"/>
+                </a:solidFill>
+                <a:latin typeface="Times New Roman" panose="02020603050405020304" pitchFamily="18" charset="0"/>
+                <a:cs typeface="Times New Roman" panose="02020603050405020304" pitchFamily="18" charset="0"/>
+              </a:rPr>
+              <a:t>7ms</a:t>
+            </a:r>
+            <a:endParaRPr lang="zh-CN" altLang="en-US" sz="1200" dirty="0">
+              <a:solidFill>
+                <a:srgbClr val="C00000"/>
+              </a:solidFill>
+              <a:latin typeface="Times New Roman" panose="02020603050405020304" pitchFamily="18" charset="0"/>
+              <a:cs typeface="Times New Roman" panose="02020603050405020304" pitchFamily="18" charset="0"/>
+            </a:endParaRPr>
+          </a:p>
+        </p:txBody>
+      </p:sp>
+      <p:sp>
+        <p:nvSpPr>
+          <p:cNvPr id="63" name="文本框 62">
+            <a:extLst>
+              <a:ext uri="{FF2B5EF4-FFF2-40B4-BE49-F238E27FC236}">
+                <a16:creationId xmlns:a16="http://schemas.microsoft.com/office/drawing/2014/main" id="{5BFE7D3F-AAFF-4402-B922-090BDB5ACF28}"/>
+              </a:ext>
+            </a:extLst>
+          </p:cNvPr>
+          <p:cNvSpPr txBox="1"/>
+          <p:nvPr/>
+        </p:nvSpPr>
+        <p:spPr>
+          <a:xfrm>
+            <a:off x="9019714" y="2240358"/>
+            <a:ext cx="581857" cy="276999"/>
+          </a:xfrm>
+          <a:prstGeom prst="rect">
+            <a:avLst/>
+          </a:prstGeom>
+          <a:noFill/>
+        </p:spPr>
+        <p:txBody>
+          <a:bodyPr wrap="square" rtlCol="0">
+            <a:spAutoFit/>
+          </a:bodyPr>
+          <a:lstStyle/>
+          <a:p>
+            <a:r>
+              <a:rPr lang="en-US" altLang="zh-CN" sz="1200" dirty="0">
+                <a:solidFill>
+                  <a:srgbClr val="C00000"/>
+                </a:solidFill>
+                <a:latin typeface="Times New Roman" panose="02020603050405020304" pitchFamily="18" charset="0"/>
+                <a:cs typeface="Times New Roman" panose="02020603050405020304" pitchFamily="18" charset="0"/>
+              </a:rPr>
+              <a:t>1ms</a:t>
+            </a:r>
+            <a:endParaRPr lang="zh-CN" altLang="en-US" sz="1200" dirty="0">
+              <a:solidFill>
+                <a:srgbClr val="C00000"/>
+              </a:solidFill>
+              <a:latin typeface="Times New Roman" panose="02020603050405020304" pitchFamily="18" charset="0"/>
+              <a:cs typeface="Times New Roman" panose="02020603050405020304" pitchFamily="18" charset="0"/>
+            </a:endParaRPr>
+          </a:p>
+        </p:txBody>
+      </p:sp>
+      <p:sp>
+        <p:nvSpPr>
+          <p:cNvPr id="64" name="文本框 63">
+            <a:extLst>
+              <a:ext uri="{FF2B5EF4-FFF2-40B4-BE49-F238E27FC236}">
+                <a16:creationId xmlns:a16="http://schemas.microsoft.com/office/drawing/2014/main" id="{C460A173-4F45-47FA-A3BC-A0DBDB305C2E}"/>
+              </a:ext>
+            </a:extLst>
+          </p:cNvPr>
+          <p:cNvSpPr txBox="1"/>
+          <p:nvPr/>
+        </p:nvSpPr>
+        <p:spPr>
+          <a:xfrm>
+            <a:off x="9005369" y="3720677"/>
+            <a:ext cx="581857" cy="276999"/>
+          </a:xfrm>
+          <a:prstGeom prst="rect">
+            <a:avLst/>
+          </a:prstGeom>
+          <a:noFill/>
+        </p:spPr>
+        <p:txBody>
+          <a:bodyPr wrap="square" rtlCol="0">
+            <a:spAutoFit/>
+          </a:bodyPr>
+          <a:lstStyle/>
+          <a:p>
+            <a:r>
+              <a:rPr lang="en-US" altLang="zh-CN" sz="1200" dirty="0">
+                <a:solidFill>
+                  <a:srgbClr val="C00000"/>
+                </a:solidFill>
+                <a:latin typeface="Times New Roman" panose="02020603050405020304" pitchFamily="18" charset="0"/>
+                <a:cs typeface="Times New Roman" panose="02020603050405020304" pitchFamily="18" charset="0"/>
+              </a:rPr>
+              <a:t>5ms</a:t>
+            </a:r>
+            <a:endParaRPr lang="zh-CN" altLang="en-US" sz="1200" dirty="0">
+              <a:solidFill>
+                <a:srgbClr val="C00000"/>
+              </a:solidFill>
+              <a:latin typeface="Times New Roman" panose="02020603050405020304" pitchFamily="18" charset="0"/>
+              <a:cs typeface="Times New Roman" panose="02020603050405020304" pitchFamily="18" charset="0"/>
+            </a:endParaRPr>
+          </a:p>
+        </p:txBody>
+      </p:sp>
     </p:spTree>
     <p:extLst>
       <p:ext uri="{BB962C8B-B14F-4D97-AF65-F5344CB8AC3E}">
         <p14:creationId xmlns:p14="http://schemas.microsoft.com/office/powerpoint/2010/main" val="1532981424"/>
+      </p:ext>
+    </p:extLst>
+  </p:cSld>
+  <p:clrMapOvr>
+    <a:masterClrMapping/>
+  </p:clrMapOvr>
+</p:sld>
+</file>
+
+<file path=ppt/slides/slide3.xml><?xml version="1.0" encoding="utf-8"?>
+<p:sld xmlns:a="http://schemas.openxmlformats.org/drawingml/2006/main" xmlns:r="http://schemas.openxmlformats.org/officeDocument/2006/relationships" xmlns:p="http://schemas.openxmlformats.org/presentationml/2006/main">
+  <p:cSld>
+    <p:spTree>
+      <p:nvGrpSpPr>
+        <p:cNvPr id="1" name=""/>
+        <p:cNvGrpSpPr/>
+        <p:nvPr/>
+      </p:nvGrpSpPr>
+      <p:grpSpPr>
+        <a:xfrm>
+          <a:off x="0" y="0"/>
+          <a:ext cx="0" cy="0"/>
+          <a:chOff x="0" y="0"/>
+          <a:chExt cx="0" cy="0"/>
+        </a:xfrm>
+      </p:grpSpPr>
+      <p:sp>
+        <p:nvSpPr>
+          <p:cNvPr id="2" name="矩形 1">
+            <a:extLst>
+              <a:ext uri="{FF2B5EF4-FFF2-40B4-BE49-F238E27FC236}">
+                <a16:creationId xmlns:a16="http://schemas.microsoft.com/office/drawing/2014/main" id="{B71FC87C-A2F5-4FC7-921D-DC41DE9DF4D2}"/>
+              </a:ext>
+            </a:extLst>
+          </p:cNvPr>
+          <p:cNvSpPr/>
+          <p:nvPr/>
+        </p:nvSpPr>
+        <p:spPr>
+          <a:xfrm>
+            <a:off x="596631" y="2548647"/>
+            <a:ext cx="830094" cy="428017"/>
+          </a:xfrm>
+          <a:prstGeom prst="rect">
+            <a:avLst/>
+          </a:prstGeom>
+          <a:noFill/>
+          <a:ln>
+            <a:solidFill>
+              <a:schemeClr val="tx1"/>
+            </a:solidFill>
+          </a:ln>
+        </p:spPr>
+        <p:style>
+          <a:lnRef idx="2">
+            <a:schemeClr val="accent1">
+              <a:shade val="50000"/>
+            </a:schemeClr>
+          </a:lnRef>
+          <a:fillRef idx="1">
+            <a:schemeClr val="accent1"/>
+          </a:fillRef>
+          <a:effectRef idx="0">
+            <a:schemeClr val="accent1"/>
+          </a:effectRef>
+          <a:fontRef idx="minor">
+            <a:schemeClr val="lt1"/>
+          </a:fontRef>
+        </p:style>
+        <p:txBody>
+          <a:bodyPr rtlCol="0" anchor="ctr"/>
+          <a:lstStyle/>
+          <a:p>
+            <a:pPr algn="ctr"/>
+            <a:r>
+              <a:rPr lang="en-US" altLang="zh-CN" sz="900" dirty="0">
+                <a:solidFill>
+                  <a:schemeClr val="tx1"/>
+                </a:solidFill>
+                <a:latin typeface="Times New Roman" panose="02020603050405020304" pitchFamily="18" charset="0"/>
+                <a:cs typeface="Times New Roman" panose="02020603050405020304" pitchFamily="18" charset="0"/>
+              </a:rPr>
+              <a:t>Parse</a:t>
+            </a:r>
+          </a:p>
+          <a:p>
+            <a:pPr algn="ctr"/>
+            <a:r>
+              <a:rPr lang="en-US" altLang="zh-CN" sz="900" dirty="0">
+                <a:solidFill>
+                  <a:schemeClr val="tx1"/>
+                </a:solidFill>
+                <a:latin typeface="Times New Roman" panose="02020603050405020304" pitchFamily="18" charset="0"/>
+                <a:cs typeface="Times New Roman" panose="02020603050405020304" pitchFamily="18" charset="0"/>
+              </a:rPr>
+              <a:t>configuration</a:t>
+            </a:r>
+            <a:endParaRPr lang="zh-CN" altLang="en-US" sz="900" dirty="0">
+              <a:latin typeface="Times New Roman" panose="02020603050405020304" pitchFamily="18" charset="0"/>
+              <a:cs typeface="Times New Roman" panose="02020603050405020304" pitchFamily="18" charset="0"/>
+            </a:endParaRPr>
+          </a:p>
+        </p:txBody>
+      </p:sp>
+      <p:sp>
+        <p:nvSpPr>
+          <p:cNvPr id="3" name="矩形 2">
+            <a:extLst>
+              <a:ext uri="{FF2B5EF4-FFF2-40B4-BE49-F238E27FC236}">
+                <a16:creationId xmlns:a16="http://schemas.microsoft.com/office/drawing/2014/main" id="{0108980B-5AD1-4498-9725-0E03F5635D84}"/>
+              </a:ext>
+            </a:extLst>
+          </p:cNvPr>
+          <p:cNvSpPr/>
+          <p:nvPr/>
+        </p:nvSpPr>
+        <p:spPr>
+          <a:xfrm>
+            <a:off x="1806103" y="2548647"/>
+            <a:ext cx="830094" cy="428017"/>
+          </a:xfrm>
+          <a:prstGeom prst="rect">
+            <a:avLst/>
+          </a:prstGeom>
+          <a:noFill/>
+          <a:ln>
+            <a:solidFill>
+              <a:schemeClr val="tx1"/>
+            </a:solidFill>
+          </a:ln>
+        </p:spPr>
+        <p:style>
+          <a:lnRef idx="2">
+            <a:schemeClr val="accent1">
+              <a:shade val="50000"/>
+            </a:schemeClr>
+          </a:lnRef>
+          <a:fillRef idx="1">
+            <a:schemeClr val="accent1"/>
+          </a:fillRef>
+          <a:effectRef idx="0">
+            <a:schemeClr val="accent1"/>
+          </a:effectRef>
+          <a:fontRef idx="minor">
+            <a:schemeClr val="lt1"/>
+          </a:fontRef>
+        </p:style>
+        <p:txBody>
+          <a:bodyPr rtlCol="0" anchor="ctr"/>
+          <a:lstStyle/>
+          <a:p>
+            <a:pPr algn="ctr"/>
+            <a:r>
+              <a:rPr lang="en-US" altLang="zh-CN" sz="900" dirty="0">
+                <a:solidFill>
+                  <a:schemeClr val="tx1"/>
+                </a:solidFill>
+                <a:latin typeface="Times New Roman" panose="02020603050405020304" pitchFamily="18" charset="0"/>
+                <a:cs typeface="Times New Roman" panose="02020603050405020304" pitchFamily="18" charset="0"/>
+              </a:rPr>
+              <a:t>Parse</a:t>
+            </a:r>
+          </a:p>
+          <a:p>
+            <a:pPr algn="ctr"/>
+            <a:r>
+              <a:rPr lang="en-US" altLang="zh-CN" sz="900" dirty="0">
+                <a:solidFill>
+                  <a:schemeClr val="tx1"/>
+                </a:solidFill>
+                <a:latin typeface="Times New Roman" panose="02020603050405020304" pitchFamily="18" charset="0"/>
+                <a:cs typeface="Times New Roman" panose="02020603050405020304" pitchFamily="18" charset="0"/>
+              </a:rPr>
+              <a:t>files</a:t>
+            </a:r>
+            <a:endParaRPr lang="zh-CN" altLang="en-US" sz="900" dirty="0">
+              <a:latin typeface="Times New Roman" panose="02020603050405020304" pitchFamily="18" charset="0"/>
+              <a:cs typeface="Times New Roman" panose="02020603050405020304" pitchFamily="18" charset="0"/>
+            </a:endParaRPr>
+          </a:p>
+        </p:txBody>
+      </p:sp>
+      <p:sp>
+        <p:nvSpPr>
+          <p:cNvPr id="4" name="矩形: 圆角 3">
+            <a:extLst>
+              <a:ext uri="{FF2B5EF4-FFF2-40B4-BE49-F238E27FC236}">
+                <a16:creationId xmlns:a16="http://schemas.microsoft.com/office/drawing/2014/main" id="{D59A93ED-A7ED-4B83-9393-F68048063972}"/>
+              </a:ext>
+            </a:extLst>
+          </p:cNvPr>
+          <p:cNvSpPr/>
+          <p:nvPr/>
+        </p:nvSpPr>
+        <p:spPr>
+          <a:xfrm>
+            <a:off x="3054484" y="3297678"/>
+            <a:ext cx="752275" cy="428017"/>
+          </a:xfrm>
+          <a:prstGeom prst="roundRect">
+            <a:avLst/>
+          </a:prstGeom>
+          <a:noFill/>
+          <a:ln>
+            <a:solidFill>
+              <a:schemeClr val="tx1"/>
+            </a:solidFill>
+          </a:ln>
+        </p:spPr>
+        <p:style>
+          <a:lnRef idx="2">
+            <a:schemeClr val="accent1">
+              <a:shade val="50000"/>
+            </a:schemeClr>
+          </a:lnRef>
+          <a:fillRef idx="1">
+            <a:schemeClr val="accent1"/>
+          </a:fillRef>
+          <a:effectRef idx="0">
+            <a:schemeClr val="accent1"/>
+          </a:effectRef>
+          <a:fontRef idx="minor">
+            <a:schemeClr val="lt1"/>
+          </a:fontRef>
+        </p:style>
+        <p:txBody>
+          <a:bodyPr rtlCol="0" anchor="ctr"/>
+          <a:lstStyle/>
+          <a:p>
+            <a:pPr algn="ctr"/>
+            <a:r>
+              <a:rPr lang="en-US" altLang="zh-CN" sz="900" dirty="0">
+                <a:solidFill>
+                  <a:schemeClr val="tx1"/>
+                </a:solidFill>
+                <a:latin typeface="Times New Roman" panose="02020603050405020304" pitchFamily="18" charset="0"/>
+                <a:cs typeface="Times New Roman" panose="02020603050405020304" pitchFamily="18" charset="0"/>
+              </a:rPr>
+              <a:t>Process</a:t>
+            </a:r>
+          </a:p>
+          <a:p>
+            <a:pPr algn="ctr"/>
+            <a:r>
+              <a:rPr lang="en-US" altLang="zh-CN" sz="900" dirty="0">
+                <a:solidFill>
+                  <a:schemeClr val="tx1"/>
+                </a:solidFill>
+                <a:latin typeface="Times New Roman" panose="02020603050405020304" pitchFamily="18" charset="0"/>
+                <a:cs typeface="Times New Roman" panose="02020603050405020304" pitchFamily="18" charset="0"/>
+              </a:rPr>
+              <a:t>init</a:t>
+            </a:r>
+            <a:endParaRPr lang="zh-CN" altLang="en-US" sz="900" dirty="0">
+              <a:latin typeface="Times New Roman" panose="02020603050405020304" pitchFamily="18" charset="0"/>
+              <a:cs typeface="Times New Roman" panose="02020603050405020304" pitchFamily="18" charset="0"/>
+            </a:endParaRPr>
+          </a:p>
+        </p:txBody>
+      </p:sp>
+      <p:sp>
+        <p:nvSpPr>
+          <p:cNvPr id="5" name="矩形 4">
+            <a:extLst>
+              <a:ext uri="{FF2B5EF4-FFF2-40B4-BE49-F238E27FC236}">
+                <a16:creationId xmlns:a16="http://schemas.microsoft.com/office/drawing/2014/main" id="{321BF6A7-2CFB-4745-8888-D49502EA86D3}"/>
+              </a:ext>
+            </a:extLst>
+          </p:cNvPr>
+          <p:cNvSpPr/>
+          <p:nvPr/>
+        </p:nvSpPr>
+        <p:spPr>
+          <a:xfrm>
+            <a:off x="3015575" y="2548647"/>
+            <a:ext cx="830094" cy="428017"/>
+          </a:xfrm>
+          <a:prstGeom prst="rect">
+            <a:avLst/>
+          </a:prstGeom>
+          <a:noFill/>
+          <a:ln>
+            <a:solidFill>
+              <a:schemeClr val="tx1"/>
+            </a:solidFill>
+          </a:ln>
+        </p:spPr>
+        <p:style>
+          <a:lnRef idx="2">
+            <a:schemeClr val="accent1">
+              <a:shade val="50000"/>
+            </a:schemeClr>
+          </a:lnRef>
+          <a:fillRef idx="1">
+            <a:schemeClr val="accent1"/>
+          </a:fillRef>
+          <a:effectRef idx="0">
+            <a:schemeClr val="accent1"/>
+          </a:effectRef>
+          <a:fontRef idx="minor">
+            <a:schemeClr val="lt1"/>
+          </a:fontRef>
+        </p:style>
+        <p:txBody>
+          <a:bodyPr rtlCol="0" anchor="ctr"/>
+          <a:lstStyle/>
+          <a:p>
+            <a:pPr algn="ctr"/>
+            <a:r>
+              <a:rPr lang="en-US" altLang="zh-CN" sz="900" dirty="0">
+                <a:solidFill>
+                  <a:schemeClr val="tx1"/>
+                </a:solidFill>
+                <a:latin typeface="Times New Roman" panose="02020603050405020304" pitchFamily="18" charset="0"/>
+                <a:cs typeface="Times New Roman" panose="02020603050405020304" pitchFamily="18" charset="0"/>
+              </a:rPr>
+              <a:t>Fork</a:t>
+            </a:r>
+            <a:r>
+              <a:rPr lang="zh-CN" altLang="en-US" sz="900" dirty="0">
+                <a:solidFill>
+                  <a:schemeClr val="tx1"/>
+                </a:solidFill>
+                <a:latin typeface="Times New Roman" panose="02020603050405020304" pitchFamily="18" charset="0"/>
+                <a:cs typeface="Times New Roman" panose="02020603050405020304" pitchFamily="18" charset="0"/>
+              </a:rPr>
+              <a:t> </a:t>
+            </a:r>
+            <a:r>
+              <a:rPr lang="en-US" altLang="zh-CN" sz="900" dirty="0">
+                <a:solidFill>
+                  <a:schemeClr val="tx1"/>
+                </a:solidFill>
+                <a:latin typeface="Times New Roman" panose="02020603050405020304" pitchFamily="18" charset="0"/>
+                <a:cs typeface="Times New Roman" panose="02020603050405020304" pitchFamily="18" charset="0"/>
+              </a:rPr>
+              <a:t>init</a:t>
+            </a:r>
+          </a:p>
+          <a:p>
+            <a:pPr algn="ctr"/>
+            <a:r>
+              <a:rPr lang="en-US" altLang="zh-CN" sz="900" dirty="0">
+                <a:solidFill>
+                  <a:schemeClr val="tx1"/>
+                </a:solidFill>
+                <a:latin typeface="Times New Roman" panose="02020603050405020304" pitchFamily="18" charset="0"/>
+                <a:cs typeface="Times New Roman" panose="02020603050405020304" pitchFamily="18" charset="0"/>
+              </a:rPr>
+              <a:t>process</a:t>
+            </a:r>
+          </a:p>
+        </p:txBody>
+      </p:sp>
+      <p:sp>
+        <p:nvSpPr>
+          <p:cNvPr id="6" name="矩形 5">
+            <a:extLst>
+              <a:ext uri="{FF2B5EF4-FFF2-40B4-BE49-F238E27FC236}">
+                <a16:creationId xmlns:a16="http://schemas.microsoft.com/office/drawing/2014/main" id="{96B9A5D0-F64E-4A28-91F4-351987CCDEF1}"/>
+              </a:ext>
+            </a:extLst>
+          </p:cNvPr>
+          <p:cNvSpPr/>
+          <p:nvPr/>
+        </p:nvSpPr>
+        <p:spPr>
+          <a:xfrm>
+            <a:off x="4160197" y="3297678"/>
+            <a:ext cx="830094" cy="428017"/>
+          </a:xfrm>
+          <a:prstGeom prst="rect">
+            <a:avLst/>
+          </a:prstGeom>
+          <a:noFill/>
+          <a:ln>
+            <a:solidFill>
+              <a:schemeClr val="tx1"/>
+            </a:solidFill>
+          </a:ln>
+        </p:spPr>
+        <p:style>
+          <a:lnRef idx="2">
+            <a:schemeClr val="accent1">
+              <a:shade val="50000"/>
+            </a:schemeClr>
+          </a:lnRef>
+          <a:fillRef idx="1">
+            <a:schemeClr val="accent1"/>
+          </a:fillRef>
+          <a:effectRef idx="0">
+            <a:schemeClr val="accent1"/>
+          </a:effectRef>
+          <a:fontRef idx="minor">
+            <a:schemeClr val="lt1"/>
+          </a:fontRef>
+        </p:style>
+        <p:txBody>
+          <a:bodyPr rtlCol="0" anchor="ctr"/>
+          <a:lstStyle/>
+          <a:p>
+            <a:pPr algn="ctr"/>
+            <a:r>
+              <a:rPr lang="en-US" altLang="zh-CN" sz="900" dirty="0">
+                <a:solidFill>
+                  <a:schemeClr val="tx1"/>
+                </a:solidFill>
+                <a:latin typeface="Times New Roman" panose="02020603050405020304" pitchFamily="18" charset="0"/>
+                <a:cs typeface="Times New Roman" panose="02020603050405020304" pitchFamily="18" charset="0"/>
+              </a:rPr>
+              <a:t>Prepare</a:t>
+            </a:r>
+          </a:p>
+          <a:p>
+            <a:pPr algn="ctr"/>
+            <a:r>
+              <a:rPr lang="en-US" altLang="zh-CN" sz="900" dirty="0">
+                <a:solidFill>
+                  <a:schemeClr val="tx1"/>
+                </a:solidFill>
+                <a:latin typeface="Times New Roman" panose="02020603050405020304" pitchFamily="18" charset="0"/>
+                <a:cs typeface="Times New Roman" panose="02020603050405020304" pitchFamily="18" charset="0"/>
+              </a:rPr>
+              <a:t>cgroups</a:t>
+            </a:r>
+          </a:p>
+        </p:txBody>
+      </p:sp>
+      <p:sp>
+        <p:nvSpPr>
+          <p:cNvPr id="7" name="矩形 6">
+            <a:extLst>
+              <a:ext uri="{FF2B5EF4-FFF2-40B4-BE49-F238E27FC236}">
+                <a16:creationId xmlns:a16="http://schemas.microsoft.com/office/drawing/2014/main" id="{CDAC7E60-4D6D-4ED4-8D0C-23CBAE84ACB4}"/>
+              </a:ext>
+            </a:extLst>
+          </p:cNvPr>
+          <p:cNvSpPr/>
+          <p:nvPr/>
+        </p:nvSpPr>
+        <p:spPr>
+          <a:xfrm>
+            <a:off x="5324274" y="3297678"/>
+            <a:ext cx="830094" cy="428017"/>
+          </a:xfrm>
+          <a:prstGeom prst="rect">
+            <a:avLst/>
+          </a:prstGeom>
+          <a:noFill/>
+          <a:ln>
+            <a:solidFill>
+              <a:schemeClr val="tx1"/>
+            </a:solidFill>
+          </a:ln>
+        </p:spPr>
+        <p:style>
+          <a:lnRef idx="2">
+            <a:schemeClr val="accent1">
+              <a:shade val="50000"/>
+            </a:schemeClr>
+          </a:lnRef>
+          <a:fillRef idx="1">
+            <a:schemeClr val="accent1"/>
+          </a:fillRef>
+          <a:effectRef idx="0">
+            <a:schemeClr val="accent1"/>
+          </a:effectRef>
+          <a:fontRef idx="minor">
+            <a:schemeClr val="lt1"/>
+          </a:fontRef>
+        </p:style>
+        <p:txBody>
+          <a:bodyPr rtlCol="0" anchor="ctr"/>
+          <a:lstStyle/>
+          <a:p>
+            <a:pPr algn="ctr"/>
+            <a:r>
+              <a:rPr lang="en-US" altLang="zh-CN" sz="900" dirty="0">
+                <a:solidFill>
+                  <a:schemeClr val="tx1"/>
+                </a:solidFill>
+                <a:latin typeface="Times New Roman" panose="02020603050405020304" pitchFamily="18" charset="0"/>
+                <a:cs typeface="Times New Roman" panose="02020603050405020304" pitchFamily="18" charset="0"/>
+              </a:rPr>
+              <a:t>Initialize</a:t>
+            </a:r>
+          </a:p>
+          <a:p>
+            <a:pPr algn="ctr"/>
+            <a:r>
+              <a:rPr lang="en-US" altLang="zh-CN" sz="900" dirty="0">
+                <a:solidFill>
+                  <a:schemeClr val="tx1"/>
+                </a:solidFill>
+                <a:latin typeface="Times New Roman" panose="02020603050405020304" pitchFamily="18" charset="0"/>
+                <a:cs typeface="Times New Roman" panose="02020603050405020304" pitchFamily="18" charset="0"/>
+              </a:rPr>
+              <a:t>namespaces</a:t>
+            </a:r>
+          </a:p>
+        </p:txBody>
+      </p:sp>
+      <p:sp>
+        <p:nvSpPr>
+          <p:cNvPr id="8" name="矩形 7">
+            <a:extLst>
+              <a:ext uri="{FF2B5EF4-FFF2-40B4-BE49-F238E27FC236}">
+                <a16:creationId xmlns:a16="http://schemas.microsoft.com/office/drawing/2014/main" id="{F83B5ECA-45DB-4095-AB38-7A7FFFF79E9B}"/>
+              </a:ext>
+            </a:extLst>
+          </p:cNvPr>
+          <p:cNvSpPr/>
+          <p:nvPr/>
+        </p:nvSpPr>
+        <p:spPr>
+          <a:xfrm>
+            <a:off x="6487466" y="3297677"/>
+            <a:ext cx="830094" cy="428017"/>
+          </a:xfrm>
+          <a:prstGeom prst="rect">
+            <a:avLst/>
+          </a:prstGeom>
+          <a:noFill/>
+          <a:ln>
+            <a:solidFill>
+              <a:schemeClr val="tx1"/>
+            </a:solidFill>
+          </a:ln>
+        </p:spPr>
+        <p:style>
+          <a:lnRef idx="2">
+            <a:schemeClr val="accent1">
+              <a:shade val="50000"/>
+            </a:schemeClr>
+          </a:lnRef>
+          <a:fillRef idx="1">
+            <a:schemeClr val="accent1"/>
+          </a:fillRef>
+          <a:effectRef idx="0">
+            <a:schemeClr val="accent1"/>
+          </a:effectRef>
+          <a:fontRef idx="minor">
+            <a:schemeClr val="lt1"/>
+          </a:fontRef>
+        </p:style>
+        <p:txBody>
+          <a:bodyPr rtlCol="0" anchor="ctr"/>
+          <a:lstStyle/>
+          <a:p>
+            <a:pPr algn="ctr"/>
+            <a:r>
+              <a:rPr lang="en-US" altLang="zh-CN" sz="900" dirty="0">
+                <a:solidFill>
+                  <a:schemeClr val="tx1"/>
+                </a:solidFill>
+                <a:latin typeface="Times New Roman" panose="02020603050405020304" pitchFamily="18" charset="0"/>
+                <a:cs typeface="Times New Roman" panose="02020603050405020304" pitchFamily="18" charset="0"/>
+              </a:rPr>
+              <a:t>Restore</a:t>
+            </a:r>
+          </a:p>
+          <a:p>
+            <a:pPr algn="ctr"/>
+            <a:r>
+              <a:rPr lang="en-US" altLang="zh-CN" sz="900" dirty="0">
+                <a:solidFill>
+                  <a:schemeClr val="tx1"/>
+                </a:solidFill>
+                <a:latin typeface="Times New Roman" panose="02020603050405020304" pitchFamily="18" charset="0"/>
+                <a:cs typeface="Times New Roman" panose="02020603050405020304" pitchFamily="18" charset="0"/>
+              </a:rPr>
+              <a:t>resources</a:t>
+            </a:r>
+          </a:p>
+        </p:txBody>
+      </p:sp>
+      <p:sp>
+        <p:nvSpPr>
+          <p:cNvPr id="9" name="矩形 8">
+            <a:extLst>
+              <a:ext uri="{FF2B5EF4-FFF2-40B4-BE49-F238E27FC236}">
+                <a16:creationId xmlns:a16="http://schemas.microsoft.com/office/drawing/2014/main" id="{026881F4-B1B2-474C-974C-12769CD3F065}"/>
+              </a:ext>
+            </a:extLst>
+          </p:cNvPr>
+          <p:cNvSpPr/>
+          <p:nvPr/>
+        </p:nvSpPr>
+        <p:spPr>
+          <a:xfrm>
+            <a:off x="7650658" y="3297677"/>
+            <a:ext cx="830094" cy="428017"/>
+          </a:xfrm>
+          <a:prstGeom prst="rect">
+            <a:avLst/>
+          </a:prstGeom>
+          <a:noFill/>
+          <a:ln>
+            <a:solidFill>
+              <a:schemeClr val="tx1"/>
+            </a:solidFill>
+          </a:ln>
+        </p:spPr>
+        <p:style>
+          <a:lnRef idx="2">
+            <a:schemeClr val="accent1">
+              <a:shade val="50000"/>
+            </a:schemeClr>
+          </a:lnRef>
+          <a:fillRef idx="1">
+            <a:schemeClr val="accent1"/>
+          </a:fillRef>
+          <a:effectRef idx="0">
+            <a:schemeClr val="accent1"/>
+          </a:effectRef>
+          <a:fontRef idx="minor">
+            <a:schemeClr val="lt1"/>
+          </a:fontRef>
+        </p:style>
+        <p:txBody>
+          <a:bodyPr rtlCol="0" anchor="ctr"/>
+          <a:lstStyle/>
+          <a:p>
+            <a:pPr algn="ctr"/>
+            <a:r>
+              <a:rPr lang="en-US" altLang="zh-CN" sz="900" dirty="0">
+                <a:solidFill>
+                  <a:schemeClr val="tx1"/>
+                </a:solidFill>
+                <a:latin typeface="Times New Roman" panose="02020603050405020304" pitchFamily="18" charset="0"/>
+                <a:cs typeface="Times New Roman" panose="02020603050405020304" pitchFamily="18" charset="0"/>
+              </a:rPr>
+              <a:t>Load memory</a:t>
+            </a:r>
+          </a:p>
+          <a:p>
+            <a:pPr algn="ctr"/>
+            <a:r>
+              <a:rPr lang="en-US" altLang="zh-CN" sz="900" dirty="0">
+                <a:solidFill>
+                  <a:schemeClr val="tx1"/>
+                </a:solidFill>
+                <a:latin typeface="Times New Roman" panose="02020603050405020304" pitchFamily="18" charset="0"/>
+                <a:cs typeface="Times New Roman" panose="02020603050405020304" pitchFamily="18" charset="0"/>
+              </a:rPr>
+              <a:t>data </a:t>
+            </a:r>
+          </a:p>
+        </p:txBody>
+      </p:sp>
+      <p:sp>
+        <p:nvSpPr>
+          <p:cNvPr id="10" name="矩形 9">
+            <a:extLst>
+              <a:ext uri="{FF2B5EF4-FFF2-40B4-BE49-F238E27FC236}">
+                <a16:creationId xmlns:a16="http://schemas.microsoft.com/office/drawing/2014/main" id="{3017904D-11F0-4F18-B24B-23A735BBE3F7}"/>
+              </a:ext>
+            </a:extLst>
+          </p:cNvPr>
+          <p:cNvSpPr/>
+          <p:nvPr/>
+        </p:nvSpPr>
+        <p:spPr>
+          <a:xfrm>
+            <a:off x="8813850" y="3297677"/>
+            <a:ext cx="830094" cy="428017"/>
+          </a:xfrm>
+          <a:prstGeom prst="rect">
+            <a:avLst/>
+          </a:prstGeom>
+          <a:noFill/>
+          <a:ln>
+            <a:solidFill>
+              <a:schemeClr val="tx1"/>
+            </a:solidFill>
+          </a:ln>
+        </p:spPr>
+        <p:style>
+          <a:lnRef idx="2">
+            <a:schemeClr val="accent1">
+              <a:shade val="50000"/>
+            </a:schemeClr>
+          </a:lnRef>
+          <a:fillRef idx="1">
+            <a:schemeClr val="accent1"/>
+          </a:fillRef>
+          <a:effectRef idx="0">
+            <a:schemeClr val="accent1"/>
+          </a:effectRef>
+          <a:fontRef idx="minor">
+            <a:schemeClr val="lt1"/>
+          </a:fontRef>
+        </p:style>
+        <p:txBody>
+          <a:bodyPr rtlCol="0" anchor="ctr"/>
+          <a:lstStyle/>
+          <a:p>
+            <a:pPr algn="ctr"/>
+            <a:r>
+              <a:rPr lang="en-US" altLang="zh-CN" sz="900" dirty="0">
+                <a:solidFill>
+                  <a:schemeClr val="tx1"/>
+                </a:solidFill>
+                <a:latin typeface="Times New Roman" panose="02020603050405020304" pitchFamily="18" charset="0"/>
+                <a:cs typeface="Times New Roman" panose="02020603050405020304" pitchFamily="18" charset="0"/>
+              </a:rPr>
+              <a:t>Restore</a:t>
+            </a:r>
+          </a:p>
+          <a:p>
+            <a:pPr algn="ctr"/>
+            <a:r>
+              <a:rPr lang="en-US" altLang="zh-CN" sz="900" dirty="0">
+                <a:solidFill>
+                  <a:schemeClr val="tx1"/>
+                </a:solidFill>
+                <a:latin typeface="Times New Roman" panose="02020603050405020304" pitchFamily="18" charset="0"/>
+                <a:cs typeface="Times New Roman" panose="02020603050405020304" pitchFamily="18" charset="0"/>
+              </a:rPr>
+              <a:t>threads</a:t>
+            </a:r>
+          </a:p>
+        </p:txBody>
+      </p:sp>
+      <p:sp>
+        <p:nvSpPr>
+          <p:cNvPr id="11" name="矩形 10">
+            <a:extLst>
+              <a:ext uri="{FF2B5EF4-FFF2-40B4-BE49-F238E27FC236}">
+                <a16:creationId xmlns:a16="http://schemas.microsoft.com/office/drawing/2014/main" id="{8949C399-AEB8-435A-A4C5-4080736FFBE9}"/>
+              </a:ext>
+            </a:extLst>
+          </p:cNvPr>
+          <p:cNvSpPr/>
+          <p:nvPr/>
+        </p:nvSpPr>
+        <p:spPr>
+          <a:xfrm>
+            <a:off x="8813850" y="2548646"/>
+            <a:ext cx="830094" cy="428017"/>
+          </a:xfrm>
+          <a:prstGeom prst="rect">
+            <a:avLst/>
+          </a:prstGeom>
+          <a:noFill/>
+          <a:ln>
+            <a:solidFill>
+              <a:schemeClr val="tx1"/>
+            </a:solidFill>
+          </a:ln>
+        </p:spPr>
+        <p:style>
+          <a:lnRef idx="2">
+            <a:schemeClr val="accent1">
+              <a:shade val="50000"/>
+            </a:schemeClr>
+          </a:lnRef>
+          <a:fillRef idx="1">
+            <a:schemeClr val="accent1"/>
+          </a:fillRef>
+          <a:effectRef idx="0">
+            <a:schemeClr val="accent1"/>
+          </a:effectRef>
+          <a:fontRef idx="minor">
+            <a:schemeClr val="lt1"/>
+          </a:fontRef>
+        </p:style>
+        <p:txBody>
+          <a:bodyPr rtlCol="0" anchor="ctr"/>
+          <a:lstStyle/>
+          <a:p>
+            <a:pPr algn="ctr"/>
+            <a:r>
+              <a:rPr lang="en-US" altLang="zh-CN" sz="900" dirty="0">
+                <a:solidFill>
+                  <a:schemeClr val="tx1"/>
+                </a:solidFill>
+                <a:latin typeface="Times New Roman" panose="02020603050405020304" pitchFamily="18" charset="0"/>
+                <a:cs typeface="Times New Roman" panose="02020603050405020304" pitchFamily="18" charset="0"/>
+              </a:rPr>
+              <a:t>Synchronize</a:t>
+            </a:r>
+          </a:p>
+        </p:txBody>
+      </p:sp>
+      <p:cxnSp>
+        <p:nvCxnSpPr>
+          <p:cNvPr id="13" name="直接箭头连接符 12">
+            <a:extLst>
+              <a:ext uri="{FF2B5EF4-FFF2-40B4-BE49-F238E27FC236}">
+                <a16:creationId xmlns:a16="http://schemas.microsoft.com/office/drawing/2014/main" id="{667C5F29-CE37-446C-87AD-A4F0977B2365}"/>
+              </a:ext>
+            </a:extLst>
+          </p:cNvPr>
+          <p:cNvCxnSpPr>
+            <a:stCxn id="2" idx="3"/>
+            <a:endCxn id="3" idx="1"/>
+          </p:cNvCxnSpPr>
+          <p:nvPr/>
+        </p:nvCxnSpPr>
+        <p:spPr>
+          <a:xfrm>
+            <a:off x="1426725" y="2762656"/>
+            <a:ext cx="379378" cy="0"/>
+          </a:xfrm>
+          <a:prstGeom prst="straightConnector1">
+            <a:avLst/>
+          </a:prstGeom>
+          <a:ln w="12700">
+            <a:tailEnd type="triangle"/>
+          </a:ln>
+        </p:spPr>
+        <p:style>
+          <a:lnRef idx="1">
+            <a:schemeClr val="dk1"/>
+          </a:lnRef>
+          <a:fillRef idx="0">
+            <a:schemeClr val="dk1"/>
+          </a:fillRef>
+          <a:effectRef idx="0">
+            <a:schemeClr val="dk1"/>
+          </a:effectRef>
+          <a:fontRef idx="minor">
+            <a:schemeClr val="tx1"/>
+          </a:fontRef>
+        </p:style>
+      </p:cxnSp>
+      <p:cxnSp>
+        <p:nvCxnSpPr>
+          <p:cNvPr id="17" name="直接箭头连接符 16">
+            <a:extLst>
+              <a:ext uri="{FF2B5EF4-FFF2-40B4-BE49-F238E27FC236}">
+                <a16:creationId xmlns:a16="http://schemas.microsoft.com/office/drawing/2014/main" id="{0ECD9950-FA8A-4914-A621-90FB5FD72C5D}"/>
+              </a:ext>
+            </a:extLst>
+          </p:cNvPr>
+          <p:cNvCxnSpPr>
+            <a:cxnSpLocks/>
+            <a:stCxn id="3" idx="3"/>
+            <a:endCxn id="5" idx="1"/>
+          </p:cNvCxnSpPr>
+          <p:nvPr/>
+        </p:nvCxnSpPr>
+        <p:spPr>
+          <a:xfrm>
+            <a:off x="2636197" y="2762656"/>
+            <a:ext cx="379378" cy="0"/>
+          </a:xfrm>
+          <a:prstGeom prst="straightConnector1">
+            <a:avLst/>
+          </a:prstGeom>
+          <a:ln w="12700">
+            <a:tailEnd type="triangle"/>
+          </a:ln>
+        </p:spPr>
+        <p:style>
+          <a:lnRef idx="1">
+            <a:schemeClr val="dk1"/>
+          </a:lnRef>
+          <a:fillRef idx="0">
+            <a:schemeClr val="dk1"/>
+          </a:fillRef>
+          <a:effectRef idx="0">
+            <a:schemeClr val="dk1"/>
+          </a:effectRef>
+          <a:fontRef idx="minor">
+            <a:schemeClr val="tx1"/>
+          </a:fontRef>
+        </p:style>
+      </p:cxnSp>
+      <p:cxnSp>
+        <p:nvCxnSpPr>
+          <p:cNvPr id="20" name="直接箭头连接符 19">
+            <a:extLst>
+              <a:ext uri="{FF2B5EF4-FFF2-40B4-BE49-F238E27FC236}">
+                <a16:creationId xmlns:a16="http://schemas.microsoft.com/office/drawing/2014/main" id="{D09B4DB2-6A49-4C4E-B324-AB9B56750C11}"/>
+              </a:ext>
+            </a:extLst>
+          </p:cNvPr>
+          <p:cNvCxnSpPr>
+            <a:cxnSpLocks/>
+            <a:stCxn id="5" idx="2"/>
+            <a:endCxn id="4" idx="0"/>
+          </p:cNvCxnSpPr>
+          <p:nvPr/>
+        </p:nvCxnSpPr>
+        <p:spPr>
+          <a:xfrm>
+            <a:off x="3430622" y="2976664"/>
+            <a:ext cx="0" cy="321014"/>
+          </a:xfrm>
+          <a:prstGeom prst="straightConnector1">
+            <a:avLst/>
+          </a:prstGeom>
+          <a:ln w="12700">
+            <a:tailEnd type="triangle"/>
+          </a:ln>
+        </p:spPr>
+        <p:style>
+          <a:lnRef idx="1">
+            <a:schemeClr val="dk1"/>
+          </a:lnRef>
+          <a:fillRef idx="0">
+            <a:schemeClr val="dk1"/>
+          </a:fillRef>
+          <a:effectRef idx="0">
+            <a:schemeClr val="dk1"/>
+          </a:effectRef>
+          <a:fontRef idx="minor">
+            <a:schemeClr val="tx1"/>
+          </a:fontRef>
+        </p:style>
+      </p:cxnSp>
+      <p:cxnSp>
+        <p:nvCxnSpPr>
+          <p:cNvPr id="24" name="直接箭头连接符 23">
+            <a:extLst>
+              <a:ext uri="{FF2B5EF4-FFF2-40B4-BE49-F238E27FC236}">
+                <a16:creationId xmlns:a16="http://schemas.microsoft.com/office/drawing/2014/main" id="{AE699029-5045-4314-B994-670027776E2C}"/>
+              </a:ext>
+            </a:extLst>
+          </p:cNvPr>
+          <p:cNvCxnSpPr>
+            <a:cxnSpLocks/>
+            <a:stCxn id="4" idx="3"/>
+            <a:endCxn id="6" idx="1"/>
+          </p:cNvCxnSpPr>
+          <p:nvPr/>
+        </p:nvCxnSpPr>
+        <p:spPr>
+          <a:xfrm>
+            <a:off x="3806759" y="3511687"/>
+            <a:ext cx="353438" cy="0"/>
+          </a:xfrm>
+          <a:prstGeom prst="straightConnector1">
+            <a:avLst/>
+          </a:prstGeom>
+          <a:ln w="12700">
+            <a:tailEnd type="triangle"/>
+          </a:ln>
+        </p:spPr>
+        <p:style>
+          <a:lnRef idx="1">
+            <a:schemeClr val="dk1"/>
+          </a:lnRef>
+          <a:fillRef idx="0">
+            <a:schemeClr val="dk1"/>
+          </a:fillRef>
+          <a:effectRef idx="0">
+            <a:schemeClr val="dk1"/>
+          </a:effectRef>
+          <a:fontRef idx="minor">
+            <a:schemeClr val="tx1"/>
+          </a:fontRef>
+        </p:style>
+      </p:cxnSp>
+      <p:cxnSp>
+        <p:nvCxnSpPr>
+          <p:cNvPr id="28" name="直接箭头连接符 27">
+            <a:extLst>
+              <a:ext uri="{FF2B5EF4-FFF2-40B4-BE49-F238E27FC236}">
+                <a16:creationId xmlns:a16="http://schemas.microsoft.com/office/drawing/2014/main" id="{53193511-2751-42B5-AA3A-9484CBDCCA16}"/>
+              </a:ext>
+            </a:extLst>
+          </p:cNvPr>
+          <p:cNvCxnSpPr>
+            <a:cxnSpLocks/>
+            <a:stCxn id="6" idx="3"/>
+            <a:endCxn id="7" idx="1"/>
+          </p:cNvCxnSpPr>
+          <p:nvPr/>
+        </p:nvCxnSpPr>
+        <p:spPr>
+          <a:xfrm>
+            <a:off x="4990291" y="3511687"/>
+            <a:ext cx="333983" cy="0"/>
+          </a:xfrm>
+          <a:prstGeom prst="straightConnector1">
+            <a:avLst/>
+          </a:prstGeom>
+          <a:ln w="12700">
+            <a:tailEnd type="triangle"/>
+          </a:ln>
+        </p:spPr>
+        <p:style>
+          <a:lnRef idx="1">
+            <a:schemeClr val="dk1"/>
+          </a:lnRef>
+          <a:fillRef idx="0">
+            <a:schemeClr val="dk1"/>
+          </a:fillRef>
+          <a:effectRef idx="0">
+            <a:schemeClr val="dk1"/>
+          </a:effectRef>
+          <a:fontRef idx="minor">
+            <a:schemeClr val="tx1"/>
+          </a:fontRef>
+        </p:style>
+      </p:cxnSp>
+      <p:cxnSp>
+        <p:nvCxnSpPr>
+          <p:cNvPr id="31" name="直接箭头连接符 30">
+            <a:extLst>
+              <a:ext uri="{FF2B5EF4-FFF2-40B4-BE49-F238E27FC236}">
+                <a16:creationId xmlns:a16="http://schemas.microsoft.com/office/drawing/2014/main" id="{955CA4B6-4751-4AB9-98E6-41C20D20BD10}"/>
+              </a:ext>
+            </a:extLst>
+          </p:cNvPr>
+          <p:cNvCxnSpPr>
+            <a:cxnSpLocks/>
+            <a:stCxn id="7" idx="3"/>
+            <a:endCxn id="8" idx="1"/>
+          </p:cNvCxnSpPr>
+          <p:nvPr/>
+        </p:nvCxnSpPr>
+        <p:spPr>
+          <a:xfrm flipV="1">
+            <a:off x="6154368" y="3511686"/>
+            <a:ext cx="333098" cy="1"/>
+          </a:xfrm>
+          <a:prstGeom prst="straightConnector1">
+            <a:avLst/>
+          </a:prstGeom>
+          <a:ln w="12700">
+            <a:tailEnd type="triangle"/>
+          </a:ln>
+        </p:spPr>
+        <p:style>
+          <a:lnRef idx="1">
+            <a:schemeClr val="dk1"/>
+          </a:lnRef>
+          <a:fillRef idx="0">
+            <a:schemeClr val="dk1"/>
+          </a:fillRef>
+          <a:effectRef idx="0">
+            <a:schemeClr val="dk1"/>
+          </a:effectRef>
+          <a:fontRef idx="minor">
+            <a:schemeClr val="tx1"/>
+          </a:fontRef>
+        </p:style>
+      </p:cxnSp>
+      <p:cxnSp>
+        <p:nvCxnSpPr>
+          <p:cNvPr id="34" name="直接箭头连接符 33">
+            <a:extLst>
+              <a:ext uri="{FF2B5EF4-FFF2-40B4-BE49-F238E27FC236}">
+                <a16:creationId xmlns:a16="http://schemas.microsoft.com/office/drawing/2014/main" id="{F61B8959-129E-472B-8653-E6CEE14472FE}"/>
+              </a:ext>
+            </a:extLst>
+          </p:cNvPr>
+          <p:cNvCxnSpPr>
+            <a:cxnSpLocks/>
+            <a:stCxn id="8" idx="3"/>
+            <a:endCxn id="9" idx="1"/>
+          </p:cNvCxnSpPr>
+          <p:nvPr/>
+        </p:nvCxnSpPr>
+        <p:spPr>
+          <a:xfrm>
+            <a:off x="7317560" y="3511686"/>
+            <a:ext cx="333098" cy="0"/>
+          </a:xfrm>
+          <a:prstGeom prst="straightConnector1">
+            <a:avLst/>
+          </a:prstGeom>
+          <a:ln w="12700">
+            <a:tailEnd type="triangle"/>
+          </a:ln>
+        </p:spPr>
+        <p:style>
+          <a:lnRef idx="1">
+            <a:schemeClr val="dk1"/>
+          </a:lnRef>
+          <a:fillRef idx="0">
+            <a:schemeClr val="dk1"/>
+          </a:fillRef>
+          <a:effectRef idx="0">
+            <a:schemeClr val="dk1"/>
+          </a:effectRef>
+          <a:fontRef idx="minor">
+            <a:schemeClr val="tx1"/>
+          </a:fontRef>
+        </p:style>
+      </p:cxnSp>
+      <p:cxnSp>
+        <p:nvCxnSpPr>
+          <p:cNvPr id="37" name="直接箭头连接符 36">
+            <a:extLst>
+              <a:ext uri="{FF2B5EF4-FFF2-40B4-BE49-F238E27FC236}">
+                <a16:creationId xmlns:a16="http://schemas.microsoft.com/office/drawing/2014/main" id="{17343791-C46D-43AA-8AA6-159980F2A783}"/>
+              </a:ext>
+            </a:extLst>
+          </p:cNvPr>
+          <p:cNvCxnSpPr>
+            <a:cxnSpLocks/>
+            <a:endCxn id="10" idx="1"/>
+          </p:cNvCxnSpPr>
+          <p:nvPr/>
+        </p:nvCxnSpPr>
+        <p:spPr>
+          <a:xfrm>
+            <a:off x="8480752" y="3511685"/>
+            <a:ext cx="333098" cy="1"/>
+          </a:xfrm>
+          <a:prstGeom prst="straightConnector1">
+            <a:avLst/>
+          </a:prstGeom>
+          <a:ln w="12700">
+            <a:tailEnd type="triangle"/>
+          </a:ln>
+        </p:spPr>
+        <p:style>
+          <a:lnRef idx="1">
+            <a:schemeClr val="dk1"/>
+          </a:lnRef>
+          <a:fillRef idx="0">
+            <a:schemeClr val="dk1"/>
+          </a:fillRef>
+          <a:effectRef idx="0">
+            <a:schemeClr val="dk1"/>
+          </a:effectRef>
+          <a:fontRef idx="minor">
+            <a:schemeClr val="tx1"/>
+          </a:fontRef>
+        </p:style>
+      </p:cxnSp>
+      <p:sp>
+        <p:nvSpPr>
+          <p:cNvPr id="42" name="矩形 41">
+            <a:extLst>
+              <a:ext uri="{FF2B5EF4-FFF2-40B4-BE49-F238E27FC236}">
+                <a16:creationId xmlns:a16="http://schemas.microsoft.com/office/drawing/2014/main" id="{DB3FDF0F-66A8-4EC9-BC54-F1AE0265F39B}"/>
+              </a:ext>
+            </a:extLst>
+          </p:cNvPr>
+          <p:cNvSpPr/>
+          <p:nvPr/>
+        </p:nvSpPr>
+        <p:spPr>
+          <a:xfrm>
+            <a:off x="10058990" y="2923161"/>
+            <a:ext cx="613241" cy="428017"/>
+          </a:xfrm>
+          <a:prstGeom prst="rect">
+            <a:avLst/>
+          </a:prstGeom>
+          <a:noFill/>
+          <a:ln>
+            <a:solidFill>
+              <a:schemeClr val="tx1"/>
+            </a:solidFill>
+          </a:ln>
+        </p:spPr>
+        <p:style>
+          <a:lnRef idx="2">
+            <a:schemeClr val="accent1">
+              <a:shade val="50000"/>
+            </a:schemeClr>
+          </a:lnRef>
+          <a:fillRef idx="1">
+            <a:schemeClr val="accent1"/>
+          </a:fillRef>
+          <a:effectRef idx="0">
+            <a:schemeClr val="accent1"/>
+          </a:effectRef>
+          <a:fontRef idx="minor">
+            <a:schemeClr val="lt1"/>
+          </a:fontRef>
+        </p:style>
+        <p:txBody>
+          <a:bodyPr rtlCol="0" anchor="ctr"/>
+          <a:lstStyle/>
+          <a:p>
+            <a:pPr algn="ctr"/>
+            <a:r>
+              <a:rPr lang="en-US" altLang="zh-CN" sz="900" dirty="0">
+                <a:solidFill>
+                  <a:schemeClr val="tx1"/>
+                </a:solidFill>
+                <a:latin typeface="Times New Roman" panose="02020603050405020304" pitchFamily="18" charset="0"/>
+                <a:cs typeface="Times New Roman" panose="02020603050405020304" pitchFamily="18" charset="0"/>
+              </a:rPr>
+              <a:t>Execute</a:t>
+            </a:r>
+          </a:p>
+        </p:txBody>
+      </p:sp>
+      <p:cxnSp>
+        <p:nvCxnSpPr>
+          <p:cNvPr id="44" name="连接符: 肘形 43">
+            <a:extLst>
+              <a:ext uri="{FF2B5EF4-FFF2-40B4-BE49-F238E27FC236}">
+                <a16:creationId xmlns:a16="http://schemas.microsoft.com/office/drawing/2014/main" id="{EF622640-E96E-4394-8333-75238B9D3B63}"/>
+              </a:ext>
+            </a:extLst>
+          </p:cNvPr>
+          <p:cNvCxnSpPr>
+            <a:cxnSpLocks/>
+            <a:stCxn id="11" idx="3"/>
+            <a:endCxn id="42" idx="1"/>
+          </p:cNvCxnSpPr>
+          <p:nvPr/>
+        </p:nvCxnSpPr>
+        <p:spPr>
+          <a:xfrm>
+            <a:off x="9643944" y="2762655"/>
+            <a:ext cx="415046" cy="374515"/>
+          </a:xfrm>
+          <a:prstGeom prst="bentConnector3">
+            <a:avLst/>
+          </a:prstGeom>
+          <a:ln w="12700">
+            <a:tailEnd type="triangle"/>
+          </a:ln>
+        </p:spPr>
+        <p:style>
+          <a:lnRef idx="1">
+            <a:schemeClr val="dk1"/>
+          </a:lnRef>
+          <a:fillRef idx="0">
+            <a:schemeClr val="dk1"/>
+          </a:fillRef>
+          <a:effectRef idx="0">
+            <a:schemeClr val="dk1"/>
+          </a:effectRef>
+          <a:fontRef idx="minor">
+            <a:schemeClr val="tx1"/>
+          </a:fontRef>
+        </p:style>
+      </p:cxnSp>
+      <p:cxnSp>
+        <p:nvCxnSpPr>
+          <p:cNvPr id="45" name="连接符: 肘形 44">
+            <a:extLst>
+              <a:ext uri="{FF2B5EF4-FFF2-40B4-BE49-F238E27FC236}">
+                <a16:creationId xmlns:a16="http://schemas.microsoft.com/office/drawing/2014/main" id="{C914FC8C-7010-438E-8FA0-7D87344D58E3}"/>
+              </a:ext>
+            </a:extLst>
+          </p:cNvPr>
+          <p:cNvCxnSpPr>
+            <a:cxnSpLocks/>
+            <a:stCxn id="10" idx="3"/>
+            <a:endCxn id="42" idx="1"/>
+          </p:cNvCxnSpPr>
+          <p:nvPr/>
+        </p:nvCxnSpPr>
+        <p:spPr>
+          <a:xfrm flipV="1">
+            <a:off x="9643944" y="3137170"/>
+            <a:ext cx="415046" cy="374516"/>
+          </a:xfrm>
+          <a:prstGeom prst="bentConnector3">
+            <a:avLst/>
+          </a:prstGeom>
+          <a:ln w="12700">
+            <a:tailEnd type="triangle"/>
+          </a:ln>
+        </p:spPr>
+        <p:style>
+          <a:lnRef idx="1">
+            <a:schemeClr val="dk1"/>
+          </a:lnRef>
+          <a:fillRef idx="0">
+            <a:schemeClr val="dk1"/>
+          </a:fillRef>
+          <a:effectRef idx="0">
+            <a:schemeClr val="dk1"/>
+          </a:effectRef>
+          <a:fontRef idx="minor">
+            <a:schemeClr val="tx1"/>
+          </a:fontRef>
+        </p:style>
+      </p:cxnSp>
+      <p:cxnSp>
+        <p:nvCxnSpPr>
+          <p:cNvPr id="48" name="直接箭头连接符 47">
+            <a:extLst>
+              <a:ext uri="{FF2B5EF4-FFF2-40B4-BE49-F238E27FC236}">
+                <a16:creationId xmlns:a16="http://schemas.microsoft.com/office/drawing/2014/main" id="{6932D7D2-8CAC-4DB1-B85D-4D322B09B6C2}"/>
+              </a:ext>
+            </a:extLst>
+          </p:cNvPr>
+          <p:cNvCxnSpPr>
+            <a:cxnSpLocks/>
+            <a:stCxn id="5" idx="3"/>
+            <a:endCxn id="11" idx="1"/>
+          </p:cNvCxnSpPr>
+          <p:nvPr/>
+        </p:nvCxnSpPr>
+        <p:spPr>
+          <a:xfrm flipV="1">
+            <a:off x="3845669" y="2762655"/>
+            <a:ext cx="4968181" cy="1"/>
+          </a:xfrm>
+          <a:prstGeom prst="straightConnector1">
+            <a:avLst/>
+          </a:prstGeom>
+          <a:ln w="12700">
+            <a:tailEnd type="triangle"/>
+          </a:ln>
+        </p:spPr>
+        <p:style>
+          <a:lnRef idx="1">
+            <a:schemeClr val="dk1"/>
+          </a:lnRef>
+          <a:fillRef idx="0">
+            <a:schemeClr val="dk1"/>
+          </a:fillRef>
+          <a:effectRef idx="0">
+            <a:schemeClr val="dk1"/>
+          </a:effectRef>
+          <a:fontRef idx="minor">
+            <a:schemeClr val="tx1"/>
+          </a:fontRef>
+        </p:style>
+      </p:cxnSp>
+      <p:sp>
+        <p:nvSpPr>
+          <p:cNvPr id="55" name="文本框 54">
+            <a:extLst>
+              <a:ext uri="{FF2B5EF4-FFF2-40B4-BE49-F238E27FC236}">
+                <a16:creationId xmlns:a16="http://schemas.microsoft.com/office/drawing/2014/main" id="{CC71257C-421E-41B1-8E45-7C1AADC493ED}"/>
+              </a:ext>
+            </a:extLst>
+          </p:cNvPr>
+          <p:cNvSpPr txBox="1"/>
+          <p:nvPr/>
+        </p:nvSpPr>
+        <p:spPr>
+          <a:xfrm>
+            <a:off x="764543" y="2240358"/>
+            <a:ext cx="616874" cy="276999"/>
+          </a:xfrm>
+          <a:prstGeom prst="rect">
+            <a:avLst/>
+          </a:prstGeom>
+          <a:noFill/>
+        </p:spPr>
+        <p:txBody>
+          <a:bodyPr wrap="square" rtlCol="0">
+            <a:spAutoFit/>
+          </a:bodyPr>
+          <a:lstStyle/>
+          <a:p>
+            <a:r>
+              <a:rPr lang="en-US" altLang="zh-CN" sz="1200" dirty="0">
+                <a:solidFill>
+                  <a:srgbClr val="C00000"/>
+                </a:solidFill>
+                <a:latin typeface="Times New Roman" panose="02020603050405020304" pitchFamily="18" charset="0"/>
+                <a:cs typeface="Times New Roman" panose="02020603050405020304" pitchFamily="18" charset="0"/>
+              </a:rPr>
+              <a:t>1.3ms</a:t>
+            </a:r>
+            <a:endParaRPr lang="zh-CN" altLang="en-US" sz="1200" dirty="0">
+              <a:solidFill>
+                <a:srgbClr val="C00000"/>
+              </a:solidFill>
+              <a:latin typeface="Times New Roman" panose="02020603050405020304" pitchFamily="18" charset="0"/>
+              <a:cs typeface="Times New Roman" panose="02020603050405020304" pitchFamily="18" charset="0"/>
+            </a:endParaRPr>
+          </a:p>
+        </p:txBody>
+      </p:sp>
+      <p:sp>
+        <p:nvSpPr>
+          <p:cNvPr id="56" name="文本框 55">
+            <a:extLst>
+              <a:ext uri="{FF2B5EF4-FFF2-40B4-BE49-F238E27FC236}">
+                <a16:creationId xmlns:a16="http://schemas.microsoft.com/office/drawing/2014/main" id="{5CFC0C54-73DA-431A-A072-C039D274F49D}"/>
+              </a:ext>
+            </a:extLst>
+          </p:cNvPr>
+          <p:cNvSpPr txBox="1"/>
+          <p:nvPr/>
+        </p:nvSpPr>
+        <p:spPr>
+          <a:xfrm>
+            <a:off x="3242950" y="2240358"/>
+            <a:ext cx="505267" cy="276999"/>
+          </a:xfrm>
+          <a:prstGeom prst="rect">
+            <a:avLst/>
+          </a:prstGeom>
+          <a:noFill/>
+        </p:spPr>
+        <p:txBody>
+          <a:bodyPr wrap="square" rtlCol="0">
+            <a:spAutoFit/>
+          </a:bodyPr>
+          <a:lstStyle/>
+          <a:p>
+            <a:r>
+              <a:rPr lang="en-US" altLang="zh-CN" sz="1200" dirty="0">
+                <a:solidFill>
+                  <a:srgbClr val="C00000"/>
+                </a:solidFill>
+                <a:latin typeface="Times New Roman" panose="02020603050405020304" pitchFamily="18" charset="0"/>
+                <a:cs typeface="Times New Roman" panose="02020603050405020304" pitchFamily="18" charset="0"/>
+              </a:rPr>
+              <a:t>6ms</a:t>
+            </a:r>
+            <a:endParaRPr lang="zh-CN" altLang="en-US" sz="1200" dirty="0">
+              <a:solidFill>
+                <a:srgbClr val="C00000"/>
+              </a:solidFill>
+              <a:latin typeface="Times New Roman" panose="02020603050405020304" pitchFamily="18" charset="0"/>
+              <a:cs typeface="Times New Roman" panose="02020603050405020304" pitchFamily="18" charset="0"/>
+            </a:endParaRPr>
+          </a:p>
+        </p:txBody>
+      </p:sp>
+      <p:sp>
+        <p:nvSpPr>
+          <p:cNvPr id="57" name="文本框 56">
+            <a:extLst>
+              <a:ext uri="{FF2B5EF4-FFF2-40B4-BE49-F238E27FC236}">
+                <a16:creationId xmlns:a16="http://schemas.microsoft.com/office/drawing/2014/main" id="{B3D8F638-01A2-46DA-80C7-79D5049F5B6D}"/>
+              </a:ext>
+            </a:extLst>
+          </p:cNvPr>
+          <p:cNvSpPr txBox="1"/>
+          <p:nvPr/>
+        </p:nvSpPr>
+        <p:spPr>
+          <a:xfrm>
+            <a:off x="1912713" y="2240358"/>
+            <a:ext cx="616874" cy="276999"/>
+          </a:xfrm>
+          <a:prstGeom prst="rect">
+            <a:avLst/>
+          </a:prstGeom>
+          <a:noFill/>
+        </p:spPr>
+        <p:txBody>
+          <a:bodyPr wrap="square" rtlCol="0">
+            <a:spAutoFit/>
+          </a:bodyPr>
+          <a:lstStyle/>
+          <a:p>
+            <a:r>
+              <a:rPr lang="en-US" altLang="zh-CN" sz="1200" dirty="0">
+                <a:solidFill>
+                  <a:srgbClr val="C00000"/>
+                </a:solidFill>
+                <a:latin typeface="Times New Roman" panose="02020603050405020304" pitchFamily="18" charset="0"/>
+                <a:cs typeface="Times New Roman" panose="02020603050405020304" pitchFamily="18" charset="0"/>
+              </a:rPr>
+              <a:t>2.2ms</a:t>
+            </a:r>
+            <a:endParaRPr lang="zh-CN" altLang="en-US" sz="1200" dirty="0">
+              <a:solidFill>
+                <a:srgbClr val="C00000"/>
+              </a:solidFill>
+              <a:latin typeface="Times New Roman" panose="02020603050405020304" pitchFamily="18" charset="0"/>
+              <a:cs typeface="Times New Roman" panose="02020603050405020304" pitchFamily="18" charset="0"/>
+            </a:endParaRPr>
+          </a:p>
+        </p:txBody>
+      </p:sp>
+      <p:sp>
+        <p:nvSpPr>
+          <p:cNvPr id="59" name="文本框 58">
+            <a:extLst>
+              <a:ext uri="{FF2B5EF4-FFF2-40B4-BE49-F238E27FC236}">
+                <a16:creationId xmlns:a16="http://schemas.microsoft.com/office/drawing/2014/main" id="{9773B389-4542-44C2-BBE3-8B1E72F39C87}"/>
+              </a:ext>
+            </a:extLst>
+          </p:cNvPr>
+          <p:cNvSpPr txBox="1"/>
+          <p:nvPr/>
+        </p:nvSpPr>
+        <p:spPr>
+          <a:xfrm>
+            <a:off x="4350372" y="3725694"/>
+            <a:ext cx="505267" cy="276999"/>
+          </a:xfrm>
+          <a:prstGeom prst="rect">
+            <a:avLst/>
+          </a:prstGeom>
+          <a:noFill/>
+        </p:spPr>
+        <p:txBody>
+          <a:bodyPr wrap="square" rtlCol="0">
+            <a:spAutoFit/>
+          </a:bodyPr>
+          <a:lstStyle/>
+          <a:p>
+            <a:r>
+              <a:rPr lang="en-US" altLang="zh-CN" sz="1200" dirty="0">
+                <a:solidFill>
+                  <a:srgbClr val="C00000"/>
+                </a:solidFill>
+                <a:latin typeface="Times New Roman" panose="02020603050405020304" pitchFamily="18" charset="0"/>
+                <a:cs typeface="Times New Roman" panose="02020603050405020304" pitchFamily="18" charset="0"/>
+              </a:rPr>
+              <a:t>3ms</a:t>
+            </a:r>
+            <a:endParaRPr lang="zh-CN" altLang="en-US" sz="1200" dirty="0">
+              <a:solidFill>
+                <a:srgbClr val="C00000"/>
+              </a:solidFill>
+              <a:latin typeface="Times New Roman" panose="02020603050405020304" pitchFamily="18" charset="0"/>
+              <a:cs typeface="Times New Roman" panose="02020603050405020304" pitchFamily="18" charset="0"/>
+            </a:endParaRPr>
+          </a:p>
+        </p:txBody>
+      </p:sp>
+      <p:sp>
+        <p:nvSpPr>
+          <p:cNvPr id="60" name="文本框 59">
+            <a:extLst>
+              <a:ext uri="{FF2B5EF4-FFF2-40B4-BE49-F238E27FC236}">
+                <a16:creationId xmlns:a16="http://schemas.microsoft.com/office/drawing/2014/main" id="{83E457B7-B7E9-4F17-9FC5-E1D91D58474D}"/>
+              </a:ext>
+            </a:extLst>
+          </p:cNvPr>
+          <p:cNvSpPr txBox="1"/>
+          <p:nvPr/>
+        </p:nvSpPr>
+        <p:spPr>
+          <a:xfrm>
+            <a:off x="5490563" y="3725694"/>
+            <a:ext cx="581857" cy="276999"/>
+          </a:xfrm>
+          <a:prstGeom prst="rect">
+            <a:avLst/>
+          </a:prstGeom>
+          <a:noFill/>
+        </p:spPr>
+        <p:txBody>
+          <a:bodyPr wrap="square" rtlCol="0">
+            <a:spAutoFit/>
+          </a:bodyPr>
+          <a:lstStyle/>
+          <a:p>
+            <a:r>
+              <a:rPr lang="en-US" altLang="zh-CN" sz="1200" dirty="0">
+                <a:solidFill>
+                  <a:srgbClr val="C00000"/>
+                </a:solidFill>
+                <a:latin typeface="Times New Roman" panose="02020603050405020304" pitchFamily="18" charset="0"/>
+                <a:cs typeface="Times New Roman" panose="02020603050405020304" pitchFamily="18" charset="0"/>
+              </a:rPr>
+              <a:t>29ms</a:t>
+            </a:r>
+            <a:endParaRPr lang="zh-CN" altLang="en-US" sz="1200" dirty="0">
+              <a:solidFill>
+                <a:srgbClr val="C00000"/>
+              </a:solidFill>
+              <a:latin typeface="Times New Roman" panose="02020603050405020304" pitchFamily="18" charset="0"/>
+              <a:cs typeface="Times New Roman" panose="02020603050405020304" pitchFamily="18" charset="0"/>
+            </a:endParaRPr>
+          </a:p>
+        </p:txBody>
+      </p:sp>
+      <p:sp>
+        <p:nvSpPr>
+          <p:cNvPr id="61" name="文本框 60">
+            <a:extLst>
+              <a:ext uri="{FF2B5EF4-FFF2-40B4-BE49-F238E27FC236}">
+                <a16:creationId xmlns:a16="http://schemas.microsoft.com/office/drawing/2014/main" id="{75C02C55-02C1-49F8-8DAF-EA7DC5B9118B}"/>
+              </a:ext>
+            </a:extLst>
+          </p:cNvPr>
+          <p:cNvSpPr txBox="1"/>
+          <p:nvPr/>
+        </p:nvSpPr>
+        <p:spPr>
+          <a:xfrm>
+            <a:off x="6707344" y="3725694"/>
+            <a:ext cx="581857" cy="276999"/>
+          </a:xfrm>
+          <a:prstGeom prst="rect">
+            <a:avLst/>
+          </a:prstGeom>
+          <a:noFill/>
+        </p:spPr>
+        <p:txBody>
+          <a:bodyPr wrap="square" rtlCol="0">
+            <a:spAutoFit/>
+          </a:bodyPr>
+          <a:lstStyle/>
+          <a:p>
+            <a:r>
+              <a:rPr lang="en-US" altLang="zh-CN" sz="1200" dirty="0">
+                <a:solidFill>
+                  <a:srgbClr val="C00000"/>
+                </a:solidFill>
+                <a:latin typeface="Times New Roman" panose="02020603050405020304" pitchFamily="18" charset="0"/>
+                <a:cs typeface="Times New Roman" panose="02020603050405020304" pitchFamily="18" charset="0"/>
+              </a:rPr>
+              <a:t>15ms</a:t>
+            </a:r>
+            <a:endParaRPr lang="zh-CN" altLang="en-US" sz="1200" dirty="0">
+              <a:solidFill>
+                <a:srgbClr val="C00000"/>
+              </a:solidFill>
+              <a:latin typeface="Times New Roman" panose="02020603050405020304" pitchFamily="18" charset="0"/>
+              <a:cs typeface="Times New Roman" panose="02020603050405020304" pitchFamily="18" charset="0"/>
+            </a:endParaRPr>
+          </a:p>
+        </p:txBody>
+      </p:sp>
+      <p:sp>
+        <p:nvSpPr>
+          <p:cNvPr id="62" name="文本框 61">
+            <a:extLst>
+              <a:ext uri="{FF2B5EF4-FFF2-40B4-BE49-F238E27FC236}">
+                <a16:creationId xmlns:a16="http://schemas.microsoft.com/office/drawing/2014/main" id="{B229882F-7897-4CAA-B402-C1B4D6790B61}"/>
+              </a:ext>
+            </a:extLst>
+          </p:cNvPr>
+          <p:cNvSpPr txBox="1"/>
+          <p:nvPr/>
+        </p:nvSpPr>
+        <p:spPr>
+          <a:xfrm>
+            <a:off x="7870536" y="3725693"/>
+            <a:ext cx="581857" cy="276999"/>
+          </a:xfrm>
+          <a:prstGeom prst="rect">
+            <a:avLst/>
+          </a:prstGeom>
+          <a:noFill/>
+        </p:spPr>
+        <p:txBody>
+          <a:bodyPr wrap="square" rtlCol="0">
+            <a:spAutoFit/>
+          </a:bodyPr>
+          <a:lstStyle/>
+          <a:p>
+            <a:r>
+              <a:rPr lang="en-US" altLang="zh-CN" sz="1200" dirty="0">
+                <a:solidFill>
+                  <a:srgbClr val="C00000"/>
+                </a:solidFill>
+                <a:latin typeface="Times New Roman" panose="02020603050405020304" pitchFamily="18" charset="0"/>
+                <a:cs typeface="Times New Roman" panose="02020603050405020304" pitchFamily="18" charset="0"/>
+              </a:rPr>
+              <a:t>75ms</a:t>
+            </a:r>
+            <a:endParaRPr lang="zh-CN" altLang="en-US" sz="1200" dirty="0">
+              <a:solidFill>
+                <a:srgbClr val="C00000"/>
+              </a:solidFill>
+              <a:latin typeface="Times New Roman" panose="02020603050405020304" pitchFamily="18" charset="0"/>
+              <a:cs typeface="Times New Roman" panose="02020603050405020304" pitchFamily="18" charset="0"/>
+            </a:endParaRPr>
+          </a:p>
+        </p:txBody>
+      </p:sp>
+      <p:sp>
+        <p:nvSpPr>
+          <p:cNvPr id="63" name="文本框 62">
+            <a:extLst>
+              <a:ext uri="{FF2B5EF4-FFF2-40B4-BE49-F238E27FC236}">
+                <a16:creationId xmlns:a16="http://schemas.microsoft.com/office/drawing/2014/main" id="{5BFE7D3F-AAFF-4402-B922-090BDB5ACF28}"/>
+              </a:ext>
+            </a:extLst>
+          </p:cNvPr>
+          <p:cNvSpPr txBox="1"/>
+          <p:nvPr/>
+        </p:nvSpPr>
+        <p:spPr>
+          <a:xfrm>
+            <a:off x="9019714" y="2240358"/>
+            <a:ext cx="581857" cy="276999"/>
+          </a:xfrm>
+          <a:prstGeom prst="rect">
+            <a:avLst/>
+          </a:prstGeom>
+          <a:noFill/>
+        </p:spPr>
+        <p:txBody>
+          <a:bodyPr wrap="square" rtlCol="0">
+            <a:spAutoFit/>
+          </a:bodyPr>
+          <a:lstStyle/>
+          <a:p>
+            <a:r>
+              <a:rPr lang="en-US" altLang="zh-CN" sz="1200" dirty="0">
+                <a:solidFill>
+                  <a:srgbClr val="C00000"/>
+                </a:solidFill>
+                <a:latin typeface="Times New Roman" panose="02020603050405020304" pitchFamily="18" charset="0"/>
+                <a:cs typeface="Times New Roman" panose="02020603050405020304" pitchFamily="18" charset="0"/>
+              </a:rPr>
+              <a:t>2ms</a:t>
+            </a:r>
+            <a:endParaRPr lang="zh-CN" altLang="en-US" sz="1200" dirty="0">
+              <a:solidFill>
+                <a:srgbClr val="C00000"/>
+              </a:solidFill>
+              <a:latin typeface="Times New Roman" panose="02020603050405020304" pitchFamily="18" charset="0"/>
+              <a:cs typeface="Times New Roman" panose="02020603050405020304" pitchFamily="18" charset="0"/>
+            </a:endParaRPr>
+          </a:p>
+        </p:txBody>
+      </p:sp>
+      <p:sp>
+        <p:nvSpPr>
+          <p:cNvPr id="64" name="文本框 63">
+            <a:extLst>
+              <a:ext uri="{FF2B5EF4-FFF2-40B4-BE49-F238E27FC236}">
+                <a16:creationId xmlns:a16="http://schemas.microsoft.com/office/drawing/2014/main" id="{C460A173-4F45-47FA-A3BC-A0DBDB305C2E}"/>
+              </a:ext>
+            </a:extLst>
+          </p:cNvPr>
+          <p:cNvSpPr txBox="1"/>
+          <p:nvPr/>
+        </p:nvSpPr>
+        <p:spPr>
+          <a:xfrm>
+            <a:off x="9005369" y="3720677"/>
+            <a:ext cx="581857" cy="276999"/>
+          </a:xfrm>
+          <a:prstGeom prst="rect">
+            <a:avLst/>
+          </a:prstGeom>
+          <a:noFill/>
+        </p:spPr>
+        <p:txBody>
+          <a:bodyPr wrap="square" rtlCol="0">
+            <a:spAutoFit/>
+          </a:bodyPr>
+          <a:lstStyle/>
+          <a:p>
+            <a:r>
+              <a:rPr lang="en-US" altLang="zh-CN" sz="1200" dirty="0">
+                <a:solidFill>
+                  <a:srgbClr val="C00000"/>
+                </a:solidFill>
+                <a:latin typeface="Times New Roman" panose="02020603050405020304" pitchFamily="18" charset="0"/>
+                <a:cs typeface="Times New Roman" panose="02020603050405020304" pitchFamily="18" charset="0"/>
+              </a:rPr>
+              <a:t>10ms</a:t>
+            </a:r>
+            <a:endParaRPr lang="zh-CN" altLang="en-US" sz="1200" dirty="0">
+              <a:solidFill>
+                <a:srgbClr val="C00000"/>
+              </a:solidFill>
+              <a:latin typeface="Times New Roman" panose="02020603050405020304" pitchFamily="18" charset="0"/>
+              <a:cs typeface="Times New Roman" panose="02020603050405020304" pitchFamily="18" charset="0"/>
+            </a:endParaRPr>
+          </a:p>
+        </p:txBody>
+      </p:sp>
+    </p:spTree>
+    <p:extLst>
+      <p:ext uri="{BB962C8B-B14F-4D97-AF65-F5344CB8AC3E}">
+        <p14:creationId xmlns:p14="http://schemas.microsoft.com/office/powerpoint/2010/main" val="4085468586"/>
       </p:ext>
     </p:extLst>
   </p:cSld>
@@ -4173,4 +8175,299 @@
     </a:ext>
   </a:extLst>
 </a:theme>
+</file>
+
+<file path=ppt/theme/theme2.xml><?xml version="1.0" encoding="utf-8"?>
+<a:theme xmlns:a="http://schemas.openxmlformats.org/drawingml/2006/main" name="Office 主题​​">
+  <a:themeElements>
+    <a:clrScheme name="Office">
+      <a:dk1>
+        <a:sysClr val="windowText" lastClr="000000"/>
+      </a:dk1>
+      <a:lt1>
+        <a:sysClr val="window" lastClr="FFFFFF"/>
+      </a:lt1>
+      <a:dk2>
+        <a:srgbClr val="44546A"/>
+      </a:dk2>
+      <a:lt2>
+        <a:srgbClr val="E7E6E6"/>
+      </a:lt2>
+      <a:accent1>
+        <a:srgbClr val="4472C4"/>
+      </a:accent1>
+      <a:accent2>
+        <a:srgbClr val="ED7D31"/>
+      </a:accent2>
+      <a:accent3>
+        <a:srgbClr val="A5A5A5"/>
+      </a:accent3>
+      <a:accent4>
+        <a:srgbClr val="FFC000"/>
+      </a:accent4>
+      <a:accent5>
+        <a:srgbClr val="5B9BD5"/>
+      </a:accent5>
+      <a:accent6>
+        <a:srgbClr val="70AD47"/>
+      </a:accent6>
+      <a:hlink>
+        <a:srgbClr val="0563C1"/>
+      </a:hlink>
+      <a:folHlink>
+        <a:srgbClr val="954F72"/>
+      </a:folHlink>
+    </a:clrScheme>
+    <a:fontScheme name="Office">
+      <a:majorFont>
+        <a:latin typeface="等线 Light" panose="020F0302020204030204"/>
+        <a:ea typeface=""/>
+        <a:cs typeface=""/>
+        <a:font script="Jpan" typeface="游ゴシック Light"/>
+        <a:font script="Hang" typeface="맑은 고딕"/>
+        <a:font script="Hans" typeface="等线 Light"/>
+        <a:font script="Hant" typeface="新細明體"/>
+        <a:font script="Arab" typeface="Times New Roman"/>
+        <a:font script="Hebr" typeface="Times New Roman"/>
+        <a:font script="Thai" typeface="Angsana New"/>
+        <a:font script="Ethi" typeface="Nyala"/>
+        <a:font script="Beng" typeface="Vrinda"/>
+        <a:font script="Gujr" typeface="Shruti"/>
+        <a:font script="Khmr" typeface="MoolBoran"/>
+        <a:font script="Knda" typeface="Tunga"/>
+        <a:font script="Guru" typeface="Raavi"/>
+        <a:font script="Cans" typeface="Euphemia"/>
+        <a:font script="Cher" typeface="Plantagenet Cherokee"/>
+        <a:font script="Yiii" typeface="Microsoft Yi Baiti"/>
+        <a:font script="Tibt" typeface="Microsoft Himalaya"/>
+        <a:font script="Thaa" typeface="MV Boli"/>
+        <a:font script="Deva" typeface="Mangal"/>
+        <a:font script="Telu" typeface="Gautami"/>
+        <a:font script="Taml" typeface="Latha"/>
+        <a:font script="Syrc" typeface="Estrangelo Edessa"/>
+        <a:font script="Orya" typeface="Kalinga"/>
+        <a:font script="Mlym" typeface="Kartika"/>
+        <a:font script="Laoo" typeface="DokChampa"/>
+        <a:font script="Sinh" typeface="Iskoola Pota"/>
+        <a:font script="Mong" typeface="Mongolian Baiti"/>
+        <a:font script="Viet" typeface="Times New Roman"/>
+        <a:font script="Uigh" typeface="Microsoft Uighur"/>
+        <a:font script="Geor" typeface="Sylfaen"/>
+        <a:font script="Armn" typeface="Arial"/>
+        <a:font script="Bugi" typeface="Leelawadee UI"/>
+        <a:font script="Bopo" typeface="Microsoft JhengHei"/>
+        <a:font script="Java" typeface="Javanese Text"/>
+        <a:font script="Lisu" typeface="Segoe UI"/>
+        <a:font script="Mymr" typeface="Myanmar Text"/>
+        <a:font script="Nkoo" typeface="Ebrima"/>
+        <a:font script="Olck" typeface="Nirmala UI"/>
+        <a:font script="Osma" typeface="Ebrima"/>
+        <a:font script="Phag" typeface="Phagspa"/>
+        <a:font script="Syrn" typeface="Estrangelo Edessa"/>
+        <a:font script="Syrj" typeface="Estrangelo Edessa"/>
+        <a:font script="Syre" typeface="Estrangelo Edessa"/>
+        <a:font script="Sora" typeface="Nirmala UI"/>
+        <a:font script="Tale" typeface="Microsoft Tai Le"/>
+        <a:font script="Talu" typeface="Microsoft New Tai Lue"/>
+        <a:font script="Tfng" typeface="Ebrima"/>
+      </a:majorFont>
+      <a:minorFont>
+        <a:latin typeface="等线" panose="020F0502020204030204"/>
+        <a:ea typeface=""/>
+        <a:cs typeface=""/>
+        <a:font script="Jpan" typeface="游ゴシック"/>
+        <a:font script="Hang" typeface="맑은 고딕"/>
+        <a:font script="Hans" typeface="等线"/>
+        <a:font script="Hant" typeface="新細明體"/>
+        <a:font script="Arab" typeface="Arial"/>
+        <a:font script="Hebr" typeface="Arial"/>
+        <a:font script="Thai" typeface="Cordia New"/>
+        <a:font script="Ethi" typeface="Nyala"/>
+        <a:font script="Beng" typeface="Vrinda"/>
+        <a:font script="Gujr" typeface="Shruti"/>
+        <a:font script="Khmr" typeface="DaunPenh"/>
+        <a:font script="Knda" typeface="Tunga"/>
+        <a:font script="Guru" typeface="Raavi"/>
+        <a:font script="Cans" typeface="Euphemia"/>
+        <a:font script="Cher" typeface="Plantagenet Cherokee"/>
+        <a:font script="Yiii" typeface="Microsoft Yi Baiti"/>
+        <a:font script="Tibt" typeface="Microsoft Himalaya"/>
+        <a:font script="Thaa" typeface="MV Boli"/>
+        <a:font script="Deva" typeface="Mangal"/>
+        <a:font script="Telu" typeface="Gautami"/>
+        <a:font script="Taml" typeface="Latha"/>
+        <a:font script="Syrc" typeface="Estrangelo Edessa"/>
+        <a:font script="Orya" typeface="Kalinga"/>
+        <a:font script="Mlym" typeface="Kartika"/>
+        <a:font script="Laoo" typeface="DokChampa"/>
+        <a:font script="Sinh" typeface="Iskoola Pota"/>
+        <a:font script="Mong" typeface="Mongolian Baiti"/>
+        <a:font script="Viet" typeface="Arial"/>
+        <a:font script="Uigh" typeface="Microsoft Uighur"/>
+        <a:font script="Geor" typeface="Sylfaen"/>
+        <a:font script="Armn" typeface="Arial"/>
+        <a:font script="Bugi" typeface="Leelawadee UI"/>
+        <a:font script="Bopo" typeface="Microsoft JhengHei"/>
+        <a:font script="Java" typeface="Javanese Text"/>
+        <a:font script="Lisu" typeface="Segoe UI"/>
+        <a:font script="Mymr" typeface="Myanmar Text"/>
+        <a:font script="Nkoo" typeface="Ebrima"/>
+        <a:font script="Olck" typeface="Nirmala UI"/>
+        <a:font script="Osma" typeface="Ebrima"/>
+        <a:font script="Phag" typeface="Phagspa"/>
+        <a:font script="Syrn" typeface="Estrangelo Edessa"/>
+        <a:font script="Syrj" typeface="Estrangelo Edessa"/>
+        <a:font script="Syre" typeface="Estrangelo Edessa"/>
+        <a:font script="Sora" typeface="Nirmala UI"/>
+        <a:font script="Tale" typeface="Microsoft Tai Le"/>
+        <a:font script="Talu" typeface="Microsoft New Tai Lue"/>
+        <a:font script="Tfng" typeface="Ebrima"/>
+      </a:minorFont>
+    </a:fontScheme>
+    <a:fmtScheme name="Office">
+      <a:fillStyleLst>
+        <a:solidFill>
+          <a:schemeClr val="phClr"/>
+        </a:solidFill>
+        <a:gradFill rotWithShape="1">
+          <a:gsLst>
+            <a:gs pos="0">
+              <a:schemeClr val="phClr">
+                <a:lumMod val="110000"/>
+                <a:satMod val="105000"/>
+                <a:tint val="67000"/>
+              </a:schemeClr>
+            </a:gs>
+            <a:gs pos="50000">
+              <a:schemeClr val="phClr">
+                <a:lumMod val="105000"/>
+                <a:satMod val="103000"/>
+                <a:tint val="73000"/>
+              </a:schemeClr>
+            </a:gs>
+            <a:gs pos="100000">
+              <a:schemeClr val="phClr">
+                <a:lumMod val="105000"/>
+                <a:satMod val="109000"/>
+                <a:tint val="81000"/>
+              </a:schemeClr>
+            </a:gs>
+          </a:gsLst>
+          <a:lin ang="5400000" scaled="0"/>
+        </a:gradFill>
+        <a:gradFill rotWithShape="1">
+          <a:gsLst>
+            <a:gs pos="0">
+              <a:schemeClr val="phClr">
+                <a:satMod val="103000"/>
+                <a:lumMod val="102000"/>
+                <a:tint val="94000"/>
+              </a:schemeClr>
+            </a:gs>
+            <a:gs pos="50000">
+              <a:schemeClr val="phClr">
+                <a:satMod val="110000"/>
+                <a:lumMod val="100000"/>
+                <a:shade val="100000"/>
+              </a:schemeClr>
+            </a:gs>
+            <a:gs pos="100000">
+              <a:schemeClr val="phClr">
+                <a:lumMod val="99000"/>
+                <a:satMod val="120000"/>
+                <a:shade val="78000"/>
+              </a:schemeClr>
+            </a:gs>
+          </a:gsLst>
+          <a:lin ang="5400000" scaled="0"/>
+        </a:gradFill>
+      </a:fillStyleLst>
+      <a:lnStyleLst>
+        <a:ln w="6350" cap="flat" cmpd="sng" algn="ctr">
+          <a:solidFill>
+            <a:schemeClr val="phClr"/>
+          </a:solidFill>
+          <a:prstDash val="solid"/>
+          <a:miter lim="800000"/>
+        </a:ln>
+        <a:ln w="12700" cap="flat" cmpd="sng" algn="ctr">
+          <a:solidFill>
+            <a:schemeClr val="phClr"/>
+          </a:solidFill>
+          <a:prstDash val="solid"/>
+          <a:miter lim="800000"/>
+        </a:ln>
+        <a:ln w="19050" cap="flat" cmpd="sng" algn="ctr">
+          <a:solidFill>
+            <a:schemeClr val="phClr"/>
+          </a:solidFill>
+          <a:prstDash val="solid"/>
+          <a:miter lim="800000"/>
+        </a:ln>
+      </a:lnStyleLst>
+      <a:effectStyleLst>
+        <a:effectStyle>
+          <a:effectLst/>
+        </a:effectStyle>
+        <a:effectStyle>
+          <a:effectLst/>
+        </a:effectStyle>
+        <a:effectStyle>
+          <a:effectLst>
+            <a:outerShdw blurRad="57150" dist="19050" dir="5400000" algn="ctr" rotWithShape="0">
+              <a:srgbClr val="000000">
+                <a:alpha val="63000"/>
+              </a:srgbClr>
+            </a:outerShdw>
+          </a:effectLst>
+        </a:effectStyle>
+      </a:effectStyleLst>
+      <a:bgFillStyleLst>
+        <a:solidFill>
+          <a:schemeClr val="phClr"/>
+        </a:solidFill>
+        <a:solidFill>
+          <a:schemeClr val="phClr">
+            <a:tint val="95000"/>
+            <a:satMod val="170000"/>
+          </a:schemeClr>
+        </a:solidFill>
+        <a:gradFill rotWithShape="1">
+          <a:gsLst>
+            <a:gs pos="0">
+              <a:schemeClr val="phClr">
+                <a:tint val="93000"/>
+                <a:satMod val="150000"/>
+                <a:shade val="98000"/>
+                <a:lumMod val="102000"/>
+              </a:schemeClr>
+            </a:gs>
+            <a:gs pos="50000">
+              <a:schemeClr val="phClr">
+                <a:tint val="98000"/>
+                <a:satMod val="130000"/>
+                <a:shade val="90000"/>
+                <a:lumMod val="103000"/>
+              </a:schemeClr>
+            </a:gs>
+            <a:gs pos="100000">
+              <a:schemeClr val="phClr">
+                <a:shade val="63000"/>
+                <a:satMod val="120000"/>
+              </a:schemeClr>
+            </a:gs>
+          </a:gsLst>
+          <a:lin ang="5400000" scaled="0"/>
+        </a:gradFill>
+      </a:bgFillStyleLst>
+    </a:fmtScheme>
+  </a:themeElements>
+  <a:objectDefaults/>
+  <a:extraClrSchemeLst/>
+  <a:extLst>
+    <a:ext uri="{05A4C25C-085E-4340-85A3-A5531E510DB2}">
+      <thm15:themeFamily xmlns:thm15="http://schemas.microsoft.com/office/thememl/2012/main" name="Office Theme" id="{62F939B6-93AF-4DB8-9C6B-D6C7DFDC589F}" vid="{4A3C46E8-61CC-4603-A589-7422A47A8E4A}"/>
+    </a:ext>
+  </a:extLst>
+</a:theme>
 </file>
--- a/figures.pptx
+++ b/figures.pptx
@@ -5,12 +5,16 @@
     <p:sldMasterId id="2147483648" r:id="rId1"/>
   </p:sldMasterIdLst>
   <p:notesMasterIdLst>
-    <p:notesMasterId r:id="rId5"/>
+    <p:notesMasterId r:id="rId9"/>
   </p:notesMasterIdLst>
   <p:sldIdLst>
     <p:sldId id="321" r:id="rId2"/>
     <p:sldId id="322" r:id="rId3"/>
     <p:sldId id="323" r:id="rId4"/>
+    <p:sldId id="324" r:id="rId5"/>
+    <p:sldId id="325" r:id="rId6"/>
+    <p:sldId id="326" r:id="rId7"/>
+    <p:sldId id="327" r:id="rId8"/>
   </p:sldIdLst>
   <p:sldSz cx="12192000" cy="6858000"/>
   <p:notesSz cx="6858000" cy="9144000"/>
@@ -199,7 +203,7 @@
           <a:p>
             <a:fld id="{CC66260A-31CB-4826-B64A-447D5B9C3C6E}" type="datetimeFigureOut">
               <a:rPr lang="zh-CN" altLang="en-US" smtClean="0"/>
-              <a:t>2021/4/20</a:t>
+              <a:t>2021/4/25</a:t>
             </a:fld>
             <a:endParaRPr lang="zh-CN" altLang="en-US"/>
           </a:p>
@@ -781,7 +785,7 @@
           <a:p>
             <a:fld id="{0F6E1487-C65C-442C-8696-5DDAB5505ADF}" type="datetimeFigureOut">
               <a:rPr lang="zh-CN" altLang="en-US" smtClean="0"/>
-              <a:t>2021/4/20</a:t>
+              <a:t>2021/4/25</a:t>
             </a:fld>
             <a:endParaRPr lang="zh-CN" altLang="en-US"/>
           </a:p>
@@ -979,7 +983,7 @@
           <a:p>
             <a:fld id="{0F6E1487-C65C-442C-8696-5DDAB5505ADF}" type="datetimeFigureOut">
               <a:rPr lang="zh-CN" altLang="en-US" smtClean="0"/>
-              <a:t>2021/4/20</a:t>
+              <a:t>2021/4/25</a:t>
             </a:fld>
             <a:endParaRPr lang="zh-CN" altLang="en-US"/>
           </a:p>
@@ -1187,7 +1191,7 @@
           <a:p>
             <a:fld id="{0F6E1487-C65C-442C-8696-5DDAB5505ADF}" type="datetimeFigureOut">
               <a:rPr lang="zh-CN" altLang="en-US" smtClean="0"/>
-              <a:t>2021/4/20</a:t>
+              <a:t>2021/4/25</a:t>
             </a:fld>
             <a:endParaRPr lang="zh-CN" altLang="en-US"/>
           </a:p>
@@ -1385,7 +1389,7 @@
           <a:p>
             <a:fld id="{0F6E1487-C65C-442C-8696-5DDAB5505ADF}" type="datetimeFigureOut">
               <a:rPr lang="zh-CN" altLang="en-US" smtClean="0"/>
-              <a:t>2021/4/20</a:t>
+              <a:t>2021/4/25</a:t>
             </a:fld>
             <a:endParaRPr lang="zh-CN" altLang="en-US"/>
           </a:p>
@@ -1660,7 +1664,7 @@
           <a:p>
             <a:fld id="{0F6E1487-C65C-442C-8696-5DDAB5505ADF}" type="datetimeFigureOut">
               <a:rPr lang="zh-CN" altLang="en-US" smtClean="0"/>
-              <a:t>2021/4/20</a:t>
+              <a:t>2021/4/25</a:t>
             </a:fld>
             <a:endParaRPr lang="zh-CN" altLang="en-US"/>
           </a:p>
@@ -1925,7 +1929,7 @@
           <a:p>
             <a:fld id="{0F6E1487-C65C-442C-8696-5DDAB5505ADF}" type="datetimeFigureOut">
               <a:rPr lang="zh-CN" altLang="en-US" smtClean="0"/>
-              <a:t>2021/4/20</a:t>
+              <a:t>2021/4/25</a:t>
             </a:fld>
             <a:endParaRPr lang="zh-CN" altLang="en-US"/>
           </a:p>
@@ -2337,7 +2341,7 @@
           <a:p>
             <a:fld id="{0F6E1487-C65C-442C-8696-5DDAB5505ADF}" type="datetimeFigureOut">
               <a:rPr lang="zh-CN" altLang="en-US" smtClean="0"/>
-              <a:t>2021/4/20</a:t>
+              <a:t>2021/4/25</a:t>
             </a:fld>
             <a:endParaRPr lang="zh-CN" altLang="en-US"/>
           </a:p>
@@ -2478,7 +2482,7 @@
           <a:p>
             <a:fld id="{0F6E1487-C65C-442C-8696-5DDAB5505ADF}" type="datetimeFigureOut">
               <a:rPr lang="zh-CN" altLang="en-US" smtClean="0"/>
-              <a:t>2021/4/20</a:t>
+              <a:t>2021/4/25</a:t>
             </a:fld>
             <a:endParaRPr lang="zh-CN" altLang="en-US"/>
           </a:p>
@@ -2591,7 +2595,7 @@
           <a:p>
             <a:fld id="{0F6E1487-C65C-442C-8696-5DDAB5505ADF}" type="datetimeFigureOut">
               <a:rPr lang="zh-CN" altLang="en-US" smtClean="0"/>
-              <a:t>2021/4/20</a:t>
+              <a:t>2021/4/25</a:t>
             </a:fld>
             <a:endParaRPr lang="zh-CN" altLang="en-US"/>
           </a:p>
@@ -2902,7 +2906,7 @@
           <a:p>
             <a:fld id="{0F6E1487-C65C-442C-8696-5DDAB5505ADF}" type="datetimeFigureOut">
               <a:rPr lang="zh-CN" altLang="en-US" smtClean="0"/>
-              <a:t>2021/4/20</a:t>
+              <a:t>2021/4/25</a:t>
             </a:fld>
             <a:endParaRPr lang="zh-CN" altLang="en-US"/>
           </a:p>
@@ -3190,7 +3194,7 @@
           <a:p>
             <a:fld id="{0F6E1487-C65C-442C-8696-5DDAB5505ADF}" type="datetimeFigureOut">
               <a:rPr lang="zh-CN" altLang="en-US" smtClean="0"/>
-              <a:t>2021/4/20</a:t>
+              <a:t>2021/4/25</a:t>
             </a:fld>
             <a:endParaRPr lang="zh-CN" altLang="en-US"/>
           </a:p>
@@ -3431,7 +3435,7 @@
           <a:p>
             <a:fld id="{0F6E1487-C65C-442C-8696-5DDAB5505ADF}" type="datetimeFigureOut">
               <a:rPr lang="zh-CN" altLang="en-US" smtClean="0"/>
-              <a:t>2021/4/20</a:t>
+              <a:t>2021/4/25</a:t>
             </a:fld>
             <a:endParaRPr lang="zh-CN" altLang="en-US"/>
           </a:p>
@@ -7873,6 +7877,4360 @@
     <p:extLst>
       <p:ext uri="{BB962C8B-B14F-4D97-AF65-F5344CB8AC3E}">
         <p14:creationId xmlns:p14="http://schemas.microsoft.com/office/powerpoint/2010/main" val="4085468586"/>
+      </p:ext>
+    </p:extLst>
+  </p:cSld>
+  <p:clrMapOvr>
+    <a:masterClrMapping/>
+  </p:clrMapOvr>
+</p:sld>
+</file>
+
+<file path=ppt/slides/slide4.xml><?xml version="1.0" encoding="utf-8"?>
+<p:sld xmlns:a="http://schemas.openxmlformats.org/drawingml/2006/main" xmlns:r="http://schemas.openxmlformats.org/officeDocument/2006/relationships" xmlns:p="http://schemas.openxmlformats.org/presentationml/2006/main">
+  <p:cSld>
+    <p:spTree>
+      <p:nvGrpSpPr>
+        <p:cNvPr id="1" name=""/>
+        <p:cNvGrpSpPr/>
+        <p:nvPr/>
+      </p:nvGrpSpPr>
+      <p:grpSpPr>
+        <a:xfrm>
+          <a:off x="0" y="0"/>
+          <a:ext cx="0" cy="0"/>
+          <a:chOff x="0" y="0"/>
+          <a:chExt cx="0" cy="0"/>
+        </a:xfrm>
+      </p:grpSpPr>
+      <p:sp>
+        <p:nvSpPr>
+          <p:cNvPr id="32" name="Rectangle 24">
+            <a:extLst>
+              <a:ext uri="{FF2B5EF4-FFF2-40B4-BE49-F238E27FC236}">
+                <a16:creationId xmlns:a16="http://schemas.microsoft.com/office/drawing/2014/main" id="{136D438C-C849-4E1E-835C-0B70C365FB46}"/>
+              </a:ext>
+            </a:extLst>
+          </p:cNvPr>
+          <p:cNvSpPr/>
+          <p:nvPr/>
+        </p:nvSpPr>
+        <p:spPr>
+          <a:xfrm>
+            <a:off x="4891090" y="2537870"/>
+            <a:ext cx="939741" cy="620329"/>
+          </a:xfrm>
+          <a:prstGeom prst="rect">
+            <a:avLst/>
+          </a:prstGeom>
+          <a:ln w="12700">
+            <a:solidFill>
+              <a:schemeClr val="tx1">
+                <a:lumMod val="75000"/>
+                <a:lumOff val="25000"/>
+              </a:schemeClr>
+            </a:solidFill>
+            <a:prstDash val="dash"/>
+          </a:ln>
+        </p:spPr>
+        <p:style>
+          <a:lnRef idx="2">
+            <a:schemeClr val="dk1"/>
+          </a:lnRef>
+          <a:fillRef idx="1">
+            <a:schemeClr val="lt1"/>
+          </a:fillRef>
+          <a:effectRef idx="0">
+            <a:schemeClr val="dk1"/>
+          </a:effectRef>
+          <a:fontRef idx="minor">
+            <a:schemeClr val="dk1"/>
+          </a:fontRef>
+        </p:style>
+        <p:txBody>
+          <a:bodyPr rtlCol="0" anchor="ctr"/>
+          <a:lstStyle/>
+          <a:p>
+            <a:pPr algn="ctr"/>
+            <a:endParaRPr lang="en-CN" sz="1350"/>
+          </a:p>
+        </p:txBody>
+      </p:sp>
+      <p:grpSp>
+        <p:nvGrpSpPr>
+          <p:cNvPr id="10" name="组合 9">
+            <a:extLst>
+              <a:ext uri="{FF2B5EF4-FFF2-40B4-BE49-F238E27FC236}">
+                <a16:creationId xmlns:a16="http://schemas.microsoft.com/office/drawing/2014/main" id="{EBC7BD39-C633-481A-A806-144E713E99A6}"/>
+              </a:ext>
+            </a:extLst>
+          </p:cNvPr>
+          <p:cNvGrpSpPr/>
+          <p:nvPr/>
+        </p:nvGrpSpPr>
+        <p:grpSpPr>
+          <a:xfrm>
+            <a:off x="2778729" y="2415007"/>
+            <a:ext cx="1072896" cy="725422"/>
+            <a:chOff x="2749296" y="3934969"/>
+            <a:chExt cx="1072896" cy="725422"/>
+          </a:xfrm>
+        </p:grpSpPr>
+        <p:sp>
+          <p:nvSpPr>
+            <p:cNvPr id="7" name="矩形: 圆角 6">
+              <a:extLst>
+                <a:ext uri="{FF2B5EF4-FFF2-40B4-BE49-F238E27FC236}">
+                  <a16:creationId xmlns:a16="http://schemas.microsoft.com/office/drawing/2014/main" id="{F0C386BB-3FB0-4CE0-BD4B-DF5EDD9F0237}"/>
+                </a:ext>
+              </a:extLst>
+            </p:cNvPr>
+            <p:cNvSpPr/>
+            <p:nvPr/>
+          </p:nvSpPr>
+          <p:spPr>
+            <a:xfrm>
+              <a:off x="2883408" y="3934969"/>
+              <a:ext cx="938784" cy="579118"/>
+            </a:xfrm>
+            <a:prstGeom prst="roundRect">
+              <a:avLst/>
+            </a:prstGeom>
+            <a:solidFill>
+              <a:schemeClr val="bg1"/>
+            </a:solidFill>
+            <a:ln>
+              <a:solidFill>
+                <a:schemeClr val="tx1"/>
+              </a:solidFill>
+            </a:ln>
+          </p:spPr>
+          <p:style>
+            <a:lnRef idx="2">
+              <a:schemeClr val="accent1">
+                <a:shade val="50000"/>
+              </a:schemeClr>
+            </a:lnRef>
+            <a:fillRef idx="1">
+              <a:schemeClr val="accent1"/>
+            </a:fillRef>
+            <a:effectRef idx="0">
+              <a:schemeClr val="accent1"/>
+            </a:effectRef>
+            <a:fontRef idx="minor">
+              <a:schemeClr val="lt1"/>
+            </a:fontRef>
+          </p:style>
+          <p:txBody>
+            <a:bodyPr rtlCol="0" anchor="ctr"/>
+            <a:lstStyle/>
+            <a:p>
+              <a:pPr algn="ctr"/>
+              <a:endParaRPr lang="zh-CN" altLang="en-US"/>
+            </a:p>
+          </p:txBody>
+        </p:sp>
+        <p:sp>
+          <p:nvSpPr>
+            <p:cNvPr id="8" name="矩形: 圆角 7">
+              <a:extLst>
+                <a:ext uri="{FF2B5EF4-FFF2-40B4-BE49-F238E27FC236}">
+                  <a16:creationId xmlns:a16="http://schemas.microsoft.com/office/drawing/2014/main" id="{72D32426-8DDD-41C2-952B-F51374A6D3CF}"/>
+                </a:ext>
+              </a:extLst>
+            </p:cNvPr>
+            <p:cNvSpPr/>
+            <p:nvPr/>
+          </p:nvSpPr>
+          <p:spPr>
+            <a:xfrm>
+              <a:off x="2816352" y="4008121"/>
+              <a:ext cx="938784" cy="579118"/>
+            </a:xfrm>
+            <a:prstGeom prst="roundRect">
+              <a:avLst/>
+            </a:prstGeom>
+            <a:solidFill>
+              <a:schemeClr val="bg1"/>
+            </a:solidFill>
+            <a:ln>
+              <a:solidFill>
+                <a:schemeClr val="tx1"/>
+              </a:solidFill>
+            </a:ln>
+          </p:spPr>
+          <p:style>
+            <a:lnRef idx="2">
+              <a:schemeClr val="accent1">
+                <a:shade val="50000"/>
+              </a:schemeClr>
+            </a:lnRef>
+            <a:fillRef idx="1">
+              <a:schemeClr val="accent1"/>
+            </a:fillRef>
+            <a:effectRef idx="0">
+              <a:schemeClr val="accent1"/>
+            </a:effectRef>
+            <a:fontRef idx="minor">
+              <a:schemeClr val="lt1"/>
+            </a:fontRef>
+          </p:style>
+          <p:txBody>
+            <a:bodyPr rtlCol="0" anchor="ctr"/>
+            <a:lstStyle/>
+            <a:p>
+              <a:pPr algn="ctr"/>
+              <a:endParaRPr lang="zh-CN" altLang="en-US"/>
+            </a:p>
+          </p:txBody>
+        </p:sp>
+        <p:sp>
+          <p:nvSpPr>
+            <p:cNvPr id="9" name="矩形: 圆角 8">
+              <a:extLst>
+                <a:ext uri="{FF2B5EF4-FFF2-40B4-BE49-F238E27FC236}">
+                  <a16:creationId xmlns:a16="http://schemas.microsoft.com/office/drawing/2014/main" id="{772C66CD-9C04-4C65-BA9B-2359287486A2}"/>
+                </a:ext>
+              </a:extLst>
+            </p:cNvPr>
+            <p:cNvSpPr/>
+            <p:nvPr/>
+          </p:nvSpPr>
+          <p:spPr>
+            <a:xfrm>
+              <a:off x="2749296" y="4081273"/>
+              <a:ext cx="938784" cy="579118"/>
+            </a:xfrm>
+            <a:prstGeom prst="roundRect">
+              <a:avLst/>
+            </a:prstGeom>
+            <a:solidFill>
+              <a:schemeClr val="bg1"/>
+            </a:solidFill>
+            <a:ln>
+              <a:solidFill>
+                <a:schemeClr val="tx1"/>
+              </a:solidFill>
+            </a:ln>
+          </p:spPr>
+          <p:style>
+            <a:lnRef idx="2">
+              <a:schemeClr val="accent1">
+                <a:shade val="50000"/>
+              </a:schemeClr>
+            </a:lnRef>
+            <a:fillRef idx="1">
+              <a:schemeClr val="accent1"/>
+            </a:fillRef>
+            <a:effectRef idx="0">
+              <a:schemeClr val="accent1"/>
+            </a:effectRef>
+            <a:fontRef idx="minor">
+              <a:schemeClr val="lt1"/>
+            </a:fontRef>
+          </p:style>
+          <p:txBody>
+            <a:bodyPr rtlCol="0" anchor="ctr"/>
+            <a:lstStyle/>
+            <a:p>
+              <a:pPr algn="ctr"/>
+              <a:r>
+                <a:rPr lang="en-US" altLang="zh-CN" sz="1100" dirty="0">
+                  <a:solidFill>
+                    <a:schemeClr val="tx1"/>
+                  </a:solidFill>
+                  <a:latin typeface="Times New Roman" panose="02020603050405020304" pitchFamily="18" charset="0"/>
+                  <a:cs typeface="Times New Roman" panose="02020603050405020304" pitchFamily="18" charset="0"/>
+                </a:rPr>
+                <a:t>Checkpoint</a:t>
+              </a:r>
+              <a:endParaRPr lang="zh-CN" altLang="en-US" sz="1100" dirty="0">
+                <a:latin typeface="Times New Roman" panose="02020603050405020304" pitchFamily="18" charset="0"/>
+                <a:cs typeface="Times New Roman" panose="02020603050405020304" pitchFamily="18" charset="0"/>
+              </a:endParaRPr>
+            </a:p>
+          </p:txBody>
+        </p:sp>
+      </p:grpSp>
+      <p:pic>
+        <p:nvPicPr>
+          <p:cNvPr id="11" name="Picture 4" descr="“serverless icon”的图片搜索结果">
+            <a:extLst>
+              <a:ext uri="{FF2B5EF4-FFF2-40B4-BE49-F238E27FC236}">
+                <a16:creationId xmlns:a16="http://schemas.microsoft.com/office/drawing/2014/main" id="{F7A5EED2-277E-4665-A52B-6297FE89EC7A}"/>
+              </a:ext>
+            </a:extLst>
+          </p:cNvPr>
+          <p:cNvPicPr>
+            <a:picLocks noChangeAspect="1" noChangeArrowheads="1"/>
+          </p:cNvPicPr>
+          <p:nvPr/>
+        </p:nvPicPr>
+        <p:blipFill>
+          <a:blip r:embed="rId2">
+            <a:extLst>
+              <a:ext uri="{28A0092B-C50C-407E-A947-70E740481C1C}">
+                <a14:useLocalDpi xmlns:a14="http://schemas.microsoft.com/office/drawing/2010/main" val="0"/>
+              </a:ext>
+            </a:extLst>
+          </a:blip>
+          <a:srcRect/>
+          <a:stretch>
+            <a:fillRect/>
+          </a:stretch>
+        </p:blipFill>
+        <p:spPr bwMode="auto">
+          <a:xfrm>
+            <a:off x="5093208" y="2574443"/>
+            <a:ext cx="553794" cy="553794"/>
+          </a:xfrm>
+          <a:prstGeom prst="rect">
+            <a:avLst/>
+          </a:prstGeom>
+          <a:noFill/>
+          <a:extLst>
+            <a:ext uri="{909E8E84-426E-40DD-AFC4-6F175D3DCCD1}">
+              <a14:hiddenFill xmlns:a14="http://schemas.microsoft.com/office/drawing/2010/main">
+                <a:solidFill>
+                  <a:srgbClr val="FFFFFF"/>
+                </a:solidFill>
+              </a14:hiddenFill>
+            </a:ext>
+          </a:extLst>
+        </p:spPr>
+      </p:pic>
+      <p:cxnSp>
+        <p:nvCxnSpPr>
+          <p:cNvPr id="13" name="直接连接符 12">
+            <a:extLst>
+              <a:ext uri="{FF2B5EF4-FFF2-40B4-BE49-F238E27FC236}">
+                <a16:creationId xmlns:a16="http://schemas.microsoft.com/office/drawing/2014/main" id="{32C86818-5EAC-41E7-BED5-11ADEDA46F79}"/>
+              </a:ext>
+            </a:extLst>
+          </p:cNvPr>
+          <p:cNvCxnSpPr>
+            <a:cxnSpLocks/>
+          </p:cNvCxnSpPr>
+          <p:nvPr/>
+        </p:nvCxnSpPr>
+        <p:spPr>
+          <a:xfrm>
+            <a:off x="4352544" y="1963148"/>
+            <a:ext cx="0" cy="1810984"/>
+          </a:xfrm>
+          <a:prstGeom prst="line">
+            <a:avLst/>
+          </a:prstGeom>
+          <a:ln w="12700">
+            <a:solidFill>
+              <a:schemeClr val="tx1"/>
+            </a:solidFill>
+            <a:prstDash val="dash"/>
+          </a:ln>
+        </p:spPr>
+        <p:style>
+          <a:lnRef idx="1">
+            <a:schemeClr val="accent1"/>
+          </a:lnRef>
+          <a:fillRef idx="0">
+            <a:schemeClr val="accent1"/>
+          </a:fillRef>
+          <a:effectRef idx="0">
+            <a:schemeClr val="accent1"/>
+          </a:effectRef>
+          <a:fontRef idx="minor">
+            <a:schemeClr val="tx1"/>
+          </a:fontRef>
+        </p:style>
+      </p:cxnSp>
+      <p:cxnSp>
+        <p:nvCxnSpPr>
+          <p:cNvPr id="19" name="直接连接符 18">
+            <a:extLst>
+              <a:ext uri="{FF2B5EF4-FFF2-40B4-BE49-F238E27FC236}">
+                <a16:creationId xmlns:a16="http://schemas.microsoft.com/office/drawing/2014/main" id="{79020631-1851-4258-ACD2-7CCA26F52D41}"/>
+              </a:ext>
+            </a:extLst>
+          </p:cNvPr>
+          <p:cNvCxnSpPr>
+            <a:cxnSpLocks/>
+          </p:cNvCxnSpPr>
+          <p:nvPr/>
+        </p:nvCxnSpPr>
+        <p:spPr>
+          <a:xfrm>
+            <a:off x="6388608" y="1963148"/>
+            <a:ext cx="0" cy="1810984"/>
+          </a:xfrm>
+          <a:prstGeom prst="line">
+            <a:avLst/>
+          </a:prstGeom>
+          <a:ln w="12700">
+            <a:solidFill>
+              <a:schemeClr val="tx1"/>
+            </a:solidFill>
+            <a:prstDash val="dash"/>
+          </a:ln>
+        </p:spPr>
+        <p:style>
+          <a:lnRef idx="1">
+            <a:schemeClr val="accent1"/>
+          </a:lnRef>
+          <a:fillRef idx="0">
+            <a:schemeClr val="accent1"/>
+          </a:fillRef>
+          <a:effectRef idx="0">
+            <a:schemeClr val="accent1"/>
+          </a:effectRef>
+          <a:fontRef idx="minor">
+            <a:schemeClr val="tx1"/>
+          </a:fontRef>
+        </p:style>
+      </p:cxnSp>
+      <p:grpSp>
+        <p:nvGrpSpPr>
+          <p:cNvPr id="31" name="组合 30">
+            <a:extLst>
+              <a:ext uri="{FF2B5EF4-FFF2-40B4-BE49-F238E27FC236}">
+                <a16:creationId xmlns:a16="http://schemas.microsoft.com/office/drawing/2014/main" id="{261494EC-3C43-4A8F-8388-CFA3139C3E5F}"/>
+              </a:ext>
+            </a:extLst>
+          </p:cNvPr>
+          <p:cNvGrpSpPr/>
+          <p:nvPr/>
+        </p:nvGrpSpPr>
+        <p:grpSpPr>
+          <a:xfrm>
+            <a:off x="4889654" y="1072895"/>
+            <a:ext cx="1133194" cy="803209"/>
+            <a:chOff x="4948995" y="847343"/>
+            <a:chExt cx="1133194" cy="803209"/>
+          </a:xfrm>
+        </p:grpSpPr>
+        <p:sp>
+          <p:nvSpPr>
+            <p:cNvPr id="29" name="Rectangle 24">
+              <a:extLst>
+                <a:ext uri="{FF2B5EF4-FFF2-40B4-BE49-F238E27FC236}">
+                  <a16:creationId xmlns:a16="http://schemas.microsoft.com/office/drawing/2014/main" id="{A1D81C5B-19EE-48D4-8086-36C66698EEA9}"/>
+                </a:ext>
+              </a:extLst>
+            </p:cNvPr>
+            <p:cNvSpPr/>
+            <p:nvPr/>
+          </p:nvSpPr>
+          <p:spPr>
+            <a:xfrm>
+              <a:off x="5142448" y="847343"/>
+              <a:ext cx="939741" cy="620329"/>
+            </a:xfrm>
+            <a:prstGeom prst="rect">
+              <a:avLst/>
+            </a:prstGeom>
+            <a:ln w="12700">
+              <a:solidFill>
+                <a:schemeClr val="tx1">
+                  <a:lumMod val="75000"/>
+                  <a:lumOff val="25000"/>
+                </a:schemeClr>
+              </a:solidFill>
+              <a:prstDash val="dash"/>
+            </a:ln>
+          </p:spPr>
+          <p:style>
+            <a:lnRef idx="2">
+              <a:schemeClr val="dk1"/>
+            </a:lnRef>
+            <a:fillRef idx="1">
+              <a:schemeClr val="lt1"/>
+            </a:fillRef>
+            <a:effectRef idx="0">
+              <a:schemeClr val="dk1"/>
+            </a:effectRef>
+            <a:fontRef idx="minor">
+              <a:schemeClr val="dk1"/>
+            </a:fontRef>
+          </p:style>
+          <p:txBody>
+            <a:bodyPr rtlCol="0" anchor="ctr"/>
+            <a:lstStyle/>
+            <a:p>
+              <a:pPr algn="ctr"/>
+              <a:endParaRPr lang="en-CN" sz="1350"/>
+            </a:p>
+          </p:txBody>
+        </p:sp>
+        <p:sp>
+          <p:nvSpPr>
+            <p:cNvPr id="28" name="Rectangle 24">
+              <a:extLst>
+                <a:ext uri="{FF2B5EF4-FFF2-40B4-BE49-F238E27FC236}">
+                  <a16:creationId xmlns:a16="http://schemas.microsoft.com/office/drawing/2014/main" id="{6926E4F0-45A3-41AE-AE68-C8FC2884A10E}"/>
+                </a:ext>
+              </a:extLst>
+            </p:cNvPr>
+            <p:cNvSpPr/>
+            <p:nvPr/>
+          </p:nvSpPr>
+          <p:spPr>
+            <a:xfrm>
+              <a:off x="5046788" y="938783"/>
+              <a:ext cx="939741" cy="620329"/>
+            </a:xfrm>
+            <a:prstGeom prst="rect">
+              <a:avLst/>
+            </a:prstGeom>
+            <a:ln w="12700">
+              <a:solidFill>
+                <a:schemeClr val="tx1">
+                  <a:lumMod val="75000"/>
+                  <a:lumOff val="25000"/>
+                </a:schemeClr>
+              </a:solidFill>
+              <a:prstDash val="dash"/>
+            </a:ln>
+          </p:spPr>
+          <p:style>
+            <a:lnRef idx="2">
+              <a:schemeClr val="dk1"/>
+            </a:lnRef>
+            <a:fillRef idx="1">
+              <a:schemeClr val="lt1"/>
+            </a:fillRef>
+            <a:effectRef idx="0">
+              <a:schemeClr val="dk1"/>
+            </a:effectRef>
+            <a:fontRef idx="minor">
+              <a:schemeClr val="dk1"/>
+            </a:fontRef>
+          </p:style>
+          <p:txBody>
+            <a:bodyPr rtlCol="0" anchor="ctr"/>
+            <a:lstStyle/>
+            <a:p>
+              <a:pPr algn="ctr"/>
+              <a:endParaRPr lang="en-CN" sz="1350"/>
+            </a:p>
+          </p:txBody>
+        </p:sp>
+        <p:sp>
+          <p:nvSpPr>
+            <p:cNvPr id="27" name="Rectangle 24">
+              <a:extLst>
+                <a:ext uri="{FF2B5EF4-FFF2-40B4-BE49-F238E27FC236}">
+                  <a16:creationId xmlns:a16="http://schemas.microsoft.com/office/drawing/2014/main" id="{F866E11F-1947-46AA-A44B-8395818B93B6}"/>
+                </a:ext>
+              </a:extLst>
+            </p:cNvPr>
+            <p:cNvSpPr/>
+            <p:nvPr/>
+          </p:nvSpPr>
+          <p:spPr>
+            <a:xfrm>
+              <a:off x="4948995" y="1030223"/>
+              <a:ext cx="939741" cy="620329"/>
+            </a:xfrm>
+            <a:prstGeom prst="rect">
+              <a:avLst/>
+            </a:prstGeom>
+            <a:ln w="12700">
+              <a:solidFill>
+                <a:schemeClr val="tx1">
+                  <a:lumMod val="75000"/>
+                  <a:lumOff val="25000"/>
+                </a:schemeClr>
+              </a:solidFill>
+              <a:prstDash val="dash"/>
+            </a:ln>
+          </p:spPr>
+          <p:style>
+            <a:lnRef idx="2">
+              <a:schemeClr val="dk1"/>
+            </a:lnRef>
+            <a:fillRef idx="1">
+              <a:schemeClr val="lt1"/>
+            </a:fillRef>
+            <a:effectRef idx="0">
+              <a:schemeClr val="dk1"/>
+            </a:effectRef>
+            <a:fontRef idx="minor">
+              <a:schemeClr val="dk1"/>
+            </a:fontRef>
+          </p:style>
+          <p:txBody>
+            <a:bodyPr rtlCol="0" anchor="ctr"/>
+            <a:lstStyle/>
+            <a:p>
+              <a:pPr algn="ctr"/>
+              <a:endParaRPr lang="en-CN" sz="1350"/>
+            </a:p>
+          </p:txBody>
+        </p:sp>
+        <p:pic>
+          <p:nvPicPr>
+            <p:cNvPr id="26" name="Picture 6">
+              <a:extLst>
+                <a:ext uri="{FF2B5EF4-FFF2-40B4-BE49-F238E27FC236}">
+                  <a16:creationId xmlns:a16="http://schemas.microsoft.com/office/drawing/2014/main" id="{6139C9B0-5F84-4130-9D7C-7043BBE2F718}"/>
+                </a:ext>
+              </a:extLst>
+            </p:cNvPr>
+            <p:cNvPicPr>
+              <a:picLocks noChangeAspect="1"/>
+            </p:cNvPicPr>
+            <p:nvPr/>
+          </p:nvPicPr>
+          <p:blipFill>
+            <a:blip r:embed="rId3"/>
+            <a:stretch>
+              <a:fillRect/>
+            </a:stretch>
+          </p:blipFill>
+          <p:spPr>
+            <a:xfrm>
+              <a:off x="5265285" y="1186807"/>
+              <a:ext cx="307160" cy="307160"/>
+            </a:xfrm>
+            <a:prstGeom prst="rect">
+              <a:avLst/>
+            </a:prstGeom>
+          </p:spPr>
+        </p:pic>
+      </p:grpSp>
+      <p:sp>
+        <p:nvSpPr>
+          <p:cNvPr id="30" name="文本框 29">
+            <a:extLst>
+              <a:ext uri="{FF2B5EF4-FFF2-40B4-BE49-F238E27FC236}">
+                <a16:creationId xmlns:a16="http://schemas.microsoft.com/office/drawing/2014/main" id="{428F1EF4-7BCF-44D6-9873-A35F11825E29}"/>
+              </a:ext>
+            </a:extLst>
+          </p:cNvPr>
+          <p:cNvSpPr txBox="1"/>
+          <p:nvPr/>
+        </p:nvSpPr>
+        <p:spPr>
+          <a:xfrm>
+            <a:off x="4714227" y="732993"/>
+            <a:ext cx="1601229" cy="261610"/>
+          </a:xfrm>
+          <a:prstGeom prst="rect">
+            <a:avLst/>
+          </a:prstGeom>
+          <a:noFill/>
+        </p:spPr>
+        <p:txBody>
+          <a:bodyPr wrap="square" rtlCol="0">
+            <a:spAutoFit/>
+          </a:bodyPr>
+          <a:lstStyle/>
+          <a:p>
+            <a:r>
+              <a:rPr lang="en-US" altLang="zh-CN" sz="1100" dirty="0">
+                <a:latin typeface="Times New Roman" panose="02020603050405020304" pitchFamily="18" charset="0"/>
+                <a:cs typeface="Times New Roman" panose="02020603050405020304" pitchFamily="18" charset="0"/>
+              </a:rPr>
+              <a:t>Isolation resource pool</a:t>
+            </a:r>
+            <a:endParaRPr lang="zh-CN" altLang="en-US" sz="1100" dirty="0">
+              <a:latin typeface="Times New Roman" panose="02020603050405020304" pitchFamily="18" charset="0"/>
+              <a:cs typeface="Times New Roman" panose="02020603050405020304" pitchFamily="18" charset="0"/>
+            </a:endParaRPr>
+          </a:p>
+        </p:txBody>
+      </p:sp>
+      <p:sp>
+        <p:nvSpPr>
+          <p:cNvPr id="33" name="Rectangle 24">
+            <a:extLst>
+              <a:ext uri="{FF2B5EF4-FFF2-40B4-BE49-F238E27FC236}">
+                <a16:creationId xmlns:a16="http://schemas.microsoft.com/office/drawing/2014/main" id="{B6396703-5E2F-4E90-9729-AD1AB409F1D7}"/>
+              </a:ext>
+            </a:extLst>
+          </p:cNvPr>
+          <p:cNvSpPr/>
+          <p:nvPr/>
+        </p:nvSpPr>
+        <p:spPr>
+          <a:xfrm>
+            <a:off x="6927153" y="2537870"/>
+            <a:ext cx="939741" cy="620329"/>
+          </a:xfrm>
+          <a:prstGeom prst="rect">
+            <a:avLst/>
+          </a:prstGeom>
+          <a:solidFill>
+            <a:schemeClr val="bg2"/>
+          </a:solidFill>
+          <a:ln w="12700">
+            <a:solidFill>
+              <a:schemeClr val="tx1">
+                <a:lumMod val="75000"/>
+                <a:lumOff val="25000"/>
+              </a:schemeClr>
+            </a:solidFill>
+            <a:prstDash val="dash"/>
+          </a:ln>
+        </p:spPr>
+        <p:style>
+          <a:lnRef idx="2">
+            <a:schemeClr val="dk1"/>
+          </a:lnRef>
+          <a:fillRef idx="1">
+            <a:schemeClr val="lt1"/>
+          </a:fillRef>
+          <a:effectRef idx="0">
+            <a:schemeClr val="dk1"/>
+          </a:effectRef>
+          <a:fontRef idx="minor">
+            <a:schemeClr val="dk1"/>
+          </a:fontRef>
+        </p:style>
+        <p:txBody>
+          <a:bodyPr rtlCol="0" anchor="ctr"/>
+          <a:lstStyle/>
+          <a:p>
+            <a:pPr algn="ctr"/>
+            <a:endParaRPr lang="en-CN" sz="1350"/>
+          </a:p>
+        </p:txBody>
+      </p:sp>
+      <p:pic>
+        <p:nvPicPr>
+          <p:cNvPr id="34" name="Picture 4" descr="“serverless icon”的图片搜索结果">
+            <a:extLst>
+              <a:ext uri="{FF2B5EF4-FFF2-40B4-BE49-F238E27FC236}">
+                <a16:creationId xmlns:a16="http://schemas.microsoft.com/office/drawing/2014/main" id="{BE9C8963-A6A8-4048-A5BE-0F9E0FA5E444}"/>
+              </a:ext>
+            </a:extLst>
+          </p:cNvPr>
+          <p:cNvPicPr>
+            <a:picLocks noChangeAspect="1" noChangeArrowheads="1"/>
+          </p:cNvPicPr>
+          <p:nvPr/>
+        </p:nvPicPr>
+        <p:blipFill>
+          <a:blip r:embed="rId2">
+            <a:extLst>
+              <a:ext uri="{28A0092B-C50C-407E-A947-70E740481C1C}">
+                <a14:useLocalDpi xmlns:a14="http://schemas.microsoft.com/office/drawing/2010/main" val="0"/>
+              </a:ext>
+            </a:extLst>
+          </a:blip>
+          <a:srcRect/>
+          <a:stretch>
+            <a:fillRect/>
+          </a:stretch>
+        </p:blipFill>
+        <p:spPr bwMode="auto">
+          <a:xfrm>
+            <a:off x="7129271" y="2574443"/>
+            <a:ext cx="553794" cy="553794"/>
+          </a:xfrm>
+          <a:prstGeom prst="rect">
+            <a:avLst/>
+          </a:prstGeom>
+          <a:noFill/>
+          <a:extLst>
+            <a:ext uri="{909E8E84-426E-40DD-AFC4-6F175D3DCCD1}">
+              <a14:hiddenFill xmlns:a14="http://schemas.microsoft.com/office/drawing/2010/main">
+                <a:solidFill>
+                  <a:srgbClr val="FFFFFF"/>
+                </a:solidFill>
+              </a14:hiddenFill>
+            </a:ext>
+          </a:extLst>
+        </p:spPr>
+      </p:pic>
+      <p:cxnSp>
+        <p:nvCxnSpPr>
+          <p:cNvPr id="38" name="直接箭头连接符 37">
+            <a:extLst>
+              <a:ext uri="{FF2B5EF4-FFF2-40B4-BE49-F238E27FC236}">
+                <a16:creationId xmlns:a16="http://schemas.microsoft.com/office/drawing/2014/main" id="{FF0A9D13-7787-4911-AD8D-8C5E53A8FB6A}"/>
+              </a:ext>
+            </a:extLst>
+          </p:cNvPr>
+          <p:cNvCxnSpPr>
+            <a:cxnSpLocks/>
+            <a:stCxn id="9" idx="3"/>
+            <a:endCxn id="11" idx="1"/>
+          </p:cNvCxnSpPr>
+          <p:nvPr/>
+        </p:nvCxnSpPr>
+        <p:spPr>
+          <a:xfrm>
+            <a:off x="3717513" y="2850870"/>
+            <a:ext cx="1375695" cy="470"/>
+          </a:xfrm>
+          <a:prstGeom prst="straightConnector1">
+            <a:avLst/>
+          </a:prstGeom>
+          <a:ln w="9525">
+            <a:solidFill>
+              <a:schemeClr val="tx1"/>
+            </a:solidFill>
+            <a:tailEnd type="triangle"/>
+          </a:ln>
+        </p:spPr>
+        <p:style>
+          <a:lnRef idx="1">
+            <a:schemeClr val="accent1"/>
+          </a:lnRef>
+          <a:fillRef idx="0">
+            <a:schemeClr val="accent1"/>
+          </a:fillRef>
+          <a:effectRef idx="0">
+            <a:schemeClr val="accent1"/>
+          </a:effectRef>
+          <a:fontRef idx="minor">
+            <a:schemeClr val="tx1"/>
+          </a:fontRef>
+        </p:style>
+      </p:cxnSp>
+      <p:sp>
+        <p:nvSpPr>
+          <p:cNvPr id="44" name="文本框 43">
+            <a:extLst>
+              <a:ext uri="{FF2B5EF4-FFF2-40B4-BE49-F238E27FC236}">
+                <a16:creationId xmlns:a16="http://schemas.microsoft.com/office/drawing/2014/main" id="{AEA03D75-8E10-4E9A-A0A9-FECE9198312C}"/>
+              </a:ext>
+            </a:extLst>
+          </p:cNvPr>
+          <p:cNvSpPr txBox="1"/>
+          <p:nvPr/>
+        </p:nvSpPr>
+        <p:spPr>
+          <a:xfrm>
+            <a:off x="3823773" y="2607030"/>
+            <a:ext cx="594249" cy="261610"/>
+          </a:xfrm>
+          <a:prstGeom prst="rect">
+            <a:avLst/>
+          </a:prstGeom>
+          <a:noFill/>
+        </p:spPr>
+        <p:txBody>
+          <a:bodyPr wrap="square" rtlCol="0">
+            <a:spAutoFit/>
+          </a:bodyPr>
+          <a:lstStyle/>
+          <a:p>
+            <a:r>
+              <a:rPr lang="en-US" altLang="zh-CN" sz="1100" dirty="0">
+                <a:latin typeface="Times New Roman" panose="02020603050405020304" pitchFamily="18" charset="0"/>
+                <a:cs typeface="Times New Roman" panose="02020603050405020304" pitchFamily="18" charset="0"/>
+              </a:rPr>
+              <a:t>Create</a:t>
+            </a:r>
+            <a:endParaRPr lang="zh-CN" altLang="en-US" sz="1100" dirty="0">
+              <a:latin typeface="Times New Roman" panose="02020603050405020304" pitchFamily="18" charset="0"/>
+              <a:cs typeface="Times New Roman" panose="02020603050405020304" pitchFamily="18" charset="0"/>
+            </a:endParaRPr>
+          </a:p>
+        </p:txBody>
+      </p:sp>
+      <p:cxnSp>
+        <p:nvCxnSpPr>
+          <p:cNvPr id="45" name="直接箭头连接符 44">
+            <a:extLst>
+              <a:ext uri="{FF2B5EF4-FFF2-40B4-BE49-F238E27FC236}">
+                <a16:creationId xmlns:a16="http://schemas.microsoft.com/office/drawing/2014/main" id="{75264A8B-644C-4D31-AE6A-6C77B9C1D922}"/>
+              </a:ext>
+            </a:extLst>
+          </p:cNvPr>
+          <p:cNvCxnSpPr>
+            <a:cxnSpLocks/>
+            <a:stCxn id="27" idx="2"/>
+            <a:endCxn id="32" idx="0"/>
+          </p:cNvCxnSpPr>
+          <p:nvPr/>
+        </p:nvCxnSpPr>
+        <p:spPr>
+          <a:xfrm>
+            <a:off x="5359525" y="1876104"/>
+            <a:ext cx="1436" cy="661766"/>
+          </a:xfrm>
+          <a:prstGeom prst="straightConnector1">
+            <a:avLst/>
+          </a:prstGeom>
+          <a:ln w="9525">
+            <a:solidFill>
+              <a:schemeClr val="tx1"/>
+            </a:solidFill>
+            <a:tailEnd type="triangle"/>
+          </a:ln>
+        </p:spPr>
+        <p:style>
+          <a:lnRef idx="1">
+            <a:schemeClr val="accent1"/>
+          </a:lnRef>
+          <a:fillRef idx="0">
+            <a:schemeClr val="accent1"/>
+          </a:fillRef>
+          <a:effectRef idx="0">
+            <a:schemeClr val="accent1"/>
+          </a:effectRef>
+          <a:fontRef idx="minor">
+            <a:schemeClr val="tx1"/>
+          </a:fontRef>
+        </p:style>
+      </p:cxnSp>
+      <p:sp>
+        <p:nvSpPr>
+          <p:cNvPr id="48" name="文本框 47">
+            <a:extLst>
+              <a:ext uri="{FF2B5EF4-FFF2-40B4-BE49-F238E27FC236}">
+                <a16:creationId xmlns:a16="http://schemas.microsoft.com/office/drawing/2014/main" id="{C9B40C7F-03F2-4128-B59F-EEC7F10D21CD}"/>
+              </a:ext>
+            </a:extLst>
+          </p:cNvPr>
+          <p:cNvSpPr txBox="1"/>
+          <p:nvPr/>
+        </p:nvSpPr>
+        <p:spPr>
+          <a:xfrm>
+            <a:off x="5380192" y="1973282"/>
+            <a:ext cx="715808" cy="430887"/>
+          </a:xfrm>
+          <a:prstGeom prst="rect">
+            <a:avLst/>
+          </a:prstGeom>
+          <a:noFill/>
+        </p:spPr>
+        <p:txBody>
+          <a:bodyPr wrap="square" rtlCol="0">
+            <a:spAutoFit/>
+          </a:bodyPr>
+          <a:lstStyle/>
+          <a:p>
+            <a:r>
+              <a:rPr lang="en-US" altLang="zh-CN" sz="1100" dirty="0">
+                <a:latin typeface="Times New Roman" panose="02020603050405020304" pitchFamily="18" charset="0"/>
+                <a:cs typeface="Times New Roman" panose="02020603050405020304" pitchFamily="18" charset="0"/>
+              </a:rPr>
+              <a:t>Dynamic</a:t>
+            </a:r>
+          </a:p>
+          <a:p>
+            <a:r>
+              <a:rPr lang="en-US" altLang="zh-CN" sz="1100" dirty="0">
+                <a:latin typeface="Times New Roman" panose="02020603050405020304" pitchFamily="18" charset="0"/>
+                <a:cs typeface="Times New Roman" panose="02020603050405020304" pitchFamily="18" charset="0"/>
+              </a:rPr>
+              <a:t>binding</a:t>
+            </a:r>
+            <a:endParaRPr lang="zh-CN" altLang="en-US" sz="1100" dirty="0">
+              <a:latin typeface="Times New Roman" panose="02020603050405020304" pitchFamily="18" charset="0"/>
+              <a:cs typeface="Times New Roman" panose="02020603050405020304" pitchFamily="18" charset="0"/>
+            </a:endParaRPr>
+          </a:p>
+        </p:txBody>
+      </p:sp>
+      <p:cxnSp>
+        <p:nvCxnSpPr>
+          <p:cNvPr id="50" name="连接符: 肘形 49">
+            <a:extLst>
+              <a:ext uri="{FF2B5EF4-FFF2-40B4-BE49-F238E27FC236}">
+                <a16:creationId xmlns:a16="http://schemas.microsoft.com/office/drawing/2014/main" id="{21AC122E-6A87-4954-BA16-D22E886E70C6}"/>
+              </a:ext>
+            </a:extLst>
+          </p:cNvPr>
+          <p:cNvCxnSpPr>
+            <a:stCxn id="9" idx="0"/>
+            <a:endCxn id="27" idx="1"/>
+          </p:cNvCxnSpPr>
+          <p:nvPr/>
+        </p:nvCxnSpPr>
+        <p:spPr>
+          <a:xfrm rot="5400000" flipH="1" flipV="1">
+            <a:off x="3571202" y="1242860"/>
+            <a:ext cx="995371" cy="1641533"/>
+          </a:xfrm>
+          <a:prstGeom prst="bentConnector2">
+            <a:avLst/>
+          </a:prstGeom>
+          <a:ln w="9525">
+            <a:tailEnd type="triangle"/>
+          </a:ln>
+        </p:spPr>
+        <p:style>
+          <a:lnRef idx="1">
+            <a:schemeClr val="dk1"/>
+          </a:lnRef>
+          <a:fillRef idx="0">
+            <a:schemeClr val="dk1"/>
+          </a:fillRef>
+          <a:effectRef idx="0">
+            <a:schemeClr val="dk1"/>
+          </a:effectRef>
+          <a:fontRef idx="minor">
+            <a:schemeClr val="tx1"/>
+          </a:fontRef>
+        </p:style>
+      </p:cxnSp>
+      <p:sp>
+        <p:nvSpPr>
+          <p:cNvPr id="51" name="文本框 50">
+            <a:extLst>
+              <a:ext uri="{FF2B5EF4-FFF2-40B4-BE49-F238E27FC236}">
+                <a16:creationId xmlns:a16="http://schemas.microsoft.com/office/drawing/2014/main" id="{DB006C43-DCFF-4316-AF91-1E8717E3402B}"/>
+              </a:ext>
+            </a:extLst>
+          </p:cNvPr>
+          <p:cNvSpPr txBox="1"/>
+          <p:nvPr/>
+        </p:nvSpPr>
+        <p:spPr>
+          <a:xfrm>
+            <a:off x="3233325" y="1313216"/>
+            <a:ext cx="1071622" cy="261610"/>
+          </a:xfrm>
+          <a:prstGeom prst="rect">
+            <a:avLst/>
+          </a:prstGeom>
+          <a:noFill/>
+        </p:spPr>
+        <p:txBody>
+          <a:bodyPr wrap="square" rtlCol="0">
+            <a:spAutoFit/>
+          </a:bodyPr>
+          <a:lstStyle/>
+          <a:p>
+            <a:r>
+              <a:rPr lang="en-US" altLang="zh-CN" sz="1100" dirty="0">
+                <a:latin typeface="Times New Roman" panose="02020603050405020304" pitchFamily="18" charset="0"/>
+                <a:cs typeface="Times New Roman" panose="02020603050405020304" pitchFamily="18" charset="0"/>
+              </a:rPr>
+              <a:t>Pre-initialize</a:t>
+            </a:r>
+            <a:endParaRPr lang="zh-CN" altLang="en-US" sz="1100" dirty="0">
+              <a:latin typeface="Times New Roman" panose="02020603050405020304" pitchFamily="18" charset="0"/>
+              <a:cs typeface="Times New Roman" panose="02020603050405020304" pitchFamily="18" charset="0"/>
+            </a:endParaRPr>
+          </a:p>
+        </p:txBody>
+      </p:sp>
+      <p:cxnSp>
+        <p:nvCxnSpPr>
+          <p:cNvPr id="52" name="直接箭头连接符 51">
+            <a:extLst>
+              <a:ext uri="{FF2B5EF4-FFF2-40B4-BE49-F238E27FC236}">
+                <a16:creationId xmlns:a16="http://schemas.microsoft.com/office/drawing/2014/main" id="{CBD83B6F-C346-431D-AE97-F8429B3AF750}"/>
+              </a:ext>
+            </a:extLst>
+          </p:cNvPr>
+          <p:cNvCxnSpPr>
+            <a:cxnSpLocks/>
+            <a:stCxn id="32" idx="3"/>
+            <a:endCxn id="33" idx="1"/>
+          </p:cNvCxnSpPr>
+          <p:nvPr/>
+        </p:nvCxnSpPr>
+        <p:spPr>
+          <a:xfrm>
+            <a:off x="5830831" y="2848035"/>
+            <a:ext cx="1096322" cy="0"/>
+          </a:xfrm>
+          <a:prstGeom prst="straightConnector1">
+            <a:avLst/>
+          </a:prstGeom>
+          <a:ln w="9525">
+            <a:solidFill>
+              <a:schemeClr val="tx1"/>
+            </a:solidFill>
+            <a:tailEnd type="triangle"/>
+          </a:ln>
+        </p:spPr>
+        <p:style>
+          <a:lnRef idx="1">
+            <a:schemeClr val="accent1"/>
+          </a:lnRef>
+          <a:fillRef idx="0">
+            <a:schemeClr val="accent1"/>
+          </a:fillRef>
+          <a:effectRef idx="0">
+            <a:schemeClr val="accent1"/>
+          </a:effectRef>
+          <a:fontRef idx="minor">
+            <a:schemeClr val="tx1"/>
+          </a:fontRef>
+        </p:style>
+      </p:cxnSp>
+      <p:cxnSp>
+        <p:nvCxnSpPr>
+          <p:cNvPr id="55" name="连接符: 肘形 54">
+            <a:extLst>
+              <a:ext uri="{FF2B5EF4-FFF2-40B4-BE49-F238E27FC236}">
+                <a16:creationId xmlns:a16="http://schemas.microsoft.com/office/drawing/2014/main" id="{3E48770E-7B1B-464D-BC93-C5247AEE4B30}"/>
+              </a:ext>
+            </a:extLst>
+          </p:cNvPr>
+          <p:cNvCxnSpPr>
+            <a:cxnSpLocks/>
+            <a:stCxn id="9" idx="2"/>
+            <a:endCxn id="32" idx="2"/>
+          </p:cNvCxnSpPr>
+          <p:nvPr/>
+        </p:nvCxnSpPr>
+        <p:spPr>
+          <a:xfrm rot="16200000" flipH="1">
+            <a:off x="4295656" y="2092894"/>
+            <a:ext cx="17770" cy="2112840"/>
+          </a:xfrm>
+          <a:prstGeom prst="bentConnector3">
+            <a:avLst>
+              <a:gd name="adj1" fmla="val 4782634"/>
+            </a:avLst>
+          </a:prstGeom>
+          <a:ln w="9525">
+            <a:tailEnd type="triangle"/>
+          </a:ln>
+        </p:spPr>
+        <p:style>
+          <a:lnRef idx="1">
+            <a:schemeClr val="dk1"/>
+          </a:lnRef>
+          <a:fillRef idx="0">
+            <a:schemeClr val="dk1"/>
+          </a:fillRef>
+          <a:effectRef idx="0">
+            <a:schemeClr val="dk1"/>
+          </a:effectRef>
+          <a:fontRef idx="minor">
+            <a:schemeClr val="tx1"/>
+          </a:fontRef>
+        </p:style>
+      </p:cxnSp>
+      <p:sp>
+        <p:nvSpPr>
+          <p:cNvPr id="60" name="文本框 59">
+            <a:extLst>
+              <a:ext uri="{FF2B5EF4-FFF2-40B4-BE49-F238E27FC236}">
+                <a16:creationId xmlns:a16="http://schemas.microsoft.com/office/drawing/2014/main" id="{06E15400-4017-4478-93CB-6D286837CE94}"/>
+              </a:ext>
+            </a:extLst>
+          </p:cNvPr>
+          <p:cNvSpPr txBox="1"/>
+          <p:nvPr/>
+        </p:nvSpPr>
+        <p:spPr>
+          <a:xfrm>
+            <a:off x="3717513" y="3968813"/>
+            <a:ext cx="1295395" cy="261610"/>
+          </a:xfrm>
+          <a:prstGeom prst="rect">
+            <a:avLst/>
+          </a:prstGeom>
+          <a:noFill/>
+        </p:spPr>
+        <p:txBody>
+          <a:bodyPr wrap="square" rtlCol="0">
+            <a:spAutoFit/>
+          </a:bodyPr>
+          <a:lstStyle/>
+          <a:p>
+            <a:r>
+              <a:rPr lang="en-US" altLang="zh-CN" sz="1100" dirty="0">
+                <a:latin typeface="Times New Roman" panose="02020603050405020304" pitchFamily="18" charset="0"/>
+                <a:cs typeface="Times New Roman" panose="02020603050405020304" pitchFamily="18" charset="0"/>
+              </a:rPr>
+              <a:t>Memory mapping</a:t>
+            </a:r>
+            <a:endParaRPr lang="zh-CN" altLang="en-US" sz="1100" dirty="0">
+              <a:latin typeface="Times New Roman" panose="02020603050405020304" pitchFamily="18" charset="0"/>
+              <a:cs typeface="Times New Roman" panose="02020603050405020304" pitchFamily="18" charset="0"/>
+            </a:endParaRPr>
+          </a:p>
+        </p:txBody>
+      </p:sp>
+      <p:sp>
+        <p:nvSpPr>
+          <p:cNvPr id="64" name="文本框 63">
+            <a:extLst>
+              <a:ext uri="{FF2B5EF4-FFF2-40B4-BE49-F238E27FC236}">
+                <a16:creationId xmlns:a16="http://schemas.microsoft.com/office/drawing/2014/main" id="{1D669649-FA96-48DB-9933-A5B74D62BACC}"/>
+              </a:ext>
+            </a:extLst>
+          </p:cNvPr>
+          <p:cNvSpPr txBox="1"/>
+          <p:nvPr/>
+        </p:nvSpPr>
+        <p:spPr>
+          <a:xfrm>
+            <a:off x="6846286" y="3190359"/>
+            <a:ext cx="1243103" cy="430887"/>
+          </a:xfrm>
+          <a:prstGeom prst="rect">
+            <a:avLst/>
+          </a:prstGeom>
+          <a:noFill/>
+        </p:spPr>
+        <p:txBody>
+          <a:bodyPr wrap="square" rtlCol="0">
+            <a:spAutoFit/>
+          </a:bodyPr>
+          <a:lstStyle/>
+          <a:p>
+            <a:r>
+              <a:rPr lang="en-US" altLang="zh-CN" sz="1100" dirty="0">
+                <a:latin typeface="Times New Roman" panose="02020603050405020304" pitchFamily="18" charset="0"/>
+                <a:cs typeface="Times New Roman" panose="02020603050405020304" pitchFamily="18" charset="0"/>
+              </a:rPr>
+              <a:t>Runnable </a:t>
+            </a:r>
+          </a:p>
+          <a:p>
+            <a:r>
+              <a:rPr lang="en-US" altLang="zh-CN" sz="1100" dirty="0">
+                <a:latin typeface="Times New Roman" panose="02020603050405020304" pitchFamily="18" charset="0"/>
+                <a:cs typeface="Times New Roman" panose="02020603050405020304" pitchFamily="18" charset="0"/>
+              </a:rPr>
+              <a:t>serverless function</a:t>
+            </a:r>
+            <a:endParaRPr lang="zh-CN" altLang="en-US" sz="1100" dirty="0">
+              <a:latin typeface="Times New Roman" panose="02020603050405020304" pitchFamily="18" charset="0"/>
+              <a:cs typeface="Times New Roman" panose="02020603050405020304" pitchFamily="18" charset="0"/>
+            </a:endParaRPr>
+          </a:p>
+        </p:txBody>
+      </p:sp>
+    </p:spTree>
+    <p:extLst>
+      <p:ext uri="{BB962C8B-B14F-4D97-AF65-F5344CB8AC3E}">
+        <p14:creationId xmlns:p14="http://schemas.microsoft.com/office/powerpoint/2010/main" val="3054965900"/>
+      </p:ext>
+    </p:extLst>
+  </p:cSld>
+  <p:clrMapOvr>
+    <a:masterClrMapping/>
+  </p:clrMapOvr>
+</p:sld>
+</file>
+
+<file path=ppt/slides/slide5.xml><?xml version="1.0" encoding="utf-8"?>
+<p:sld xmlns:a="http://schemas.openxmlformats.org/drawingml/2006/main" xmlns:r="http://schemas.openxmlformats.org/officeDocument/2006/relationships" xmlns:p="http://schemas.openxmlformats.org/presentationml/2006/main">
+  <p:cSld>
+    <p:spTree>
+      <p:nvGrpSpPr>
+        <p:cNvPr id="1" name=""/>
+        <p:cNvGrpSpPr/>
+        <p:nvPr/>
+      </p:nvGrpSpPr>
+      <p:grpSpPr>
+        <a:xfrm>
+          <a:off x="0" y="0"/>
+          <a:ext cx="0" cy="0"/>
+          <a:chOff x="0" y="0"/>
+          <a:chExt cx="0" cy="0"/>
+        </a:xfrm>
+      </p:grpSpPr>
+      <p:cxnSp>
+        <p:nvCxnSpPr>
+          <p:cNvPr id="4" name="Straight Connector 3">
+            <a:extLst>
+              <a:ext uri="{FF2B5EF4-FFF2-40B4-BE49-F238E27FC236}">
+                <a16:creationId xmlns:a16="http://schemas.microsoft.com/office/drawing/2014/main" id="{1D588FA6-896B-4CEE-8B59-34F7C23299D9}"/>
+              </a:ext>
+            </a:extLst>
+          </p:cNvPr>
+          <p:cNvCxnSpPr>
+            <a:cxnSpLocks/>
+          </p:cNvCxnSpPr>
+          <p:nvPr/>
+        </p:nvCxnSpPr>
+        <p:spPr>
+          <a:xfrm>
+            <a:off x="3243265" y="2379902"/>
+            <a:ext cx="2385128" cy="0"/>
+          </a:xfrm>
+          <a:prstGeom prst="line">
+            <a:avLst/>
+          </a:prstGeom>
+          <a:ln>
+            <a:solidFill>
+              <a:schemeClr val="tx1">
+                <a:lumMod val="75000"/>
+                <a:lumOff val="25000"/>
+              </a:schemeClr>
+            </a:solidFill>
+          </a:ln>
+        </p:spPr>
+        <p:style>
+          <a:lnRef idx="1">
+            <a:schemeClr val="accent6"/>
+          </a:lnRef>
+          <a:fillRef idx="0">
+            <a:schemeClr val="accent6"/>
+          </a:fillRef>
+          <a:effectRef idx="0">
+            <a:schemeClr val="accent6"/>
+          </a:effectRef>
+          <a:fontRef idx="minor">
+            <a:schemeClr val="tx1"/>
+          </a:fontRef>
+        </p:style>
+      </p:cxnSp>
+      <p:sp>
+        <p:nvSpPr>
+          <p:cNvPr id="5" name="Rectangle 27">
+            <a:extLst>
+              <a:ext uri="{FF2B5EF4-FFF2-40B4-BE49-F238E27FC236}">
+                <a16:creationId xmlns:a16="http://schemas.microsoft.com/office/drawing/2014/main" id="{F8B5A971-2D8B-4E28-AE81-BEBE44ED3577}"/>
+              </a:ext>
+            </a:extLst>
+          </p:cNvPr>
+          <p:cNvSpPr/>
+          <p:nvPr/>
+        </p:nvSpPr>
+        <p:spPr>
+          <a:xfrm>
+            <a:off x="3974580" y="1522144"/>
+            <a:ext cx="940700" cy="697938"/>
+          </a:xfrm>
+          <a:prstGeom prst="rect">
+            <a:avLst/>
+          </a:prstGeom>
+          <a:ln w="12700">
+            <a:solidFill>
+              <a:schemeClr val="tx1">
+                <a:lumMod val="75000"/>
+                <a:lumOff val="25000"/>
+              </a:schemeClr>
+            </a:solidFill>
+            <a:prstDash val="dash"/>
+          </a:ln>
+        </p:spPr>
+        <p:style>
+          <a:lnRef idx="2">
+            <a:schemeClr val="dk1"/>
+          </a:lnRef>
+          <a:fillRef idx="1">
+            <a:schemeClr val="lt1"/>
+          </a:fillRef>
+          <a:effectRef idx="0">
+            <a:schemeClr val="dk1"/>
+          </a:effectRef>
+          <a:fontRef idx="minor">
+            <a:schemeClr val="dk1"/>
+          </a:fontRef>
+        </p:style>
+        <p:txBody>
+          <a:bodyPr rtlCol="0" anchor="ctr"/>
+          <a:lstStyle/>
+          <a:p>
+            <a:pPr algn="ctr"/>
+            <a:endParaRPr lang="en-CN" sz="1350">
+              <a:latin typeface="Times New Roman" panose="02020603050405020304" pitchFamily="18" charset="0"/>
+              <a:ea typeface="SimSun" panose="02010600030101010101" pitchFamily="2" charset="-122"/>
+              <a:cs typeface="Times New Roman" panose="02020603050405020304" pitchFamily="18" charset="0"/>
+            </a:endParaRPr>
+          </a:p>
+        </p:txBody>
+      </p:sp>
+      <p:sp>
+        <p:nvSpPr>
+          <p:cNvPr id="6" name="TextBox 28">
+            <a:extLst>
+              <a:ext uri="{FF2B5EF4-FFF2-40B4-BE49-F238E27FC236}">
+                <a16:creationId xmlns:a16="http://schemas.microsoft.com/office/drawing/2014/main" id="{B872B5E9-447C-46E8-A9E8-673924A2BA51}"/>
+              </a:ext>
+            </a:extLst>
+          </p:cNvPr>
+          <p:cNvSpPr txBox="1"/>
+          <p:nvPr/>
+        </p:nvSpPr>
+        <p:spPr>
+          <a:xfrm>
+            <a:off x="3959410" y="1513814"/>
+            <a:ext cx="940700" cy="200055"/>
+          </a:xfrm>
+          <a:prstGeom prst="rect">
+            <a:avLst/>
+          </a:prstGeom>
+          <a:noFill/>
+        </p:spPr>
+        <p:txBody>
+          <a:bodyPr wrap="square" rtlCol="0">
+            <a:spAutoFit/>
+          </a:bodyPr>
+          <a:lstStyle/>
+          <a:p>
+            <a:r>
+              <a:rPr lang="en-US" sz="700" dirty="0">
+                <a:latin typeface="Times New Roman" panose="02020603050405020304" pitchFamily="18" charset="0"/>
+                <a:ea typeface="SimSun" panose="02010600030101010101" pitchFamily="2" charset="-122"/>
+                <a:cs typeface="Times New Roman" panose="02020603050405020304" pitchFamily="18" charset="0"/>
+              </a:rPr>
+              <a:t>Serverless function</a:t>
+            </a:r>
+            <a:endParaRPr lang="en-CN" sz="700" dirty="0">
+              <a:latin typeface="Times New Roman" panose="02020603050405020304" pitchFamily="18" charset="0"/>
+              <a:ea typeface="SimSun" panose="02010600030101010101" pitchFamily="2" charset="-122"/>
+              <a:cs typeface="Times New Roman" panose="02020603050405020304" pitchFamily="18" charset="0"/>
+            </a:endParaRPr>
+          </a:p>
+        </p:txBody>
+      </p:sp>
+      <p:pic>
+        <p:nvPicPr>
+          <p:cNvPr id="7" name="Picture 4" descr="“serverless icon”的图片搜索结果">
+            <a:extLst>
+              <a:ext uri="{FF2B5EF4-FFF2-40B4-BE49-F238E27FC236}">
+                <a16:creationId xmlns:a16="http://schemas.microsoft.com/office/drawing/2014/main" id="{B687258E-BC6F-4900-BC04-A331B23337E1}"/>
+              </a:ext>
+            </a:extLst>
+          </p:cNvPr>
+          <p:cNvPicPr>
+            <a:picLocks noChangeAspect="1" noChangeArrowheads="1"/>
+          </p:cNvPicPr>
+          <p:nvPr/>
+        </p:nvPicPr>
+        <p:blipFill>
+          <a:blip r:embed="rId2">
+            <a:extLst>
+              <a:ext uri="{28A0092B-C50C-407E-A947-70E740481C1C}">
+                <a14:useLocalDpi xmlns:a14="http://schemas.microsoft.com/office/drawing/2010/main" val="0"/>
+              </a:ext>
+            </a:extLst>
+          </a:blip>
+          <a:srcRect/>
+          <a:stretch>
+            <a:fillRect/>
+          </a:stretch>
+        </p:blipFill>
+        <p:spPr bwMode="auto">
+          <a:xfrm>
+            <a:off x="4260500" y="1710209"/>
+            <a:ext cx="404770" cy="404770"/>
+          </a:xfrm>
+          <a:prstGeom prst="rect">
+            <a:avLst/>
+          </a:prstGeom>
+          <a:noFill/>
+          <a:extLst>
+            <a:ext uri="{909E8E84-426E-40DD-AFC4-6F175D3DCCD1}">
+              <a14:hiddenFill xmlns:a14="http://schemas.microsoft.com/office/drawing/2010/main">
+                <a:solidFill>
+                  <a:srgbClr val="FFFFFF"/>
+                </a:solidFill>
+              </a14:hiddenFill>
+            </a:ext>
+          </a:extLst>
+        </p:spPr>
+      </p:pic>
+      <p:sp>
+        <p:nvSpPr>
+          <p:cNvPr id="8" name="Rectangle 5">
+            <a:extLst>
+              <a:ext uri="{FF2B5EF4-FFF2-40B4-BE49-F238E27FC236}">
+                <a16:creationId xmlns:a16="http://schemas.microsoft.com/office/drawing/2014/main" id="{BBD2E43A-58FB-444C-8377-1C824F5DA9C5}"/>
+              </a:ext>
+            </a:extLst>
+          </p:cNvPr>
+          <p:cNvSpPr/>
+          <p:nvPr/>
+        </p:nvSpPr>
+        <p:spPr>
+          <a:xfrm>
+            <a:off x="3255403" y="2529661"/>
+            <a:ext cx="2372990" cy="327728"/>
+          </a:xfrm>
+          <a:prstGeom prst="rect">
+            <a:avLst/>
+          </a:prstGeom>
+          <a:ln w="9525"/>
+        </p:spPr>
+        <p:style>
+          <a:lnRef idx="2">
+            <a:schemeClr val="dk1"/>
+          </a:lnRef>
+          <a:fillRef idx="1">
+            <a:schemeClr val="lt1"/>
+          </a:fillRef>
+          <a:effectRef idx="0">
+            <a:schemeClr val="dk1"/>
+          </a:effectRef>
+          <a:fontRef idx="minor">
+            <a:schemeClr val="dk1"/>
+          </a:fontRef>
+        </p:style>
+        <p:txBody>
+          <a:bodyPr rtlCol="0" anchor="ctr"/>
+          <a:lstStyle/>
+          <a:p>
+            <a:pPr algn="ctr"/>
+            <a:r>
+              <a:rPr lang="en-US" sz="900" dirty="0">
+                <a:latin typeface="Times New Roman" panose="02020603050405020304" pitchFamily="18" charset="0"/>
+                <a:ea typeface="SimSun" panose="02010600030101010101" pitchFamily="2" charset="-122"/>
+                <a:cs typeface="Times New Roman" panose="02020603050405020304" pitchFamily="18" charset="0"/>
+              </a:rPr>
+              <a:t>Filesystem Proxy</a:t>
+            </a:r>
+            <a:endParaRPr lang="en-CN" sz="900" dirty="0">
+              <a:latin typeface="Times New Roman" panose="02020603050405020304" pitchFamily="18" charset="0"/>
+              <a:ea typeface="SimSun" panose="02010600030101010101" pitchFamily="2" charset="-122"/>
+              <a:cs typeface="Times New Roman" panose="02020603050405020304" pitchFamily="18" charset="0"/>
+            </a:endParaRPr>
+          </a:p>
+        </p:txBody>
+      </p:sp>
+      <p:sp>
+        <p:nvSpPr>
+          <p:cNvPr id="9" name="Rectangle 32">
+            <a:extLst>
+              <a:ext uri="{FF2B5EF4-FFF2-40B4-BE49-F238E27FC236}">
+                <a16:creationId xmlns:a16="http://schemas.microsoft.com/office/drawing/2014/main" id="{90B3497D-39F3-4995-8E12-291E01556F31}"/>
+              </a:ext>
+            </a:extLst>
+          </p:cNvPr>
+          <p:cNvSpPr/>
+          <p:nvPr/>
+        </p:nvSpPr>
+        <p:spPr>
+          <a:xfrm>
+            <a:off x="3243266" y="3146591"/>
+            <a:ext cx="1119736" cy="580634"/>
+          </a:xfrm>
+          <a:prstGeom prst="rect">
+            <a:avLst/>
+          </a:prstGeom>
+          <a:ln w="9525"/>
+        </p:spPr>
+        <p:style>
+          <a:lnRef idx="2">
+            <a:schemeClr val="dk1"/>
+          </a:lnRef>
+          <a:fillRef idx="1">
+            <a:schemeClr val="lt1"/>
+          </a:fillRef>
+          <a:effectRef idx="0">
+            <a:schemeClr val="dk1"/>
+          </a:effectRef>
+          <a:fontRef idx="minor">
+            <a:schemeClr val="dk1"/>
+          </a:fontRef>
+        </p:style>
+        <p:txBody>
+          <a:bodyPr rtlCol="0" anchor="ctr"/>
+          <a:lstStyle/>
+          <a:p>
+            <a:pPr algn="ctr">
+              <a:lnSpc>
+                <a:spcPct val="200000"/>
+              </a:lnSpc>
+            </a:pPr>
+            <a:endParaRPr lang="en-CN" sz="700" dirty="0">
+              <a:latin typeface="Times New Roman" panose="02020603050405020304" pitchFamily="18" charset="0"/>
+              <a:ea typeface="SimSun" panose="02010600030101010101" pitchFamily="2" charset="-122"/>
+              <a:cs typeface="Times New Roman" panose="02020603050405020304" pitchFamily="18" charset="0"/>
+            </a:endParaRPr>
+          </a:p>
+        </p:txBody>
+      </p:sp>
+      <p:sp>
+        <p:nvSpPr>
+          <p:cNvPr id="10" name="TextBox 34">
+            <a:extLst>
+              <a:ext uri="{FF2B5EF4-FFF2-40B4-BE49-F238E27FC236}">
+                <a16:creationId xmlns:a16="http://schemas.microsoft.com/office/drawing/2014/main" id="{32AB9C85-B6D6-44C0-A415-D63A1B441581}"/>
+              </a:ext>
+            </a:extLst>
+          </p:cNvPr>
+          <p:cNvSpPr txBox="1"/>
+          <p:nvPr/>
+        </p:nvSpPr>
+        <p:spPr>
+          <a:xfrm>
+            <a:off x="3181214" y="3124679"/>
+            <a:ext cx="1280567" cy="200055"/>
+          </a:xfrm>
+          <a:prstGeom prst="rect">
+            <a:avLst/>
+          </a:prstGeom>
+          <a:noFill/>
+        </p:spPr>
+        <p:txBody>
+          <a:bodyPr wrap="square" rtlCol="0">
+            <a:spAutoFit/>
+          </a:bodyPr>
+          <a:lstStyle/>
+          <a:p>
+            <a:r>
+              <a:rPr lang="en-US" sz="700" dirty="0">
+                <a:latin typeface="Times New Roman" panose="02020603050405020304" pitchFamily="18" charset="0"/>
+                <a:ea typeface="SimSun" panose="02010600030101010101" pitchFamily="2" charset="-122"/>
+                <a:cs typeface="Times New Roman" panose="02020603050405020304" pitchFamily="18" charset="0"/>
+              </a:rPr>
+              <a:t>Pre-mounted </a:t>
+            </a:r>
+            <a:r>
+              <a:rPr lang="en-US" sz="700" i="1" dirty="0">
+                <a:latin typeface="Times New Roman" panose="02020603050405020304" pitchFamily="18" charset="0"/>
+                <a:ea typeface="SimSun" panose="02010600030101010101" pitchFamily="2" charset="-122"/>
+                <a:cs typeface="Times New Roman" panose="02020603050405020304" pitchFamily="18" charset="0"/>
+              </a:rPr>
+              <a:t>proc filesystem</a:t>
+            </a:r>
+            <a:endParaRPr lang="en-CN" sz="700" dirty="0">
+              <a:latin typeface="Times New Roman" panose="02020603050405020304" pitchFamily="18" charset="0"/>
+              <a:ea typeface="SimSun" panose="02010600030101010101" pitchFamily="2" charset="-122"/>
+              <a:cs typeface="Times New Roman" panose="02020603050405020304" pitchFamily="18" charset="0"/>
+            </a:endParaRPr>
+          </a:p>
+        </p:txBody>
+      </p:sp>
+      <p:sp>
+        <p:nvSpPr>
+          <p:cNvPr id="11" name="Rectangle 37">
+            <a:extLst>
+              <a:ext uri="{FF2B5EF4-FFF2-40B4-BE49-F238E27FC236}">
+                <a16:creationId xmlns:a16="http://schemas.microsoft.com/office/drawing/2014/main" id="{053CBBE4-BBAF-47C3-85D3-1E38952688E6}"/>
+              </a:ext>
+            </a:extLst>
+          </p:cNvPr>
+          <p:cNvSpPr/>
+          <p:nvPr/>
+        </p:nvSpPr>
+        <p:spPr>
+          <a:xfrm>
+            <a:off x="3301758" y="3337028"/>
+            <a:ext cx="1006622" cy="327728"/>
+          </a:xfrm>
+          <a:prstGeom prst="rect">
+            <a:avLst/>
+          </a:prstGeom>
+          <a:noFill/>
+          <a:ln w="12700">
+            <a:solidFill>
+              <a:schemeClr val="tx1">
+                <a:lumMod val="75000"/>
+                <a:lumOff val="25000"/>
+              </a:schemeClr>
+            </a:solidFill>
+            <a:prstDash val="dash"/>
+          </a:ln>
+        </p:spPr>
+        <p:style>
+          <a:lnRef idx="2">
+            <a:schemeClr val="dk1"/>
+          </a:lnRef>
+          <a:fillRef idx="1">
+            <a:schemeClr val="lt1"/>
+          </a:fillRef>
+          <a:effectRef idx="0">
+            <a:schemeClr val="dk1"/>
+          </a:effectRef>
+          <a:fontRef idx="minor">
+            <a:schemeClr val="dk1"/>
+          </a:fontRef>
+        </p:style>
+        <p:txBody>
+          <a:bodyPr rtlCol="0" anchor="ctr"/>
+          <a:lstStyle/>
+          <a:p>
+            <a:pPr algn="ctr"/>
+            <a:endParaRPr lang="en-CN" sz="1350">
+              <a:latin typeface="Times New Roman" panose="02020603050405020304" pitchFamily="18" charset="0"/>
+              <a:ea typeface="SimSun" panose="02010600030101010101" pitchFamily="2" charset="-122"/>
+              <a:cs typeface="Times New Roman" panose="02020603050405020304" pitchFamily="18" charset="0"/>
+            </a:endParaRPr>
+          </a:p>
+        </p:txBody>
+      </p:sp>
+      <p:sp>
+        <p:nvSpPr>
+          <p:cNvPr id="12" name="Rectangle 38">
+            <a:extLst>
+              <a:ext uri="{FF2B5EF4-FFF2-40B4-BE49-F238E27FC236}">
+                <a16:creationId xmlns:a16="http://schemas.microsoft.com/office/drawing/2014/main" id="{6141B65C-C5E0-4DDA-A717-124B5F09005D}"/>
+              </a:ext>
+            </a:extLst>
+          </p:cNvPr>
+          <p:cNvSpPr/>
+          <p:nvPr/>
+        </p:nvSpPr>
+        <p:spPr>
+          <a:xfrm>
+            <a:off x="4498377" y="3151648"/>
+            <a:ext cx="1119736" cy="580634"/>
+          </a:xfrm>
+          <a:prstGeom prst="rect">
+            <a:avLst/>
+          </a:prstGeom>
+          <a:ln w="9525"/>
+        </p:spPr>
+        <p:style>
+          <a:lnRef idx="2">
+            <a:schemeClr val="dk1"/>
+          </a:lnRef>
+          <a:fillRef idx="1">
+            <a:schemeClr val="lt1"/>
+          </a:fillRef>
+          <a:effectRef idx="0">
+            <a:schemeClr val="dk1"/>
+          </a:effectRef>
+          <a:fontRef idx="minor">
+            <a:schemeClr val="dk1"/>
+          </a:fontRef>
+        </p:style>
+        <p:txBody>
+          <a:bodyPr rtlCol="0" anchor="ctr"/>
+          <a:lstStyle/>
+          <a:p>
+            <a:pPr algn="ctr">
+              <a:lnSpc>
+                <a:spcPct val="200000"/>
+              </a:lnSpc>
+            </a:pPr>
+            <a:endParaRPr lang="en-CN" sz="900" dirty="0">
+              <a:latin typeface="Times New Roman" panose="02020603050405020304" pitchFamily="18" charset="0"/>
+              <a:ea typeface="SimSun" panose="02010600030101010101" pitchFamily="2" charset="-122"/>
+              <a:cs typeface="Times New Roman" panose="02020603050405020304" pitchFamily="18" charset="0"/>
+            </a:endParaRPr>
+          </a:p>
+        </p:txBody>
+      </p:sp>
+      <p:sp>
+        <p:nvSpPr>
+          <p:cNvPr id="14" name="Rectangle 40">
+            <a:extLst>
+              <a:ext uri="{FF2B5EF4-FFF2-40B4-BE49-F238E27FC236}">
+                <a16:creationId xmlns:a16="http://schemas.microsoft.com/office/drawing/2014/main" id="{9F95741F-9094-49CB-A1B2-2C41781E4516}"/>
+              </a:ext>
+            </a:extLst>
+          </p:cNvPr>
+          <p:cNvSpPr/>
+          <p:nvPr/>
+        </p:nvSpPr>
+        <p:spPr>
+          <a:xfrm>
+            <a:off x="4556868" y="3342085"/>
+            <a:ext cx="1006622" cy="327728"/>
+          </a:xfrm>
+          <a:prstGeom prst="rect">
+            <a:avLst/>
+          </a:prstGeom>
+          <a:noFill/>
+          <a:ln w="12700">
+            <a:solidFill>
+              <a:schemeClr val="tx1">
+                <a:lumMod val="75000"/>
+                <a:lumOff val="25000"/>
+              </a:schemeClr>
+            </a:solidFill>
+            <a:prstDash val="dash"/>
+          </a:ln>
+        </p:spPr>
+        <p:style>
+          <a:lnRef idx="2">
+            <a:schemeClr val="dk1"/>
+          </a:lnRef>
+          <a:fillRef idx="1">
+            <a:schemeClr val="lt1"/>
+          </a:fillRef>
+          <a:effectRef idx="0">
+            <a:schemeClr val="dk1"/>
+          </a:effectRef>
+          <a:fontRef idx="minor">
+            <a:schemeClr val="dk1"/>
+          </a:fontRef>
+        </p:style>
+        <p:txBody>
+          <a:bodyPr rtlCol="0" anchor="ctr"/>
+          <a:lstStyle/>
+          <a:p>
+            <a:pPr algn="ctr"/>
+            <a:endParaRPr lang="en-CN" sz="1350">
+              <a:latin typeface="Times New Roman" panose="02020603050405020304" pitchFamily="18" charset="0"/>
+              <a:ea typeface="SimSun" panose="02010600030101010101" pitchFamily="2" charset="-122"/>
+              <a:cs typeface="Times New Roman" panose="02020603050405020304" pitchFamily="18" charset="0"/>
+            </a:endParaRPr>
+          </a:p>
+        </p:txBody>
+      </p:sp>
+      <p:cxnSp>
+        <p:nvCxnSpPr>
+          <p:cNvPr id="15" name="Straight Arrow Connector 8">
+            <a:extLst>
+              <a:ext uri="{FF2B5EF4-FFF2-40B4-BE49-F238E27FC236}">
+                <a16:creationId xmlns:a16="http://schemas.microsoft.com/office/drawing/2014/main" id="{3890BDE7-BA48-46D2-B645-C75200AFE3C3}"/>
+              </a:ext>
+            </a:extLst>
+          </p:cNvPr>
+          <p:cNvCxnSpPr>
+            <a:stCxn id="5" idx="2"/>
+            <a:endCxn id="8" idx="0"/>
+          </p:cNvCxnSpPr>
+          <p:nvPr/>
+        </p:nvCxnSpPr>
+        <p:spPr>
+          <a:xfrm flipH="1">
+            <a:off x="4441898" y="2220083"/>
+            <a:ext cx="3032" cy="309580"/>
+          </a:xfrm>
+          <a:prstGeom prst="straightConnector1">
+            <a:avLst/>
+          </a:prstGeom>
+          <a:ln w="12700">
+            <a:solidFill>
+              <a:schemeClr val="tx1">
+                <a:lumMod val="85000"/>
+                <a:lumOff val="15000"/>
+              </a:schemeClr>
+            </a:solidFill>
+            <a:tailEnd type="triangle"/>
+          </a:ln>
+        </p:spPr>
+        <p:style>
+          <a:lnRef idx="1">
+            <a:schemeClr val="accent6"/>
+          </a:lnRef>
+          <a:fillRef idx="0">
+            <a:schemeClr val="accent6"/>
+          </a:fillRef>
+          <a:effectRef idx="0">
+            <a:schemeClr val="accent6"/>
+          </a:effectRef>
+          <a:fontRef idx="minor">
+            <a:schemeClr val="tx1"/>
+          </a:fontRef>
+        </p:style>
+      </p:cxnSp>
+      <p:cxnSp>
+        <p:nvCxnSpPr>
+          <p:cNvPr id="16" name="Straight Arrow Connector 44">
+            <a:extLst>
+              <a:ext uri="{FF2B5EF4-FFF2-40B4-BE49-F238E27FC236}">
+                <a16:creationId xmlns:a16="http://schemas.microsoft.com/office/drawing/2014/main" id="{FE613D98-0594-4F4C-840D-B4C96E0599CE}"/>
+              </a:ext>
+            </a:extLst>
+          </p:cNvPr>
+          <p:cNvCxnSpPr>
+            <a:cxnSpLocks/>
+          </p:cNvCxnSpPr>
+          <p:nvPr/>
+        </p:nvCxnSpPr>
+        <p:spPr>
+          <a:xfrm>
+            <a:off x="3803133" y="2857392"/>
+            <a:ext cx="0" cy="294257"/>
+          </a:xfrm>
+          <a:prstGeom prst="straightConnector1">
+            <a:avLst/>
+          </a:prstGeom>
+          <a:ln w="12700">
+            <a:solidFill>
+              <a:schemeClr val="tx1">
+                <a:lumMod val="85000"/>
+                <a:lumOff val="15000"/>
+              </a:schemeClr>
+            </a:solidFill>
+            <a:tailEnd type="triangle"/>
+          </a:ln>
+        </p:spPr>
+        <p:style>
+          <a:lnRef idx="1">
+            <a:schemeClr val="accent6"/>
+          </a:lnRef>
+          <a:fillRef idx="0">
+            <a:schemeClr val="accent6"/>
+          </a:fillRef>
+          <a:effectRef idx="0">
+            <a:schemeClr val="accent6"/>
+          </a:effectRef>
+          <a:fontRef idx="minor">
+            <a:schemeClr val="tx1"/>
+          </a:fontRef>
+        </p:style>
+      </p:cxnSp>
+      <p:cxnSp>
+        <p:nvCxnSpPr>
+          <p:cNvPr id="17" name="Straight Arrow Connector 48">
+            <a:extLst>
+              <a:ext uri="{FF2B5EF4-FFF2-40B4-BE49-F238E27FC236}">
+                <a16:creationId xmlns:a16="http://schemas.microsoft.com/office/drawing/2014/main" id="{74A692D3-E678-4529-8642-F89227072457}"/>
+              </a:ext>
+            </a:extLst>
+          </p:cNvPr>
+          <p:cNvCxnSpPr>
+            <a:cxnSpLocks/>
+          </p:cNvCxnSpPr>
+          <p:nvPr/>
+        </p:nvCxnSpPr>
+        <p:spPr>
+          <a:xfrm>
+            <a:off x="5043577" y="2857392"/>
+            <a:ext cx="0" cy="294257"/>
+          </a:xfrm>
+          <a:prstGeom prst="straightConnector1">
+            <a:avLst/>
+          </a:prstGeom>
+          <a:ln w="12700">
+            <a:solidFill>
+              <a:schemeClr val="tx1">
+                <a:lumMod val="85000"/>
+                <a:lumOff val="15000"/>
+              </a:schemeClr>
+            </a:solidFill>
+            <a:tailEnd type="triangle"/>
+          </a:ln>
+        </p:spPr>
+        <p:style>
+          <a:lnRef idx="1">
+            <a:schemeClr val="accent6"/>
+          </a:lnRef>
+          <a:fillRef idx="0">
+            <a:schemeClr val="accent6"/>
+          </a:fillRef>
+          <a:effectRef idx="0">
+            <a:schemeClr val="accent6"/>
+          </a:effectRef>
+          <a:fontRef idx="minor">
+            <a:schemeClr val="tx1"/>
+          </a:fontRef>
+        </p:style>
+      </p:cxnSp>
+      <p:sp>
+        <p:nvSpPr>
+          <p:cNvPr id="18" name="TextBox 34">
+            <a:extLst>
+              <a:ext uri="{FF2B5EF4-FFF2-40B4-BE49-F238E27FC236}">
+                <a16:creationId xmlns:a16="http://schemas.microsoft.com/office/drawing/2014/main" id="{176D40C6-5C82-4400-BD7E-04EA59DE0DE4}"/>
+              </a:ext>
+            </a:extLst>
+          </p:cNvPr>
+          <p:cNvSpPr txBox="1"/>
+          <p:nvPr/>
+        </p:nvSpPr>
+        <p:spPr>
+          <a:xfrm>
+            <a:off x="4425053" y="3124678"/>
+            <a:ext cx="1280567" cy="200055"/>
+          </a:xfrm>
+          <a:prstGeom prst="rect">
+            <a:avLst/>
+          </a:prstGeom>
+          <a:noFill/>
+        </p:spPr>
+        <p:txBody>
+          <a:bodyPr wrap="square" rtlCol="0">
+            <a:spAutoFit/>
+          </a:bodyPr>
+          <a:lstStyle/>
+          <a:p>
+            <a:r>
+              <a:rPr lang="en-US" sz="700" dirty="0">
+                <a:latin typeface="Times New Roman" panose="02020603050405020304" pitchFamily="18" charset="0"/>
+                <a:ea typeface="SimSun" panose="02010600030101010101" pitchFamily="2" charset="-122"/>
+                <a:cs typeface="Times New Roman" panose="02020603050405020304" pitchFamily="18" charset="0"/>
+              </a:rPr>
+              <a:t>Post-mounted </a:t>
+            </a:r>
+            <a:r>
+              <a:rPr lang="en-US" sz="700" i="1" dirty="0">
+                <a:latin typeface="Times New Roman" panose="02020603050405020304" pitchFamily="18" charset="0"/>
+                <a:ea typeface="SimSun" panose="02010600030101010101" pitchFamily="2" charset="-122"/>
+                <a:cs typeface="Times New Roman" panose="02020603050405020304" pitchFamily="18" charset="0"/>
+              </a:rPr>
+              <a:t>proc filesystem</a:t>
+            </a:r>
+            <a:endParaRPr lang="en-CN" sz="700" dirty="0">
+              <a:latin typeface="Times New Roman" panose="02020603050405020304" pitchFamily="18" charset="0"/>
+              <a:ea typeface="SimSun" panose="02010600030101010101" pitchFamily="2" charset="-122"/>
+              <a:cs typeface="Times New Roman" panose="02020603050405020304" pitchFamily="18" charset="0"/>
+            </a:endParaRPr>
+          </a:p>
+        </p:txBody>
+      </p:sp>
+      <p:sp>
+        <p:nvSpPr>
+          <p:cNvPr id="19" name="TextBox 28">
+            <a:extLst>
+              <a:ext uri="{FF2B5EF4-FFF2-40B4-BE49-F238E27FC236}">
+                <a16:creationId xmlns:a16="http://schemas.microsoft.com/office/drawing/2014/main" id="{71BAF8E1-1796-4812-A309-A4CB01F3664D}"/>
+              </a:ext>
+            </a:extLst>
+          </p:cNvPr>
+          <p:cNvSpPr txBox="1"/>
+          <p:nvPr/>
+        </p:nvSpPr>
+        <p:spPr>
+          <a:xfrm>
+            <a:off x="3307308" y="3325961"/>
+            <a:ext cx="1028377" cy="338554"/>
+          </a:xfrm>
+          <a:prstGeom prst="rect">
+            <a:avLst/>
+          </a:prstGeom>
+          <a:noFill/>
+        </p:spPr>
+        <p:txBody>
+          <a:bodyPr wrap="square" rtlCol="0">
+            <a:spAutoFit/>
+          </a:bodyPr>
+          <a:lstStyle/>
+          <a:p>
+            <a:r>
+              <a:rPr lang="en-US" sz="800" dirty="0">
+                <a:latin typeface="Times New Roman" panose="02020603050405020304" pitchFamily="18" charset="0"/>
+                <a:ea typeface="SimSun" panose="02010600030101010101" pitchFamily="2" charset="-122"/>
+                <a:cs typeface="Times New Roman" panose="02020603050405020304" pitchFamily="18" charset="0"/>
+              </a:rPr>
+              <a:t>Process-independent</a:t>
+            </a:r>
+          </a:p>
+          <a:p>
+            <a:r>
+              <a:rPr lang="en-US" sz="800" dirty="0">
+                <a:latin typeface="Times New Roman" panose="02020603050405020304" pitchFamily="18" charset="0"/>
+                <a:ea typeface="SimSun" panose="02010600030101010101" pitchFamily="2" charset="-122"/>
+                <a:cs typeface="Times New Roman" panose="02020603050405020304" pitchFamily="18" charset="0"/>
+              </a:rPr>
+              <a:t>directories</a:t>
+            </a:r>
+            <a:endParaRPr lang="en-CN" sz="800" dirty="0">
+              <a:latin typeface="Times New Roman" panose="02020603050405020304" pitchFamily="18" charset="0"/>
+              <a:ea typeface="SimSun" panose="02010600030101010101" pitchFamily="2" charset="-122"/>
+              <a:cs typeface="Times New Roman" panose="02020603050405020304" pitchFamily="18" charset="0"/>
+            </a:endParaRPr>
+          </a:p>
+        </p:txBody>
+      </p:sp>
+      <p:sp>
+        <p:nvSpPr>
+          <p:cNvPr id="21" name="TextBox 28">
+            <a:extLst>
+              <a:ext uri="{FF2B5EF4-FFF2-40B4-BE49-F238E27FC236}">
+                <a16:creationId xmlns:a16="http://schemas.microsoft.com/office/drawing/2014/main" id="{B0905D51-D66A-46B1-9719-36BDE157C2F9}"/>
+              </a:ext>
+            </a:extLst>
+          </p:cNvPr>
+          <p:cNvSpPr txBox="1"/>
+          <p:nvPr/>
+        </p:nvSpPr>
+        <p:spPr>
+          <a:xfrm>
+            <a:off x="4600016" y="3325961"/>
+            <a:ext cx="1028377" cy="338554"/>
+          </a:xfrm>
+          <a:prstGeom prst="rect">
+            <a:avLst/>
+          </a:prstGeom>
+          <a:noFill/>
+        </p:spPr>
+        <p:txBody>
+          <a:bodyPr wrap="square" rtlCol="0">
+            <a:spAutoFit/>
+          </a:bodyPr>
+          <a:lstStyle/>
+          <a:p>
+            <a:r>
+              <a:rPr lang="en-US" sz="800" dirty="0">
+                <a:latin typeface="Times New Roman" panose="02020603050405020304" pitchFamily="18" charset="0"/>
+                <a:ea typeface="SimSun" panose="02010600030101010101" pitchFamily="2" charset="-122"/>
+                <a:cs typeface="Times New Roman" panose="02020603050405020304" pitchFamily="18" charset="0"/>
+              </a:rPr>
+              <a:t>Process-dependent</a:t>
+            </a:r>
+          </a:p>
+          <a:p>
+            <a:r>
+              <a:rPr lang="en-US" sz="800" dirty="0">
+                <a:latin typeface="Times New Roman" panose="02020603050405020304" pitchFamily="18" charset="0"/>
+                <a:ea typeface="SimSun" panose="02010600030101010101" pitchFamily="2" charset="-122"/>
+                <a:cs typeface="Times New Roman" panose="02020603050405020304" pitchFamily="18" charset="0"/>
+              </a:rPr>
+              <a:t>directories</a:t>
+            </a:r>
+            <a:endParaRPr lang="en-CN" sz="800" dirty="0">
+              <a:latin typeface="Times New Roman" panose="02020603050405020304" pitchFamily="18" charset="0"/>
+              <a:ea typeface="SimSun" panose="02010600030101010101" pitchFamily="2" charset="-122"/>
+              <a:cs typeface="Times New Roman" panose="02020603050405020304" pitchFamily="18" charset="0"/>
+            </a:endParaRPr>
+          </a:p>
+        </p:txBody>
+      </p:sp>
+    </p:spTree>
+    <p:extLst>
+      <p:ext uri="{BB962C8B-B14F-4D97-AF65-F5344CB8AC3E}">
+        <p14:creationId xmlns:p14="http://schemas.microsoft.com/office/powerpoint/2010/main" val="1161472726"/>
+      </p:ext>
+    </p:extLst>
+  </p:cSld>
+  <p:clrMapOvr>
+    <a:masterClrMapping/>
+  </p:clrMapOvr>
+</p:sld>
+</file>
+
+<file path=ppt/slides/slide6.xml><?xml version="1.0" encoding="utf-8"?>
+<p:sld xmlns:a="http://schemas.openxmlformats.org/drawingml/2006/main" xmlns:r="http://schemas.openxmlformats.org/officeDocument/2006/relationships" xmlns:p="http://schemas.openxmlformats.org/presentationml/2006/main">
+  <p:cSld>
+    <p:spTree>
+      <p:nvGrpSpPr>
+        <p:cNvPr id="1" name=""/>
+        <p:cNvGrpSpPr/>
+        <p:nvPr/>
+      </p:nvGrpSpPr>
+      <p:grpSpPr>
+        <a:xfrm>
+          <a:off x="0" y="0"/>
+          <a:ext cx="0" cy="0"/>
+          <a:chOff x="0" y="0"/>
+          <a:chExt cx="0" cy="0"/>
+        </a:xfrm>
+      </p:grpSpPr>
+      <p:sp>
+        <p:nvSpPr>
+          <p:cNvPr id="4" name="Document 2">
+            <a:extLst>
+              <a:ext uri="{FF2B5EF4-FFF2-40B4-BE49-F238E27FC236}">
+                <a16:creationId xmlns:a16="http://schemas.microsoft.com/office/drawing/2014/main" id="{4E6FB432-DF47-4FF7-B2DE-1B7EB3212849}"/>
+              </a:ext>
+            </a:extLst>
+          </p:cNvPr>
+          <p:cNvSpPr/>
+          <p:nvPr/>
+        </p:nvSpPr>
+        <p:spPr>
+          <a:xfrm>
+            <a:off x="3980188" y="4219237"/>
+            <a:ext cx="922490" cy="287994"/>
+          </a:xfrm>
+          <a:prstGeom prst="flowChartDocument">
+            <a:avLst/>
+          </a:prstGeom>
+          <a:solidFill>
+            <a:schemeClr val="bg1">
+              <a:lumMod val="75000"/>
+            </a:schemeClr>
+          </a:solidFill>
+          <a:ln w="12700">
+            <a:solidFill>
+              <a:schemeClr val="tx1">
+                <a:lumMod val="75000"/>
+                <a:lumOff val="25000"/>
+              </a:schemeClr>
+            </a:solidFill>
+          </a:ln>
+        </p:spPr>
+        <p:style>
+          <a:lnRef idx="2">
+            <a:schemeClr val="dk1"/>
+          </a:lnRef>
+          <a:fillRef idx="1">
+            <a:schemeClr val="lt1"/>
+          </a:fillRef>
+          <a:effectRef idx="0">
+            <a:schemeClr val="dk1"/>
+          </a:effectRef>
+          <a:fontRef idx="minor">
+            <a:schemeClr val="dk1"/>
+          </a:fontRef>
+        </p:style>
+        <p:txBody>
+          <a:bodyPr rtlCol="0" anchor="ctr"/>
+          <a:lstStyle/>
+          <a:p>
+            <a:pPr algn="ctr"/>
+            <a:endParaRPr lang="en-CN" sz="1350">
+              <a:latin typeface="Times New Roman" panose="02020603050405020304" pitchFamily="18" charset="0"/>
+              <a:cs typeface="Times New Roman" panose="02020603050405020304" pitchFamily="18" charset="0"/>
+            </a:endParaRPr>
+          </a:p>
+        </p:txBody>
+      </p:sp>
+      <p:sp>
+        <p:nvSpPr>
+          <p:cNvPr id="5" name="TextBox 25">
+            <a:extLst>
+              <a:ext uri="{FF2B5EF4-FFF2-40B4-BE49-F238E27FC236}">
+                <a16:creationId xmlns:a16="http://schemas.microsoft.com/office/drawing/2014/main" id="{A955170D-344C-4D33-A682-47F37B9D7E1E}"/>
+              </a:ext>
+            </a:extLst>
+          </p:cNvPr>
+          <p:cNvSpPr txBox="1"/>
+          <p:nvPr/>
+        </p:nvSpPr>
+        <p:spPr>
+          <a:xfrm>
+            <a:off x="4033305" y="4229123"/>
+            <a:ext cx="940700" cy="213585"/>
+          </a:xfrm>
+          <a:prstGeom prst="rect">
+            <a:avLst/>
+          </a:prstGeom>
+          <a:noFill/>
+        </p:spPr>
+        <p:txBody>
+          <a:bodyPr wrap="square" rtlCol="0">
+            <a:spAutoFit/>
+          </a:bodyPr>
+          <a:lstStyle/>
+          <a:p>
+            <a:r>
+              <a:rPr lang="en-US" sz="788" dirty="0">
+                <a:latin typeface="Times New Roman" panose="02020603050405020304" pitchFamily="18" charset="0"/>
+                <a:ea typeface="SimSun" panose="02010600030101010101" pitchFamily="2" charset="-122"/>
+                <a:cs typeface="Times New Roman" panose="02020603050405020304" pitchFamily="18" charset="0"/>
+              </a:rPr>
+              <a:t>Checkpoint data</a:t>
+            </a:r>
+            <a:endParaRPr lang="en-CN" sz="788" dirty="0">
+              <a:latin typeface="Times New Roman" panose="02020603050405020304" pitchFamily="18" charset="0"/>
+              <a:ea typeface="SimSun" panose="02010600030101010101" pitchFamily="2" charset="-122"/>
+              <a:cs typeface="Times New Roman" panose="02020603050405020304" pitchFamily="18" charset="0"/>
+            </a:endParaRPr>
+          </a:p>
+        </p:txBody>
+      </p:sp>
+      <p:cxnSp>
+        <p:nvCxnSpPr>
+          <p:cNvPr id="8" name="Straight Connector 10">
+            <a:extLst>
+              <a:ext uri="{FF2B5EF4-FFF2-40B4-BE49-F238E27FC236}">
+                <a16:creationId xmlns:a16="http://schemas.microsoft.com/office/drawing/2014/main" id="{ABEC8B9D-DDC4-4AC9-913A-EB574C3B718E}"/>
+              </a:ext>
+            </a:extLst>
+          </p:cNvPr>
+          <p:cNvCxnSpPr>
+            <a:cxnSpLocks/>
+          </p:cNvCxnSpPr>
+          <p:nvPr/>
+        </p:nvCxnSpPr>
+        <p:spPr>
+          <a:xfrm>
+            <a:off x="3534068" y="4031914"/>
+            <a:ext cx="2492927" cy="0"/>
+          </a:xfrm>
+          <a:prstGeom prst="line">
+            <a:avLst/>
+          </a:prstGeom>
+        </p:spPr>
+        <p:style>
+          <a:lnRef idx="1">
+            <a:schemeClr val="dk1"/>
+          </a:lnRef>
+          <a:fillRef idx="0">
+            <a:schemeClr val="dk1"/>
+          </a:fillRef>
+          <a:effectRef idx="0">
+            <a:schemeClr val="dk1"/>
+          </a:effectRef>
+          <a:fontRef idx="minor">
+            <a:schemeClr val="tx1"/>
+          </a:fontRef>
+        </p:style>
+      </p:cxnSp>
+      <p:sp>
+        <p:nvSpPr>
+          <p:cNvPr id="9" name="Rectangle 29">
+            <a:extLst>
+              <a:ext uri="{FF2B5EF4-FFF2-40B4-BE49-F238E27FC236}">
+                <a16:creationId xmlns:a16="http://schemas.microsoft.com/office/drawing/2014/main" id="{18701257-759F-4425-BFE4-141421735106}"/>
+              </a:ext>
+            </a:extLst>
+          </p:cNvPr>
+          <p:cNvSpPr/>
+          <p:nvPr/>
+        </p:nvSpPr>
+        <p:spPr>
+          <a:xfrm>
+            <a:off x="2959278" y="2217420"/>
+            <a:ext cx="1763900" cy="572184"/>
+          </a:xfrm>
+          <a:prstGeom prst="rect">
+            <a:avLst/>
+          </a:prstGeom>
+          <a:ln w="12700">
+            <a:solidFill>
+              <a:schemeClr val="tx1">
+                <a:lumMod val="75000"/>
+                <a:lumOff val="25000"/>
+              </a:schemeClr>
+            </a:solidFill>
+            <a:prstDash val="dash"/>
+          </a:ln>
+        </p:spPr>
+        <p:style>
+          <a:lnRef idx="2">
+            <a:schemeClr val="dk1"/>
+          </a:lnRef>
+          <a:fillRef idx="1">
+            <a:schemeClr val="lt1"/>
+          </a:fillRef>
+          <a:effectRef idx="0">
+            <a:schemeClr val="dk1"/>
+          </a:effectRef>
+          <a:fontRef idx="minor">
+            <a:schemeClr val="dk1"/>
+          </a:fontRef>
+        </p:style>
+        <p:txBody>
+          <a:bodyPr rtlCol="0" anchor="ctr"/>
+          <a:lstStyle/>
+          <a:p>
+            <a:pPr algn="ctr"/>
+            <a:endParaRPr lang="en-CN" sz="1350">
+              <a:latin typeface="Times New Roman" panose="02020603050405020304" pitchFamily="18" charset="0"/>
+              <a:cs typeface="Times New Roman" panose="02020603050405020304" pitchFamily="18" charset="0"/>
+            </a:endParaRPr>
+          </a:p>
+        </p:txBody>
+      </p:sp>
+      <p:sp>
+        <p:nvSpPr>
+          <p:cNvPr id="10" name="TextBox 30">
+            <a:extLst>
+              <a:ext uri="{FF2B5EF4-FFF2-40B4-BE49-F238E27FC236}">
+                <a16:creationId xmlns:a16="http://schemas.microsoft.com/office/drawing/2014/main" id="{5DB6D973-3207-4C78-915E-72B998785424}"/>
+              </a:ext>
+            </a:extLst>
+          </p:cNvPr>
+          <p:cNvSpPr txBox="1"/>
+          <p:nvPr/>
+        </p:nvSpPr>
+        <p:spPr>
+          <a:xfrm>
+            <a:off x="2896931" y="2188599"/>
+            <a:ext cx="1639393" cy="200055"/>
+          </a:xfrm>
+          <a:prstGeom prst="rect">
+            <a:avLst/>
+          </a:prstGeom>
+          <a:noFill/>
+        </p:spPr>
+        <p:txBody>
+          <a:bodyPr wrap="square" rtlCol="0">
+            <a:spAutoFit/>
+          </a:bodyPr>
+          <a:lstStyle/>
+          <a:p>
+            <a:r>
+              <a:rPr lang="en-US" sz="700" dirty="0">
+                <a:latin typeface="Times New Roman" panose="02020603050405020304" pitchFamily="18" charset="0"/>
+                <a:ea typeface="SimSun" panose="02010600030101010101" pitchFamily="2" charset="-122"/>
+                <a:cs typeface="Times New Roman" panose="02020603050405020304" pitchFamily="18" charset="0"/>
+              </a:rPr>
+              <a:t>Virtual memory of serverless function A</a:t>
+            </a:r>
+            <a:endParaRPr lang="en-CN" sz="700" dirty="0">
+              <a:latin typeface="Times New Roman" panose="02020603050405020304" pitchFamily="18" charset="0"/>
+              <a:ea typeface="SimSun" panose="02010600030101010101" pitchFamily="2" charset="-122"/>
+              <a:cs typeface="Times New Roman" panose="02020603050405020304" pitchFamily="18" charset="0"/>
+            </a:endParaRPr>
+          </a:p>
+        </p:txBody>
+      </p:sp>
+      <p:sp>
+        <p:nvSpPr>
+          <p:cNvPr id="15" name="TextBox 27">
+            <a:extLst>
+              <a:ext uri="{FF2B5EF4-FFF2-40B4-BE49-F238E27FC236}">
+                <a16:creationId xmlns:a16="http://schemas.microsoft.com/office/drawing/2014/main" id="{D850384C-CDFF-4257-A847-D0C0DC68F5A7}"/>
+              </a:ext>
+            </a:extLst>
+          </p:cNvPr>
+          <p:cNvSpPr txBox="1"/>
+          <p:nvPr/>
+        </p:nvSpPr>
+        <p:spPr>
+          <a:xfrm>
+            <a:off x="5603646" y="4036434"/>
+            <a:ext cx="443042" cy="213585"/>
+          </a:xfrm>
+          <a:prstGeom prst="rect">
+            <a:avLst/>
+          </a:prstGeom>
+          <a:noFill/>
+        </p:spPr>
+        <p:txBody>
+          <a:bodyPr wrap="square" rtlCol="0">
+            <a:spAutoFit/>
+          </a:bodyPr>
+          <a:lstStyle/>
+          <a:p>
+            <a:r>
+              <a:rPr lang="en-US" sz="788" dirty="0">
+                <a:latin typeface="Times New Roman" panose="02020603050405020304" pitchFamily="18" charset="0"/>
+                <a:ea typeface="SimSun" panose="02010600030101010101" pitchFamily="2" charset="-122"/>
+                <a:cs typeface="Times New Roman" panose="02020603050405020304" pitchFamily="18" charset="0"/>
+              </a:rPr>
+              <a:t>Disk</a:t>
+            </a:r>
+            <a:endParaRPr lang="en-CN" sz="788" dirty="0">
+              <a:latin typeface="Times New Roman" panose="02020603050405020304" pitchFamily="18" charset="0"/>
+              <a:ea typeface="SimSun" panose="02010600030101010101" pitchFamily="2" charset="-122"/>
+              <a:cs typeface="Times New Roman" panose="02020603050405020304" pitchFamily="18" charset="0"/>
+            </a:endParaRPr>
+          </a:p>
+        </p:txBody>
+      </p:sp>
+      <p:sp>
+        <p:nvSpPr>
+          <p:cNvPr id="16" name="TextBox 28">
+            <a:extLst>
+              <a:ext uri="{FF2B5EF4-FFF2-40B4-BE49-F238E27FC236}">
+                <a16:creationId xmlns:a16="http://schemas.microsoft.com/office/drawing/2014/main" id="{F6937DAC-3567-49AA-A20D-7668DF0B8FB1}"/>
+              </a:ext>
+            </a:extLst>
+          </p:cNvPr>
+          <p:cNvSpPr txBox="1"/>
+          <p:nvPr/>
+        </p:nvSpPr>
+        <p:spPr>
+          <a:xfrm>
+            <a:off x="5237388" y="3817952"/>
+            <a:ext cx="942431" cy="213585"/>
+          </a:xfrm>
+          <a:prstGeom prst="rect">
+            <a:avLst/>
+          </a:prstGeom>
+          <a:noFill/>
+        </p:spPr>
+        <p:txBody>
+          <a:bodyPr wrap="square" rtlCol="0">
+            <a:spAutoFit/>
+          </a:bodyPr>
+          <a:lstStyle/>
+          <a:p>
+            <a:r>
+              <a:rPr lang="en-US" sz="788" dirty="0">
+                <a:latin typeface="Times New Roman" panose="02020603050405020304" pitchFamily="18" charset="0"/>
+                <a:ea typeface="SimSun" panose="02010600030101010101" pitchFamily="2" charset="-122"/>
+                <a:cs typeface="Times New Roman" panose="02020603050405020304" pitchFamily="18" charset="0"/>
+              </a:rPr>
+              <a:t>Physical memory</a:t>
+            </a:r>
+            <a:endParaRPr lang="en-CN" sz="788" dirty="0">
+              <a:latin typeface="Times New Roman" panose="02020603050405020304" pitchFamily="18" charset="0"/>
+              <a:ea typeface="SimSun" panose="02010600030101010101" pitchFamily="2" charset="-122"/>
+              <a:cs typeface="Times New Roman" panose="02020603050405020304" pitchFamily="18" charset="0"/>
+            </a:endParaRPr>
+          </a:p>
+        </p:txBody>
+      </p:sp>
+      <p:sp>
+        <p:nvSpPr>
+          <p:cNvPr id="17" name="Rectangle 34">
+            <a:extLst>
+              <a:ext uri="{FF2B5EF4-FFF2-40B4-BE49-F238E27FC236}">
+                <a16:creationId xmlns:a16="http://schemas.microsoft.com/office/drawing/2014/main" id="{4B7453D1-7488-4E45-AEDB-7B801866F9C9}"/>
+              </a:ext>
+            </a:extLst>
+          </p:cNvPr>
+          <p:cNvSpPr/>
+          <p:nvPr/>
+        </p:nvSpPr>
+        <p:spPr>
+          <a:xfrm>
+            <a:off x="3101340" y="3202756"/>
+            <a:ext cx="1478280" cy="206348"/>
+          </a:xfrm>
+          <a:prstGeom prst="rect">
+            <a:avLst/>
+          </a:prstGeom>
+          <a:ln w="12700">
+            <a:prstDash val="solid"/>
+          </a:ln>
+        </p:spPr>
+        <p:style>
+          <a:lnRef idx="2">
+            <a:schemeClr val="dk1"/>
+          </a:lnRef>
+          <a:fillRef idx="1">
+            <a:schemeClr val="lt1"/>
+          </a:fillRef>
+          <a:effectRef idx="0">
+            <a:schemeClr val="dk1"/>
+          </a:effectRef>
+          <a:fontRef idx="minor">
+            <a:schemeClr val="dk1"/>
+          </a:fontRef>
+        </p:style>
+        <p:txBody>
+          <a:bodyPr rtlCol="0" anchor="ctr"/>
+          <a:lstStyle/>
+          <a:p>
+            <a:pPr algn="ctr"/>
+            <a:r>
+              <a:rPr lang="en-US" sz="825" dirty="0">
+                <a:latin typeface="Times New Roman" panose="02020603050405020304" pitchFamily="18" charset="0"/>
+                <a:ea typeface="SimSun" panose="02010600030101010101" pitchFamily="2" charset="-122"/>
+                <a:cs typeface="Times New Roman" panose="02020603050405020304" pitchFamily="18" charset="0"/>
+              </a:rPr>
+              <a:t>Memory data</a:t>
+            </a:r>
+            <a:endParaRPr lang="en-CN" sz="825" dirty="0">
+              <a:latin typeface="Times New Roman" panose="02020603050405020304" pitchFamily="18" charset="0"/>
+              <a:ea typeface="SimSun" panose="02010600030101010101" pitchFamily="2" charset="-122"/>
+              <a:cs typeface="Times New Roman" panose="02020603050405020304" pitchFamily="18" charset="0"/>
+            </a:endParaRPr>
+          </a:p>
+        </p:txBody>
+      </p:sp>
+      <p:cxnSp>
+        <p:nvCxnSpPr>
+          <p:cNvPr id="21" name="直接箭头连接符 20">
+            <a:extLst>
+              <a:ext uri="{FF2B5EF4-FFF2-40B4-BE49-F238E27FC236}">
+                <a16:creationId xmlns:a16="http://schemas.microsoft.com/office/drawing/2014/main" id="{B1C4292E-D757-41C5-AD16-4CAAAE6E0ADD}"/>
+              </a:ext>
+            </a:extLst>
+          </p:cNvPr>
+          <p:cNvCxnSpPr>
+            <a:cxnSpLocks/>
+            <a:stCxn id="4" idx="0"/>
+            <a:endCxn id="17" idx="2"/>
+          </p:cNvCxnSpPr>
+          <p:nvPr/>
+        </p:nvCxnSpPr>
+        <p:spPr>
+          <a:xfrm flipH="1" flipV="1">
+            <a:off x="3840480" y="3409104"/>
+            <a:ext cx="600953" cy="810133"/>
+          </a:xfrm>
+          <a:prstGeom prst="straightConnector1">
+            <a:avLst/>
+          </a:prstGeom>
+          <a:ln>
+            <a:tailEnd type="triangle"/>
+          </a:ln>
+        </p:spPr>
+        <p:style>
+          <a:lnRef idx="1">
+            <a:schemeClr val="dk1"/>
+          </a:lnRef>
+          <a:fillRef idx="0">
+            <a:schemeClr val="dk1"/>
+          </a:fillRef>
+          <a:effectRef idx="0">
+            <a:schemeClr val="dk1"/>
+          </a:effectRef>
+          <a:fontRef idx="minor">
+            <a:schemeClr val="tx1"/>
+          </a:fontRef>
+        </p:style>
+      </p:cxnSp>
+      <p:cxnSp>
+        <p:nvCxnSpPr>
+          <p:cNvPr id="22" name="直接箭头连接符 21">
+            <a:extLst>
+              <a:ext uri="{FF2B5EF4-FFF2-40B4-BE49-F238E27FC236}">
+                <a16:creationId xmlns:a16="http://schemas.microsoft.com/office/drawing/2014/main" id="{C62B4883-AA1B-43FC-B7A2-057D35A44B89}"/>
+              </a:ext>
+            </a:extLst>
+          </p:cNvPr>
+          <p:cNvCxnSpPr>
+            <a:cxnSpLocks/>
+            <a:stCxn id="4" idx="0"/>
+            <a:endCxn id="40" idx="2"/>
+          </p:cNvCxnSpPr>
+          <p:nvPr/>
+        </p:nvCxnSpPr>
+        <p:spPr>
+          <a:xfrm flipV="1">
+            <a:off x="4441433" y="3409104"/>
+            <a:ext cx="1379467" cy="810133"/>
+          </a:xfrm>
+          <a:prstGeom prst="straightConnector1">
+            <a:avLst/>
+          </a:prstGeom>
+          <a:ln>
+            <a:tailEnd type="triangle"/>
+          </a:ln>
+        </p:spPr>
+        <p:style>
+          <a:lnRef idx="1">
+            <a:schemeClr val="dk1"/>
+          </a:lnRef>
+          <a:fillRef idx="0">
+            <a:schemeClr val="dk1"/>
+          </a:fillRef>
+          <a:effectRef idx="0">
+            <a:schemeClr val="dk1"/>
+          </a:effectRef>
+          <a:fontRef idx="minor">
+            <a:schemeClr val="tx1"/>
+          </a:fontRef>
+        </p:style>
+      </p:cxnSp>
+      <p:sp>
+        <p:nvSpPr>
+          <p:cNvPr id="23" name="TextBox 55">
+            <a:extLst>
+              <a:ext uri="{FF2B5EF4-FFF2-40B4-BE49-F238E27FC236}">
+                <a16:creationId xmlns:a16="http://schemas.microsoft.com/office/drawing/2014/main" id="{6A805698-C7BA-48D6-B453-908CFC7A0821}"/>
+              </a:ext>
+            </a:extLst>
+          </p:cNvPr>
+          <p:cNvSpPr txBox="1"/>
+          <p:nvPr/>
+        </p:nvSpPr>
+        <p:spPr>
+          <a:xfrm>
+            <a:off x="4279118" y="3724668"/>
+            <a:ext cx="598233" cy="213585"/>
+          </a:xfrm>
+          <a:prstGeom prst="rect">
+            <a:avLst/>
+          </a:prstGeom>
+          <a:noFill/>
+        </p:spPr>
+        <p:txBody>
+          <a:bodyPr wrap="square" rtlCol="0">
+            <a:spAutoFit/>
+          </a:bodyPr>
+          <a:lstStyle/>
+          <a:p>
+            <a:r>
+              <a:rPr lang="en-US" sz="788" dirty="0">
+                <a:latin typeface="Times New Roman" panose="02020603050405020304" pitchFamily="18" charset="0"/>
+                <a:ea typeface="SimSun" panose="02010600030101010101" pitchFamily="2" charset="-122"/>
+                <a:cs typeface="Times New Roman" panose="02020603050405020304" pitchFamily="18" charset="0"/>
+              </a:rPr>
+              <a:t>Full load</a:t>
+            </a:r>
+            <a:endParaRPr lang="en-CN" sz="788" dirty="0">
+              <a:latin typeface="Times New Roman" panose="02020603050405020304" pitchFamily="18" charset="0"/>
+              <a:ea typeface="SimSun" panose="02010600030101010101" pitchFamily="2" charset="-122"/>
+              <a:cs typeface="Times New Roman" panose="02020603050405020304" pitchFamily="18" charset="0"/>
+            </a:endParaRPr>
+          </a:p>
+        </p:txBody>
+      </p:sp>
+      <p:sp>
+        <p:nvSpPr>
+          <p:cNvPr id="34" name="Rectangle 34">
+            <a:extLst>
+              <a:ext uri="{FF2B5EF4-FFF2-40B4-BE49-F238E27FC236}">
+                <a16:creationId xmlns:a16="http://schemas.microsoft.com/office/drawing/2014/main" id="{4744FE28-5B83-433D-BC10-7381EC6E86C4}"/>
+              </a:ext>
+            </a:extLst>
+          </p:cNvPr>
+          <p:cNvSpPr/>
+          <p:nvPr/>
+        </p:nvSpPr>
+        <p:spPr>
+          <a:xfrm>
+            <a:off x="3099954" y="2459985"/>
+            <a:ext cx="1478280" cy="206348"/>
+          </a:xfrm>
+          <a:prstGeom prst="rect">
+            <a:avLst/>
+          </a:prstGeom>
+          <a:ln w="12700">
+            <a:prstDash val="solid"/>
+          </a:ln>
+        </p:spPr>
+        <p:style>
+          <a:lnRef idx="2">
+            <a:schemeClr val="dk1"/>
+          </a:lnRef>
+          <a:fillRef idx="1">
+            <a:schemeClr val="lt1"/>
+          </a:fillRef>
+          <a:effectRef idx="0">
+            <a:schemeClr val="dk1"/>
+          </a:effectRef>
+          <a:fontRef idx="minor">
+            <a:schemeClr val="dk1"/>
+          </a:fontRef>
+        </p:style>
+        <p:txBody>
+          <a:bodyPr rtlCol="0" anchor="ctr"/>
+          <a:lstStyle/>
+          <a:p>
+            <a:pPr algn="ctr"/>
+            <a:r>
+              <a:rPr lang="en-US" sz="825" dirty="0">
+                <a:latin typeface="Times New Roman" panose="02020603050405020304" pitchFamily="18" charset="0"/>
+                <a:ea typeface="SimSun" panose="02010600030101010101" pitchFamily="2" charset="-122"/>
+                <a:cs typeface="Times New Roman" panose="02020603050405020304" pitchFamily="18" charset="0"/>
+              </a:rPr>
+              <a:t>Memory data</a:t>
+            </a:r>
+            <a:endParaRPr lang="en-CN" sz="825" dirty="0">
+              <a:latin typeface="Times New Roman" panose="02020603050405020304" pitchFamily="18" charset="0"/>
+              <a:ea typeface="SimSun" panose="02010600030101010101" pitchFamily="2" charset="-122"/>
+              <a:cs typeface="Times New Roman" panose="02020603050405020304" pitchFamily="18" charset="0"/>
+            </a:endParaRPr>
+          </a:p>
+        </p:txBody>
+      </p:sp>
+      <p:cxnSp>
+        <p:nvCxnSpPr>
+          <p:cNvPr id="35" name="直接箭头连接符 34">
+            <a:extLst>
+              <a:ext uri="{FF2B5EF4-FFF2-40B4-BE49-F238E27FC236}">
+                <a16:creationId xmlns:a16="http://schemas.microsoft.com/office/drawing/2014/main" id="{938D37CA-5378-481F-9D26-BD25951EEADC}"/>
+              </a:ext>
+            </a:extLst>
+          </p:cNvPr>
+          <p:cNvCxnSpPr>
+            <a:cxnSpLocks/>
+            <a:stCxn id="17" idx="0"/>
+            <a:endCxn id="34" idx="2"/>
+          </p:cNvCxnSpPr>
+          <p:nvPr/>
+        </p:nvCxnSpPr>
+        <p:spPr>
+          <a:xfrm flipH="1" flipV="1">
+            <a:off x="3839094" y="2666333"/>
+            <a:ext cx="1386" cy="536423"/>
+          </a:xfrm>
+          <a:prstGeom prst="straightConnector1">
+            <a:avLst/>
+          </a:prstGeom>
+          <a:ln>
+            <a:tailEnd type="triangle"/>
+          </a:ln>
+        </p:spPr>
+        <p:style>
+          <a:lnRef idx="1">
+            <a:schemeClr val="dk1"/>
+          </a:lnRef>
+          <a:fillRef idx="0">
+            <a:schemeClr val="dk1"/>
+          </a:fillRef>
+          <a:effectRef idx="0">
+            <a:schemeClr val="dk1"/>
+          </a:effectRef>
+          <a:fontRef idx="minor">
+            <a:schemeClr val="tx1"/>
+          </a:fontRef>
+        </p:style>
+      </p:cxnSp>
+      <p:sp>
+        <p:nvSpPr>
+          <p:cNvPr id="38" name="Rectangle 29">
+            <a:extLst>
+              <a:ext uri="{FF2B5EF4-FFF2-40B4-BE49-F238E27FC236}">
+                <a16:creationId xmlns:a16="http://schemas.microsoft.com/office/drawing/2014/main" id="{2DDEC463-7803-4BB5-935F-85A5630C3578}"/>
+              </a:ext>
+            </a:extLst>
+          </p:cNvPr>
+          <p:cNvSpPr/>
+          <p:nvPr/>
+        </p:nvSpPr>
+        <p:spPr>
+          <a:xfrm>
+            <a:off x="4939698" y="2217420"/>
+            <a:ext cx="1763900" cy="572184"/>
+          </a:xfrm>
+          <a:prstGeom prst="rect">
+            <a:avLst/>
+          </a:prstGeom>
+          <a:ln w="12700">
+            <a:solidFill>
+              <a:schemeClr val="tx1">
+                <a:lumMod val="75000"/>
+                <a:lumOff val="25000"/>
+              </a:schemeClr>
+            </a:solidFill>
+            <a:prstDash val="dash"/>
+          </a:ln>
+        </p:spPr>
+        <p:style>
+          <a:lnRef idx="2">
+            <a:schemeClr val="dk1"/>
+          </a:lnRef>
+          <a:fillRef idx="1">
+            <a:schemeClr val="lt1"/>
+          </a:fillRef>
+          <a:effectRef idx="0">
+            <a:schemeClr val="dk1"/>
+          </a:effectRef>
+          <a:fontRef idx="minor">
+            <a:schemeClr val="dk1"/>
+          </a:fontRef>
+        </p:style>
+        <p:txBody>
+          <a:bodyPr rtlCol="0" anchor="ctr"/>
+          <a:lstStyle/>
+          <a:p>
+            <a:pPr algn="ctr"/>
+            <a:endParaRPr lang="en-CN" sz="1350">
+              <a:latin typeface="Times New Roman" panose="02020603050405020304" pitchFamily="18" charset="0"/>
+              <a:cs typeface="Times New Roman" panose="02020603050405020304" pitchFamily="18" charset="0"/>
+            </a:endParaRPr>
+          </a:p>
+        </p:txBody>
+      </p:sp>
+      <p:sp>
+        <p:nvSpPr>
+          <p:cNvPr id="39" name="TextBox 30">
+            <a:extLst>
+              <a:ext uri="{FF2B5EF4-FFF2-40B4-BE49-F238E27FC236}">
+                <a16:creationId xmlns:a16="http://schemas.microsoft.com/office/drawing/2014/main" id="{4E4B5157-DAC0-4B08-85AE-AE78C0630ABE}"/>
+              </a:ext>
+            </a:extLst>
+          </p:cNvPr>
+          <p:cNvSpPr txBox="1"/>
+          <p:nvPr/>
+        </p:nvSpPr>
+        <p:spPr>
+          <a:xfrm>
+            <a:off x="4877351" y="2188599"/>
+            <a:ext cx="1639393" cy="200055"/>
+          </a:xfrm>
+          <a:prstGeom prst="rect">
+            <a:avLst/>
+          </a:prstGeom>
+          <a:noFill/>
+        </p:spPr>
+        <p:txBody>
+          <a:bodyPr wrap="square" rtlCol="0">
+            <a:spAutoFit/>
+          </a:bodyPr>
+          <a:lstStyle/>
+          <a:p>
+            <a:r>
+              <a:rPr lang="en-US" sz="700" dirty="0">
+                <a:latin typeface="Times New Roman" panose="02020603050405020304" pitchFamily="18" charset="0"/>
+                <a:ea typeface="SimSun" panose="02010600030101010101" pitchFamily="2" charset="-122"/>
+                <a:cs typeface="Times New Roman" panose="02020603050405020304" pitchFamily="18" charset="0"/>
+              </a:rPr>
+              <a:t>Virtual memory of serverless function </a:t>
+            </a:r>
+            <a:r>
+              <a:rPr lang="en-US" altLang="zh-CN" sz="700" dirty="0">
+                <a:latin typeface="Times New Roman" panose="02020603050405020304" pitchFamily="18" charset="0"/>
+                <a:ea typeface="SimSun" panose="02010600030101010101" pitchFamily="2" charset="-122"/>
+                <a:cs typeface="Times New Roman" panose="02020603050405020304" pitchFamily="18" charset="0"/>
+              </a:rPr>
+              <a:t>B</a:t>
+            </a:r>
+            <a:endParaRPr lang="en-CN" sz="700" dirty="0">
+              <a:latin typeface="Times New Roman" panose="02020603050405020304" pitchFamily="18" charset="0"/>
+              <a:ea typeface="SimSun" panose="02010600030101010101" pitchFamily="2" charset="-122"/>
+              <a:cs typeface="Times New Roman" panose="02020603050405020304" pitchFamily="18" charset="0"/>
+            </a:endParaRPr>
+          </a:p>
+        </p:txBody>
+      </p:sp>
+      <p:sp>
+        <p:nvSpPr>
+          <p:cNvPr id="40" name="Rectangle 34">
+            <a:extLst>
+              <a:ext uri="{FF2B5EF4-FFF2-40B4-BE49-F238E27FC236}">
+                <a16:creationId xmlns:a16="http://schemas.microsoft.com/office/drawing/2014/main" id="{5CE10757-1396-41DD-9BA1-03A719355AAC}"/>
+              </a:ext>
+            </a:extLst>
+          </p:cNvPr>
+          <p:cNvSpPr/>
+          <p:nvPr/>
+        </p:nvSpPr>
+        <p:spPr>
+          <a:xfrm>
+            <a:off x="5081760" y="3202756"/>
+            <a:ext cx="1478280" cy="206348"/>
+          </a:xfrm>
+          <a:prstGeom prst="rect">
+            <a:avLst/>
+          </a:prstGeom>
+          <a:ln w="12700">
+            <a:prstDash val="solid"/>
+          </a:ln>
+        </p:spPr>
+        <p:style>
+          <a:lnRef idx="2">
+            <a:schemeClr val="dk1"/>
+          </a:lnRef>
+          <a:fillRef idx="1">
+            <a:schemeClr val="lt1"/>
+          </a:fillRef>
+          <a:effectRef idx="0">
+            <a:schemeClr val="dk1"/>
+          </a:effectRef>
+          <a:fontRef idx="minor">
+            <a:schemeClr val="dk1"/>
+          </a:fontRef>
+        </p:style>
+        <p:txBody>
+          <a:bodyPr rtlCol="0" anchor="ctr"/>
+          <a:lstStyle/>
+          <a:p>
+            <a:pPr algn="ctr"/>
+            <a:r>
+              <a:rPr lang="en-US" sz="825" dirty="0">
+                <a:latin typeface="Times New Roman" panose="02020603050405020304" pitchFamily="18" charset="0"/>
+                <a:ea typeface="SimSun" panose="02010600030101010101" pitchFamily="2" charset="-122"/>
+                <a:cs typeface="Times New Roman" panose="02020603050405020304" pitchFamily="18" charset="0"/>
+              </a:rPr>
+              <a:t>Memory data</a:t>
+            </a:r>
+            <a:endParaRPr lang="en-CN" sz="825" dirty="0">
+              <a:latin typeface="Times New Roman" panose="02020603050405020304" pitchFamily="18" charset="0"/>
+              <a:ea typeface="SimSun" panose="02010600030101010101" pitchFamily="2" charset="-122"/>
+              <a:cs typeface="Times New Roman" panose="02020603050405020304" pitchFamily="18" charset="0"/>
+            </a:endParaRPr>
+          </a:p>
+        </p:txBody>
+      </p:sp>
+      <p:sp>
+        <p:nvSpPr>
+          <p:cNvPr id="41" name="Rectangle 34">
+            <a:extLst>
+              <a:ext uri="{FF2B5EF4-FFF2-40B4-BE49-F238E27FC236}">
+                <a16:creationId xmlns:a16="http://schemas.microsoft.com/office/drawing/2014/main" id="{8666D54C-D676-4464-8359-501F7B306173}"/>
+              </a:ext>
+            </a:extLst>
+          </p:cNvPr>
+          <p:cNvSpPr/>
+          <p:nvPr/>
+        </p:nvSpPr>
+        <p:spPr>
+          <a:xfrm>
+            <a:off x="5080374" y="2459985"/>
+            <a:ext cx="1478280" cy="206348"/>
+          </a:xfrm>
+          <a:prstGeom prst="rect">
+            <a:avLst/>
+          </a:prstGeom>
+          <a:ln w="12700">
+            <a:prstDash val="solid"/>
+          </a:ln>
+        </p:spPr>
+        <p:style>
+          <a:lnRef idx="2">
+            <a:schemeClr val="dk1"/>
+          </a:lnRef>
+          <a:fillRef idx="1">
+            <a:schemeClr val="lt1"/>
+          </a:fillRef>
+          <a:effectRef idx="0">
+            <a:schemeClr val="dk1"/>
+          </a:effectRef>
+          <a:fontRef idx="minor">
+            <a:schemeClr val="dk1"/>
+          </a:fontRef>
+        </p:style>
+        <p:txBody>
+          <a:bodyPr rtlCol="0" anchor="ctr"/>
+          <a:lstStyle/>
+          <a:p>
+            <a:pPr algn="ctr"/>
+            <a:r>
+              <a:rPr lang="en-US" sz="825" dirty="0">
+                <a:latin typeface="Times New Roman" panose="02020603050405020304" pitchFamily="18" charset="0"/>
+                <a:ea typeface="SimSun" panose="02010600030101010101" pitchFamily="2" charset="-122"/>
+                <a:cs typeface="Times New Roman" panose="02020603050405020304" pitchFamily="18" charset="0"/>
+              </a:rPr>
+              <a:t>Memory data</a:t>
+            </a:r>
+            <a:endParaRPr lang="en-CN" sz="825" dirty="0">
+              <a:latin typeface="Times New Roman" panose="02020603050405020304" pitchFamily="18" charset="0"/>
+              <a:ea typeface="SimSun" panose="02010600030101010101" pitchFamily="2" charset="-122"/>
+              <a:cs typeface="Times New Roman" panose="02020603050405020304" pitchFamily="18" charset="0"/>
+            </a:endParaRPr>
+          </a:p>
+        </p:txBody>
+      </p:sp>
+      <p:cxnSp>
+        <p:nvCxnSpPr>
+          <p:cNvPr id="42" name="直接箭头连接符 41">
+            <a:extLst>
+              <a:ext uri="{FF2B5EF4-FFF2-40B4-BE49-F238E27FC236}">
+                <a16:creationId xmlns:a16="http://schemas.microsoft.com/office/drawing/2014/main" id="{6CED2069-AA50-4315-8C4C-BEDD81A36AC6}"/>
+              </a:ext>
+            </a:extLst>
+          </p:cNvPr>
+          <p:cNvCxnSpPr>
+            <a:cxnSpLocks/>
+            <a:stCxn id="40" idx="0"/>
+            <a:endCxn id="41" idx="2"/>
+          </p:cNvCxnSpPr>
+          <p:nvPr/>
+        </p:nvCxnSpPr>
+        <p:spPr>
+          <a:xfrm flipH="1" flipV="1">
+            <a:off x="5819514" y="2666333"/>
+            <a:ext cx="1386" cy="536423"/>
+          </a:xfrm>
+          <a:prstGeom prst="straightConnector1">
+            <a:avLst/>
+          </a:prstGeom>
+          <a:ln>
+            <a:tailEnd type="triangle"/>
+          </a:ln>
+        </p:spPr>
+        <p:style>
+          <a:lnRef idx="1">
+            <a:schemeClr val="dk1"/>
+          </a:lnRef>
+          <a:fillRef idx="0">
+            <a:schemeClr val="dk1"/>
+          </a:fillRef>
+          <a:effectRef idx="0">
+            <a:schemeClr val="dk1"/>
+          </a:effectRef>
+          <a:fontRef idx="minor">
+            <a:schemeClr val="tx1"/>
+          </a:fontRef>
+        </p:style>
+      </p:cxnSp>
+    </p:spTree>
+    <p:extLst>
+      <p:ext uri="{BB962C8B-B14F-4D97-AF65-F5344CB8AC3E}">
+        <p14:creationId xmlns:p14="http://schemas.microsoft.com/office/powerpoint/2010/main" val="3283541468"/>
+      </p:ext>
+    </p:extLst>
+  </p:cSld>
+  <p:clrMapOvr>
+    <a:masterClrMapping/>
+  </p:clrMapOvr>
+</p:sld>
+</file>
+
+<file path=ppt/slides/slide7.xml><?xml version="1.0" encoding="utf-8"?>
+<p:sld xmlns:a="http://schemas.openxmlformats.org/drawingml/2006/main" xmlns:r="http://schemas.openxmlformats.org/officeDocument/2006/relationships" xmlns:p="http://schemas.openxmlformats.org/presentationml/2006/main">
+  <p:cSld>
+    <p:spTree>
+      <p:nvGrpSpPr>
+        <p:cNvPr id="1" name=""/>
+        <p:cNvGrpSpPr/>
+        <p:nvPr/>
+      </p:nvGrpSpPr>
+      <p:grpSpPr>
+        <a:xfrm>
+          <a:off x="0" y="0"/>
+          <a:ext cx="0" cy="0"/>
+          <a:chOff x="0" y="0"/>
+          <a:chExt cx="0" cy="0"/>
+        </a:xfrm>
+      </p:grpSpPr>
+      <p:sp>
+        <p:nvSpPr>
+          <p:cNvPr id="4" name="Document 2">
+            <a:extLst>
+              <a:ext uri="{FF2B5EF4-FFF2-40B4-BE49-F238E27FC236}">
+                <a16:creationId xmlns:a16="http://schemas.microsoft.com/office/drawing/2014/main" id="{A40D91E2-0A85-46F3-8570-021B1C2077CE}"/>
+              </a:ext>
+            </a:extLst>
+          </p:cNvPr>
+          <p:cNvSpPr/>
+          <p:nvPr/>
+        </p:nvSpPr>
+        <p:spPr>
+          <a:xfrm>
+            <a:off x="4646591" y="4081384"/>
+            <a:ext cx="922490" cy="258206"/>
+          </a:xfrm>
+          <a:prstGeom prst="flowChartDocument">
+            <a:avLst/>
+          </a:prstGeom>
+          <a:solidFill>
+            <a:schemeClr val="bg1">
+              <a:lumMod val="75000"/>
+            </a:schemeClr>
+          </a:solidFill>
+          <a:ln w="12700">
+            <a:solidFill>
+              <a:schemeClr val="tx1">
+                <a:lumMod val="75000"/>
+                <a:lumOff val="25000"/>
+              </a:schemeClr>
+            </a:solidFill>
+          </a:ln>
+        </p:spPr>
+        <p:style>
+          <a:lnRef idx="2">
+            <a:schemeClr val="dk1"/>
+          </a:lnRef>
+          <a:fillRef idx="1">
+            <a:schemeClr val="lt1"/>
+          </a:fillRef>
+          <a:effectRef idx="0">
+            <a:schemeClr val="dk1"/>
+          </a:effectRef>
+          <a:fontRef idx="minor">
+            <a:schemeClr val="dk1"/>
+          </a:fontRef>
+        </p:style>
+        <p:txBody>
+          <a:bodyPr rtlCol="0" anchor="ctr"/>
+          <a:lstStyle/>
+          <a:p>
+            <a:pPr algn="ctr"/>
+            <a:endParaRPr lang="en-CN" sz="1350">
+              <a:latin typeface="Times New Roman" panose="02020603050405020304" pitchFamily="18" charset="0"/>
+              <a:cs typeface="Times New Roman" panose="02020603050405020304" pitchFamily="18" charset="0"/>
+            </a:endParaRPr>
+          </a:p>
+        </p:txBody>
+      </p:sp>
+      <p:sp>
+        <p:nvSpPr>
+          <p:cNvPr id="5" name="TextBox 25">
+            <a:extLst>
+              <a:ext uri="{FF2B5EF4-FFF2-40B4-BE49-F238E27FC236}">
+                <a16:creationId xmlns:a16="http://schemas.microsoft.com/office/drawing/2014/main" id="{F41A2652-C626-4531-B80A-1E4FB1076CA5}"/>
+              </a:ext>
+            </a:extLst>
+          </p:cNvPr>
+          <p:cNvSpPr txBox="1"/>
+          <p:nvPr/>
+        </p:nvSpPr>
+        <p:spPr>
+          <a:xfrm>
+            <a:off x="4643520" y="4074132"/>
+            <a:ext cx="1226006" cy="213585"/>
+          </a:xfrm>
+          <a:prstGeom prst="rect">
+            <a:avLst/>
+          </a:prstGeom>
+          <a:noFill/>
+        </p:spPr>
+        <p:txBody>
+          <a:bodyPr wrap="square" rtlCol="0">
+            <a:spAutoFit/>
+          </a:bodyPr>
+          <a:lstStyle/>
+          <a:p>
+            <a:r>
+              <a:rPr lang="en-US" sz="788" dirty="0">
+                <a:latin typeface="Times New Roman" panose="02020603050405020304" pitchFamily="18" charset="0"/>
+                <a:ea typeface="SimSun" panose="02010600030101010101" pitchFamily="2" charset="-122"/>
+                <a:cs typeface="Times New Roman" panose="02020603050405020304" pitchFamily="18" charset="0"/>
+              </a:rPr>
+              <a:t>Checkpoint data</a:t>
+            </a:r>
+            <a:endParaRPr lang="en-CN" sz="788" dirty="0">
+              <a:latin typeface="Times New Roman" panose="02020603050405020304" pitchFamily="18" charset="0"/>
+              <a:ea typeface="SimSun" panose="02010600030101010101" pitchFamily="2" charset="-122"/>
+              <a:cs typeface="Times New Roman" panose="02020603050405020304" pitchFamily="18" charset="0"/>
+            </a:endParaRPr>
+          </a:p>
+        </p:txBody>
+      </p:sp>
+      <p:cxnSp>
+        <p:nvCxnSpPr>
+          <p:cNvPr id="8" name="Straight Connector 10">
+            <a:extLst>
+              <a:ext uri="{FF2B5EF4-FFF2-40B4-BE49-F238E27FC236}">
+                <a16:creationId xmlns:a16="http://schemas.microsoft.com/office/drawing/2014/main" id="{9054A735-BFD1-4743-BC80-3AF0ED2D4E80}"/>
+              </a:ext>
+            </a:extLst>
+          </p:cNvPr>
+          <p:cNvCxnSpPr>
+            <a:cxnSpLocks/>
+          </p:cNvCxnSpPr>
+          <p:nvPr/>
+        </p:nvCxnSpPr>
+        <p:spPr>
+          <a:xfrm>
+            <a:off x="4200471" y="3894061"/>
+            <a:ext cx="2492927" cy="0"/>
+          </a:xfrm>
+          <a:prstGeom prst="line">
+            <a:avLst/>
+          </a:prstGeom>
+        </p:spPr>
+        <p:style>
+          <a:lnRef idx="1">
+            <a:schemeClr val="dk1"/>
+          </a:lnRef>
+          <a:fillRef idx="0">
+            <a:schemeClr val="dk1"/>
+          </a:fillRef>
+          <a:effectRef idx="0">
+            <a:schemeClr val="dk1"/>
+          </a:effectRef>
+          <a:fontRef idx="minor">
+            <a:schemeClr val="tx1"/>
+          </a:fontRef>
+        </p:style>
+      </p:cxnSp>
+      <p:sp>
+        <p:nvSpPr>
+          <p:cNvPr id="9" name="Rectangle 29">
+            <a:extLst>
+              <a:ext uri="{FF2B5EF4-FFF2-40B4-BE49-F238E27FC236}">
+                <a16:creationId xmlns:a16="http://schemas.microsoft.com/office/drawing/2014/main" id="{168888BC-0253-4B91-9482-6F2DA20870DA}"/>
+              </a:ext>
+            </a:extLst>
+          </p:cNvPr>
+          <p:cNvSpPr/>
+          <p:nvPr/>
+        </p:nvSpPr>
+        <p:spPr>
+          <a:xfrm>
+            <a:off x="3756661" y="1767973"/>
+            <a:ext cx="1639394" cy="883778"/>
+          </a:xfrm>
+          <a:prstGeom prst="rect">
+            <a:avLst/>
+          </a:prstGeom>
+          <a:ln w="12700">
+            <a:solidFill>
+              <a:schemeClr val="tx1">
+                <a:lumMod val="75000"/>
+                <a:lumOff val="25000"/>
+              </a:schemeClr>
+            </a:solidFill>
+            <a:prstDash val="dash"/>
+          </a:ln>
+        </p:spPr>
+        <p:style>
+          <a:lnRef idx="2">
+            <a:schemeClr val="dk1"/>
+          </a:lnRef>
+          <a:fillRef idx="1">
+            <a:schemeClr val="lt1"/>
+          </a:fillRef>
+          <a:effectRef idx="0">
+            <a:schemeClr val="dk1"/>
+          </a:effectRef>
+          <a:fontRef idx="minor">
+            <a:schemeClr val="dk1"/>
+          </a:fontRef>
+        </p:style>
+        <p:txBody>
+          <a:bodyPr rtlCol="0" anchor="ctr"/>
+          <a:lstStyle/>
+          <a:p>
+            <a:pPr algn="ctr"/>
+            <a:endParaRPr lang="en-CN" sz="1350">
+              <a:latin typeface="Times New Roman" panose="02020603050405020304" pitchFamily="18" charset="0"/>
+              <a:cs typeface="Times New Roman" panose="02020603050405020304" pitchFamily="18" charset="0"/>
+            </a:endParaRPr>
+          </a:p>
+        </p:txBody>
+      </p:sp>
+      <p:sp>
+        <p:nvSpPr>
+          <p:cNvPr id="11" name="Rectangle 46">
+            <a:extLst>
+              <a:ext uri="{FF2B5EF4-FFF2-40B4-BE49-F238E27FC236}">
+                <a16:creationId xmlns:a16="http://schemas.microsoft.com/office/drawing/2014/main" id="{C0F52028-919E-4C71-ABAB-AE6B8848E627}"/>
+              </a:ext>
+            </a:extLst>
+          </p:cNvPr>
+          <p:cNvSpPr/>
+          <p:nvPr/>
+        </p:nvSpPr>
+        <p:spPr>
+          <a:xfrm>
+            <a:off x="3881429" y="1978100"/>
+            <a:ext cx="1310908" cy="206348"/>
+          </a:xfrm>
+          <a:prstGeom prst="rect">
+            <a:avLst/>
+          </a:prstGeom>
+          <a:ln w="12700"/>
+        </p:spPr>
+        <p:style>
+          <a:lnRef idx="2">
+            <a:schemeClr val="dk1"/>
+          </a:lnRef>
+          <a:fillRef idx="1">
+            <a:schemeClr val="lt1"/>
+          </a:fillRef>
+          <a:effectRef idx="0">
+            <a:schemeClr val="dk1"/>
+          </a:effectRef>
+          <a:fontRef idx="minor">
+            <a:schemeClr val="dk1"/>
+          </a:fontRef>
+        </p:style>
+        <p:txBody>
+          <a:bodyPr rtlCol="0" anchor="ctr"/>
+          <a:lstStyle/>
+          <a:p>
+            <a:pPr algn="ctr"/>
+            <a:r>
+              <a:rPr lang="en-US" sz="825" dirty="0">
+                <a:latin typeface="Times New Roman" panose="02020603050405020304" pitchFamily="18" charset="0"/>
+                <a:ea typeface="SimSun" panose="02010600030101010101" pitchFamily="2" charset="-122"/>
+                <a:cs typeface="Times New Roman" panose="02020603050405020304" pitchFamily="18" charset="0"/>
+              </a:rPr>
+              <a:t>Private memory data</a:t>
+            </a:r>
+            <a:endParaRPr lang="en-CN" sz="825" dirty="0">
+              <a:latin typeface="Times New Roman" panose="02020603050405020304" pitchFamily="18" charset="0"/>
+              <a:ea typeface="SimSun" panose="02010600030101010101" pitchFamily="2" charset="-122"/>
+              <a:cs typeface="Times New Roman" panose="02020603050405020304" pitchFamily="18" charset="0"/>
+            </a:endParaRPr>
+          </a:p>
+        </p:txBody>
+      </p:sp>
+      <p:sp>
+        <p:nvSpPr>
+          <p:cNvPr id="12" name="Rectangle 47">
+            <a:extLst>
+              <a:ext uri="{FF2B5EF4-FFF2-40B4-BE49-F238E27FC236}">
+                <a16:creationId xmlns:a16="http://schemas.microsoft.com/office/drawing/2014/main" id="{86FB6C12-19B4-42C0-BD4B-1D67772FD432}"/>
+              </a:ext>
+            </a:extLst>
+          </p:cNvPr>
+          <p:cNvSpPr/>
+          <p:nvPr/>
+        </p:nvSpPr>
+        <p:spPr>
+          <a:xfrm>
+            <a:off x="3881429" y="2369553"/>
+            <a:ext cx="1310908" cy="206348"/>
+          </a:xfrm>
+          <a:prstGeom prst="rect">
+            <a:avLst/>
+          </a:prstGeom>
+          <a:ln w="12700"/>
+        </p:spPr>
+        <p:style>
+          <a:lnRef idx="2">
+            <a:schemeClr val="dk1"/>
+          </a:lnRef>
+          <a:fillRef idx="1">
+            <a:schemeClr val="lt1"/>
+          </a:fillRef>
+          <a:effectRef idx="0">
+            <a:schemeClr val="dk1"/>
+          </a:effectRef>
+          <a:fontRef idx="minor">
+            <a:schemeClr val="dk1"/>
+          </a:fontRef>
+        </p:style>
+        <p:txBody>
+          <a:bodyPr rtlCol="0" anchor="ctr"/>
+          <a:lstStyle/>
+          <a:p>
+            <a:pPr algn="ctr"/>
+            <a:r>
+              <a:rPr lang="en-US" sz="825" dirty="0">
+                <a:latin typeface="Times New Roman" panose="02020603050405020304" pitchFamily="18" charset="0"/>
+                <a:ea typeface="SimSun" panose="02010600030101010101" pitchFamily="2" charset="-122"/>
+                <a:cs typeface="Times New Roman" panose="02020603050405020304" pitchFamily="18" charset="0"/>
+              </a:rPr>
+              <a:t>Shared memory data</a:t>
+            </a:r>
+            <a:endParaRPr lang="en-CN" sz="825" dirty="0">
+              <a:latin typeface="Times New Roman" panose="02020603050405020304" pitchFamily="18" charset="0"/>
+              <a:ea typeface="SimSun" panose="02010600030101010101" pitchFamily="2" charset="-122"/>
+              <a:cs typeface="Times New Roman" panose="02020603050405020304" pitchFamily="18" charset="0"/>
+            </a:endParaRPr>
+          </a:p>
+        </p:txBody>
+      </p:sp>
+      <p:cxnSp>
+        <p:nvCxnSpPr>
+          <p:cNvPr id="13" name="Curved Connector 12">
+            <a:extLst>
+              <a:ext uri="{FF2B5EF4-FFF2-40B4-BE49-F238E27FC236}">
+                <a16:creationId xmlns:a16="http://schemas.microsoft.com/office/drawing/2014/main" id="{27102E4F-1EF5-4E77-95DA-7F2DE9553009}"/>
+              </a:ext>
+            </a:extLst>
+          </p:cNvPr>
+          <p:cNvCxnSpPr>
+            <a:cxnSpLocks/>
+            <a:stCxn id="12" idx="3"/>
+            <a:endCxn id="11" idx="3"/>
+          </p:cNvCxnSpPr>
+          <p:nvPr/>
+        </p:nvCxnSpPr>
+        <p:spPr>
+          <a:xfrm flipV="1">
+            <a:off x="5192337" y="2081274"/>
+            <a:ext cx="12700" cy="391453"/>
+          </a:xfrm>
+          <a:prstGeom prst="curvedConnector3">
+            <a:avLst>
+              <a:gd name="adj1" fmla="val 1200000"/>
+            </a:avLst>
+          </a:prstGeom>
+          <a:ln>
+            <a:tailEnd type="triangle"/>
+          </a:ln>
+        </p:spPr>
+        <p:style>
+          <a:lnRef idx="1">
+            <a:schemeClr val="dk1"/>
+          </a:lnRef>
+          <a:fillRef idx="0">
+            <a:schemeClr val="dk1"/>
+          </a:fillRef>
+          <a:effectRef idx="0">
+            <a:schemeClr val="dk1"/>
+          </a:effectRef>
+          <a:fontRef idx="minor">
+            <a:schemeClr val="tx1"/>
+          </a:fontRef>
+        </p:style>
+      </p:cxnSp>
+      <p:sp>
+        <p:nvSpPr>
+          <p:cNvPr id="14" name="TextBox 56">
+            <a:extLst>
+              <a:ext uri="{FF2B5EF4-FFF2-40B4-BE49-F238E27FC236}">
+                <a16:creationId xmlns:a16="http://schemas.microsoft.com/office/drawing/2014/main" id="{63A1DF27-740B-42D6-9E0D-F7EF72C074E7}"/>
+              </a:ext>
+            </a:extLst>
+          </p:cNvPr>
+          <p:cNvSpPr txBox="1"/>
+          <p:nvPr/>
+        </p:nvSpPr>
+        <p:spPr>
+          <a:xfrm>
+            <a:off x="4293099" y="2173749"/>
+            <a:ext cx="1310909" cy="213585"/>
+          </a:xfrm>
+          <a:prstGeom prst="rect">
+            <a:avLst/>
+          </a:prstGeom>
+          <a:noFill/>
+        </p:spPr>
+        <p:txBody>
+          <a:bodyPr wrap="square" rtlCol="0">
+            <a:spAutoFit/>
+          </a:bodyPr>
+          <a:lstStyle/>
+          <a:p>
+            <a:r>
+              <a:rPr lang="en-CN" sz="788" dirty="0">
+                <a:latin typeface="Times New Roman" panose="02020603050405020304" pitchFamily="18" charset="0"/>
+                <a:ea typeface="SimSun" panose="02010600030101010101" pitchFamily="2" charset="-122"/>
+                <a:cs typeface="Times New Roman" panose="02020603050405020304" pitchFamily="18" charset="0"/>
+              </a:rPr>
+              <a:t>COW</a:t>
+            </a:r>
+            <a:r>
+              <a:rPr lang="en-US" altLang="zh-CN" sz="788" dirty="0">
+                <a:latin typeface="Times New Roman" panose="02020603050405020304" pitchFamily="18" charset="0"/>
+                <a:ea typeface="SimSun" panose="02010600030101010101" pitchFamily="2" charset="-122"/>
+                <a:cs typeface="Times New Roman" panose="02020603050405020304" pitchFamily="18" charset="0"/>
+              </a:rPr>
+              <a:t>(Copy</a:t>
+            </a:r>
+            <a:r>
+              <a:rPr lang="zh-CN" altLang="en-US" sz="788" dirty="0">
+                <a:latin typeface="Times New Roman" panose="02020603050405020304" pitchFamily="18" charset="0"/>
+                <a:ea typeface="SimSun" panose="02010600030101010101" pitchFamily="2" charset="-122"/>
+                <a:cs typeface="Times New Roman" panose="02020603050405020304" pitchFamily="18" charset="0"/>
+              </a:rPr>
+              <a:t> </a:t>
+            </a:r>
+            <a:r>
+              <a:rPr lang="en-US" altLang="zh-CN" sz="788" dirty="0">
+                <a:latin typeface="Times New Roman" panose="02020603050405020304" pitchFamily="18" charset="0"/>
+                <a:ea typeface="SimSun" panose="02010600030101010101" pitchFamily="2" charset="-122"/>
+                <a:cs typeface="Times New Roman" panose="02020603050405020304" pitchFamily="18" charset="0"/>
+              </a:rPr>
+              <a:t>On</a:t>
+            </a:r>
+            <a:r>
+              <a:rPr lang="zh-CN" altLang="en-US" sz="788" dirty="0">
+                <a:latin typeface="Times New Roman" panose="02020603050405020304" pitchFamily="18" charset="0"/>
+                <a:ea typeface="SimSun" panose="02010600030101010101" pitchFamily="2" charset="-122"/>
+                <a:cs typeface="Times New Roman" panose="02020603050405020304" pitchFamily="18" charset="0"/>
+              </a:rPr>
+              <a:t> </a:t>
+            </a:r>
+            <a:r>
+              <a:rPr lang="en-US" altLang="zh-CN" sz="788" dirty="0">
+                <a:latin typeface="Times New Roman" panose="02020603050405020304" pitchFamily="18" charset="0"/>
+                <a:ea typeface="SimSun" panose="02010600030101010101" pitchFamily="2" charset="-122"/>
+                <a:cs typeface="Times New Roman" panose="02020603050405020304" pitchFamily="18" charset="0"/>
+              </a:rPr>
+              <a:t>Write)</a:t>
+            </a:r>
+            <a:endParaRPr lang="en-CN" sz="788" dirty="0">
+              <a:latin typeface="Times New Roman" panose="02020603050405020304" pitchFamily="18" charset="0"/>
+              <a:ea typeface="SimSun" panose="02010600030101010101" pitchFamily="2" charset="-122"/>
+              <a:cs typeface="Times New Roman" panose="02020603050405020304" pitchFamily="18" charset="0"/>
+            </a:endParaRPr>
+          </a:p>
+        </p:txBody>
+      </p:sp>
+      <p:sp>
+        <p:nvSpPr>
+          <p:cNvPr id="21" name="TextBox 68">
+            <a:extLst>
+              <a:ext uri="{FF2B5EF4-FFF2-40B4-BE49-F238E27FC236}">
+                <a16:creationId xmlns:a16="http://schemas.microsoft.com/office/drawing/2014/main" id="{9345B533-29BB-43BB-BEA8-CB394FF0F46E}"/>
+              </a:ext>
+            </a:extLst>
+          </p:cNvPr>
+          <p:cNvSpPr txBox="1"/>
+          <p:nvPr/>
+        </p:nvSpPr>
+        <p:spPr>
+          <a:xfrm>
+            <a:off x="6498188" y="2903990"/>
+            <a:ext cx="979098" cy="213585"/>
+          </a:xfrm>
+          <a:prstGeom prst="rect">
+            <a:avLst/>
+          </a:prstGeom>
+          <a:noFill/>
+        </p:spPr>
+        <p:txBody>
+          <a:bodyPr wrap="square" rtlCol="0">
+            <a:spAutoFit/>
+          </a:bodyPr>
+          <a:lstStyle/>
+          <a:p>
+            <a:r>
+              <a:rPr lang="en-US" sz="788" dirty="0">
+                <a:latin typeface="Times New Roman" panose="02020603050405020304" pitchFamily="18" charset="0"/>
+                <a:ea typeface="SimSun" panose="02010600030101010101" pitchFamily="2" charset="-122"/>
+                <a:cs typeface="Times New Roman" panose="02020603050405020304" pitchFamily="18" charset="0"/>
+              </a:rPr>
+              <a:t>Shared mapping</a:t>
+            </a:r>
+            <a:endParaRPr lang="en-CN" sz="788" dirty="0">
+              <a:latin typeface="Times New Roman" panose="02020603050405020304" pitchFamily="18" charset="0"/>
+              <a:ea typeface="SimSun" panose="02010600030101010101" pitchFamily="2" charset="-122"/>
+              <a:cs typeface="Times New Roman" panose="02020603050405020304" pitchFamily="18" charset="0"/>
+            </a:endParaRPr>
+          </a:p>
+        </p:txBody>
+      </p:sp>
+      <p:sp>
+        <p:nvSpPr>
+          <p:cNvPr id="22" name="TextBox 27">
+            <a:extLst>
+              <a:ext uri="{FF2B5EF4-FFF2-40B4-BE49-F238E27FC236}">
+                <a16:creationId xmlns:a16="http://schemas.microsoft.com/office/drawing/2014/main" id="{1831D5CD-C59D-4F54-9747-C7A2DEE23BEB}"/>
+              </a:ext>
+            </a:extLst>
+          </p:cNvPr>
+          <p:cNvSpPr txBox="1"/>
+          <p:nvPr/>
+        </p:nvSpPr>
+        <p:spPr>
+          <a:xfrm>
+            <a:off x="6270049" y="3898581"/>
+            <a:ext cx="443042" cy="213585"/>
+          </a:xfrm>
+          <a:prstGeom prst="rect">
+            <a:avLst/>
+          </a:prstGeom>
+          <a:noFill/>
+        </p:spPr>
+        <p:txBody>
+          <a:bodyPr wrap="square" rtlCol="0">
+            <a:spAutoFit/>
+          </a:bodyPr>
+          <a:lstStyle/>
+          <a:p>
+            <a:r>
+              <a:rPr lang="en-US" sz="788" dirty="0">
+                <a:latin typeface="Times New Roman" panose="02020603050405020304" pitchFamily="18" charset="0"/>
+                <a:ea typeface="SimSun" panose="02010600030101010101" pitchFamily="2" charset="-122"/>
+                <a:cs typeface="Times New Roman" panose="02020603050405020304" pitchFamily="18" charset="0"/>
+              </a:rPr>
+              <a:t>Disk</a:t>
+            </a:r>
+            <a:endParaRPr lang="en-CN" sz="788" dirty="0">
+              <a:latin typeface="Times New Roman" panose="02020603050405020304" pitchFamily="18" charset="0"/>
+              <a:ea typeface="SimSun" panose="02010600030101010101" pitchFamily="2" charset="-122"/>
+              <a:cs typeface="Times New Roman" panose="02020603050405020304" pitchFamily="18" charset="0"/>
+            </a:endParaRPr>
+          </a:p>
+        </p:txBody>
+      </p:sp>
+      <p:sp>
+        <p:nvSpPr>
+          <p:cNvPr id="23" name="TextBox 28">
+            <a:extLst>
+              <a:ext uri="{FF2B5EF4-FFF2-40B4-BE49-F238E27FC236}">
+                <a16:creationId xmlns:a16="http://schemas.microsoft.com/office/drawing/2014/main" id="{85BAC428-CB7B-4941-8E33-6DD377A89AEA}"/>
+              </a:ext>
+            </a:extLst>
+          </p:cNvPr>
+          <p:cNvSpPr txBox="1"/>
+          <p:nvPr/>
+        </p:nvSpPr>
+        <p:spPr>
+          <a:xfrm>
+            <a:off x="5907601" y="3675957"/>
+            <a:ext cx="1025183" cy="213585"/>
+          </a:xfrm>
+          <a:prstGeom prst="rect">
+            <a:avLst/>
+          </a:prstGeom>
+          <a:noFill/>
+        </p:spPr>
+        <p:txBody>
+          <a:bodyPr wrap="square" rtlCol="0">
+            <a:spAutoFit/>
+          </a:bodyPr>
+          <a:lstStyle/>
+          <a:p>
+            <a:r>
+              <a:rPr lang="en-US" altLang="zh-CN" sz="788" dirty="0">
+                <a:latin typeface="Times New Roman" panose="02020603050405020304" pitchFamily="18" charset="0"/>
+                <a:ea typeface="SimSun" panose="02010600030101010101" pitchFamily="2" charset="-122"/>
+                <a:cs typeface="Times New Roman" panose="02020603050405020304" pitchFamily="18" charset="0"/>
+              </a:rPr>
+              <a:t>Physical memory</a:t>
+            </a:r>
+            <a:endParaRPr lang="en-CN" altLang="zh-CN" sz="788" dirty="0">
+              <a:latin typeface="Times New Roman" panose="02020603050405020304" pitchFamily="18" charset="0"/>
+              <a:ea typeface="SimSun" panose="02010600030101010101" pitchFamily="2" charset="-122"/>
+              <a:cs typeface="Times New Roman" panose="02020603050405020304" pitchFamily="18" charset="0"/>
+            </a:endParaRPr>
+          </a:p>
+        </p:txBody>
+      </p:sp>
+      <p:sp>
+        <p:nvSpPr>
+          <p:cNvPr id="24" name="Rectangle 34">
+            <a:extLst>
+              <a:ext uri="{FF2B5EF4-FFF2-40B4-BE49-F238E27FC236}">
+                <a16:creationId xmlns:a16="http://schemas.microsoft.com/office/drawing/2014/main" id="{8FA16A9C-0ACA-42A3-A3F5-556EE8002BF5}"/>
+              </a:ext>
+            </a:extLst>
+          </p:cNvPr>
+          <p:cNvSpPr/>
+          <p:nvPr/>
+        </p:nvSpPr>
+        <p:spPr>
+          <a:xfrm>
+            <a:off x="4503421" y="3309460"/>
+            <a:ext cx="1257300" cy="206348"/>
+          </a:xfrm>
+          <a:prstGeom prst="rect">
+            <a:avLst/>
+          </a:prstGeom>
+          <a:ln w="12700">
+            <a:prstDash val="sysDash"/>
+          </a:ln>
+        </p:spPr>
+        <p:style>
+          <a:lnRef idx="2">
+            <a:schemeClr val="dk1"/>
+          </a:lnRef>
+          <a:fillRef idx="1">
+            <a:schemeClr val="lt1"/>
+          </a:fillRef>
+          <a:effectRef idx="0">
+            <a:schemeClr val="dk1"/>
+          </a:effectRef>
+          <a:fontRef idx="minor">
+            <a:schemeClr val="dk1"/>
+          </a:fontRef>
+        </p:style>
+        <p:txBody>
+          <a:bodyPr rtlCol="0" anchor="ctr"/>
+          <a:lstStyle/>
+          <a:p>
+            <a:pPr algn="ctr"/>
+            <a:r>
+              <a:rPr lang="en-US" sz="825" dirty="0">
+                <a:latin typeface="Times New Roman" panose="02020603050405020304" pitchFamily="18" charset="0"/>
+                <a:ea typeface="SimSun" panose="02010600030101010101" pitchFamily="2" charset="-122"/>
+                <a:cs typeface="Times New Roman" panose="02020603050405020304" pitchFamily="18" charset="0"/>
+              </a:rPr>
+              <a:t>Shared memory data</a:t>
+            </a:r>
+            <a:endParaRPr lang="en-CN" sz="825" dirty="0">
+              <a:latin typeface="Times New Roman" panose="02020603050405020304" pitchFamily="18" charset="0"/>
+              <a:ea typeface="SimSun" panose="02010600030101010101" pitchFamily="2" charset="-122"/>
+              <a:cs typeface="Times New Roman" panose="02020603050405020304" pitchFamily="18" charset="0"/>
+            </a:endParaRPr>
+          </a:p>
+        </p:txBody>
+      </p:sp>
+      <p:cxnSp>
+        <p:nvCxnSpPr>
+          <p:cNvPr id="25" name="Straight Arrow Connector 35">
+            <a:extLst>
+              <a:ext uri="{FF2B5EF4-FFF2-40B4-BE49-F238E27FC236}">
+                <a16:creationId xmlns:a16="http://schemas.microsoft.com/office/drawing/2014/main" id="{BC959B4E-F070-49A3-81BF-0221E50C290D}"/>
+              </a:ext>
+            </a:extLst>
+          </p:cNvPr>
+          <p:cNvCxnSpPr>
+            <a:cxnSpLocks/>
+          </p:cNvCxnSpPr>
+          <p:nvPr/>
+        </p:nvCxnSpPr>
+        <p:spPr>
+          <a:xfrm flipH="1" flipV="1">
+            <a:off x="4503421" y="3515807"/>
+            <a:ext cx="143170" cy="565577"/>
+          </a:xfrm>
+          <a:prstGeom prst="straightConnector1">
+            <a:avLst/>
+          </a:prstGeom>
+          <a:ln>
+            <a:headEnd type="none" w="med" len="med"/>
+            <a:tailEnd type="none" w="med" len="med"/>
+          </a:ln>
+        </p:spPr>
+        <p:style>
+          <a:lnRef idx="1">
+            <a:schemeClr val="dk1"/>
+          </a:lnRef>
+          <a:fillRef idx="0">
+            <a:schemeClr val="dk1"/>
+          </a:fillRef>
+          <a:effectRef idx="0">
+            <a:schemeClr val="dk1"/>
+          </a:effectRef>
+          <a:fontRef idx="minor">
+            <a:schemeClr val="tx1"/>
+          </a:fontRef>
+        </p:style>
+      </p:cxnSp>
+      <p:cxnSp>
+        <p:nvCxnSpPr>
+          <p:cNvPr id="26" name="Straight Arrow Connector 37">
+            <a:extLst>
+              <a:ext uri="{FF2B5EF4-FFF2-40B4-BE49-F238E27FC236}">
+                <a16:creationId xmlns:a16="http://schemas.microsoft.com/office/drawing/2014/main" id="{775C08CF-0BBD-4074-A5FF-7A8ED3322036}"/>
+              </a:ext>
+            </a:extLst>
+          </p:cNvPr>
+          <p:cNvCxnSpPr>
+            <a:cxnSpLocks/>
+          </p:cNvCxnSpPr>
+          <p:nvPr/>
+        </p:nvCxnSpPr>
+        <p:spPr>
+          <a:xfrm flipV="1">
+            <a:off x="5569083" y="3515803"/>
+            <a:ext cx="191638" cy="565577"/>
+          </a:xfrm>
+          <a:prstGeom prst="straightConnector1">
+            <a:avLst/>
+          </a:prstGeom>
+          <a:ln>
+            <a:headEnd type="none" w="med" len="med"/>
+            <a:tailEnd type="none" w="med" len="med"/>
+          </a:ln>
+        </p:spPr>
+        <p:style>
+          <a:lnRef idx="1">
+            <a:schemeClr val="dk1"/>
+          </a:lnRef>
+          <a:fillRef idx="0">
+            <a:schemeClr val="dk1"/>
+          </a:fillRef>
+          <a:effectRef idx="0">
+            <a:schemeClr val="dk1"/>
+          </a:effectRef>
+          <a:fontRef idx="minor">
+            <a:schemeClr val="tx1"/>
+          </a:fontRef>
+        </p:style>
+      </p:cxnSp>
+      <p:cxnSp>
+        <p:nvCxnSpPr>
+          <p:cNvPr id="27" name="Straight Arrow Connector 40">
+            <a:extLst>
+              <a:ext uri="{FF2B5EF4-FFF2-40B4-BE49-F238E27FC236}">
+                <a16:creationId xmlns:a16="http://schemas.microsoft.com/office/drawing/2014/main" id="{36BDB152-263D-46F2-BDD5-A0F8CEB706EA}"/>
+              </a:ext>
+            </a:extLst>
+          </p:cNvPr>
+          <p:cNvCxnSpPr>
+            <a:cxnSpLocks/>
+          </p:cNvCxnSpPr>
+          <p:nvPr/>
+        </p:nvCxnSpPr>
+        <p:spPr>
+          <a:xfrm flipH="1" flipV="1">
+            <a:off x="3881429" y="2580458"/>
+            <a:ext cx="621993" cy="718047"/>
+          </a:xfrm>
+          <a:prstGeom prst="straightConnector1">
+            <a:avLst/>
+          </a:prstGeom>
+          <a:ln>
+            <a:headEnd type="none" w="med" len="med"/>
+            <a:tailEnd type="none" w="med" len="med"/>
+          </a:ln>
+        </p:spPr>
+        <p:style>
+          <a:lnRef idx="1">
+            <a:schemeClr val="dk1"/>
+          </a:lnRef>
+          <a:fillRef idx="0">
+            <a:schemeClr val="dk1"/>
+          </a:fillRef>
+          <a:effectRef idx="0">
+            <a:schemeClr val="dk1"/>
+          </a:effectRef>
+          <a:fontRef idx="minor">
+            <a:schemeClr val="tx1"/>
+          </a:fontRef>
+        </p:style>
+      </p:cxnSp>
+      <p:cxnSp>
+        <p:nvCxnSpPr>
+          <p:cNvPr id="28" name="Straight Arrow Connector 43">
+            <a:extLst>
+              <a:ext uri="{FF2B5EF4-FFF2-40B4-BE49-F238E27FC236}">
+                <a16:creationId xmlns:a16="http://schemas.microsoft.com/office/drawing/2014/main" id="{E0FB7B6D-3446-44A6-A083-40E123B07EC5}"/>
+              </a:ext>
+            </a:extLst>
+          </p:cNvPr>
+          <p:cNvCxnSpPr>
+            <a:cxnSpLocks/>
+          </p:cNvCxnSpPr>
+          <p:nvPr/>
+        </p:nvCxnSpPr>
+        <p:spPr>
+          <a:xfrm flipH="1" flipV="1">
+            <a:off x="5192333" y="2580458"/>
+            <a:ext cx="568388" cy="718046"/>
+          </a:xfrm>
+          <a:prstGeom prst="straightConnector1">
+            <a:avLst/>
+          </a:prstGeom>
+          <a:ln>
+            <a:headEnd type="none" w="med" len="med"/>
+            <a:tailEnd type="none" w="med" len="med"/>
+          </a:ln>
+        </p:spPr>
+        <p:style>
+          <a:lnRef idx="1">
+            <a:schemeClr val="dk1"/>
+          </a:lnRef>
+          <a:fillRef idx="0">
+            <a:schemeClr val="dk1"/>
+          </a:fillRef>
+          <a:effectRef idx="0">
+            <a:schemeClr val="dk1"/>
+          </a:effectRef>
+          <a:fontRef idx="minor">
+            <a:schemeClr val="tx1"/>
+          </a:fontRef>
+        </p:style>
+      </p:cxnSp>
+      <p:sp>
+        <p:nvSpPr>
+          <p:cNvPr id="31" name="TextBox 55">
+            <a:extLst>
+              <a:ext uri="{FF2B5EF4-FFF2-40B4-BE49-F238E27FC236}">
+                <a16:creationId xmlns:a16="http://schemas.microsoft.com/office/drawing/2014/main" id="{DC728A93-FAEE-407E-9D76-10E1C49217CB}"/>
+              </a:ext>
+            </a:extLst>
+          </p:cNvPr>
+          <p:cNvSpPr txBox="1"/>
+          <p:nvPr/>
+        </p:nvSpPr>
+        <p:spPr>
+          <a:xfrm>
+            <a:off x="3723334" y="2903990"/>
+            <a:ext cx="598233" cy="213585"/>
+          </a:xfrm>
+          <a:prstGeom prst="rect">
+            <a:avLst/>
+          </a:prstGeom>
+          <a:noFill/>
+        </p:spPr>
+        <p:txBody>
+          <a:bodyPr wrap="square" rtlCol="0">
+            <a:spAutoFit/>
+          </a:bodyPr>
+          <a:lstStyle/>
+          <a:p>
+            <a:r>
+              <a:rPr lang="en-US" sz="788" dirty="0">
+                <a:latin typeface="Times New Roman" panose="02020603050405020304" pitchFamily="18" charset="0"/>
+                <a:ea typeface="SimSun" panose="02010600030101010101" pitchFamily="2" charset="-122"/>
+                <a:cs typeface="Times New Roman" panose="02020603050405020304" pitchFamily="18" charset="0"/>
+              </a:rPr>
+              <a:t>Mapping</a:t>
+            </a:r>
+            <a:endParaRPr lang="en-CN" sz="788" dirty="0">
+              <a:latin typeface="Times New Roman" panose="02020603050405020304" pitchFamily="18" charset="0"/>
+              <a:ea typeface="SimSun" panose="02010600030101010101" pitchFamily="2" charset="-122"/>
+              <a:cs typeface="Times New Roman" panose="02020603050405020304" pitchFamily="18" charset="0"/>
+            </a:endParaRPr>
+          </a:p>
+        </p:txBody>
+      </p:sp>
+      <p:sp>
+        <p:nvSpPr>
+          <p:cNvPr id="42" name="TextBox 30">
+            <a:extLst>
+              <a:ext uri="{FF2B5EF4-FFF2-40B4-BE49-F238E27FC236}">
+                <a16:creationId xmlns:a16="http://schemas.microsoft.com/office/drawing/2014/main" id="{151D418B-1178-40BB-B10E-44DEC9050611}"/>
+              </a:ext>
+            </a:extLst>
+          </p:cNvPr>
+          <p:cNvSpPr txBox="1"/>
+          <p:nvPr/>
+        </p:nvSpPr>
+        <p:spPr>
+          <a:xfrm>
+            <a:off x="3707999" y="1746639"/>
+            <a:ext cx="1639393" cy="200055"/>
+          </a:xfrm>
+          <a:prstGeom prst="rect">
+            <a:avLst/>
+          </a:prstGeom>
+          <a:noFill/>
+        </p:spPr>
+        <p:txBody>
+          <a:bodyPr wrap="square" rtlCol="0">
+            <a:spAutoFit/>
+          </a:bodyPr>
+          <a:lstStyle/>
+          <a:p>
+            <a:r>
+              <a:rPr lang="en-US" sz="700" dirty="0">
+                <a:latin typeface="Times New Roman" panose="02020603050405020304" pitchFamily="18" charset="0"/>
+                <a:ea typeface="SimSun" panose="02010600030101010101" pitchFamily="2" charset="-122"/>
+                <a:cs typeface="Times New Roman" panose="02020603050405020304" pitchFamily="18" charset="0"/>
+              </a:rPr>
+              <a:t>Virtual memory of serverless function A</a:t>
+            </a:r>
+            <a:endParaRPr lang="en-CN" sz="700" dirty="0">
+              <a:latin typeface="Times New Roman" panose="02020603050405020304" pitchFamily="18" charset="0"/>
+              <a:ea typeface="SimSun" panose="02010600030101010101" pitchFamily="2" charset="-122"/>
+              <a:cs typeface="Times New Roman" panose="02020603050405020304" pitchFamily="18" charset="0"/>
+            </a:endParaRPr>
+          </a:p>
+        </p:txBody>
+      </p:sp>
+      <p:sp>
+        <p:nvSpPr>
+          <p:cNvPr id="47" name="Rectangle 29">
+            <a:extLst>
+              <a:ext uri="{FF2B5EF4-FFF2-40B4-BE49-F238E27FC236}">
+                <a16:creationId xmlns:a16="http://schemas.microsoft.com/office/drawing/2014/main" id="{3154CDAD-CEF7-4779-854F-DB423D435E00}"/>
+              </a:ext>
+            </a:extLst>
+          </p:cNvPr>
+          <p:cNvSpPr/>
+          <p:nvPr/>
+        </p:nvSpPr>
+        <p:spPr>
+          <a:xfrm>
+            <a:off x="5676944" y="1767973"/>
+            <a:ext cx="1639394" cy="883778"/>
+          </a:xfrm>
+          <a:prstGeom prst="rect">
+            <a:avLst/>
+          </a:prstGeom>
+          <a:ln w="12700">
+            <a:solidFill>
+              <a:schemeClr val="tx1">
+                <a:lumMod val="75000"/>
+                <a:lumOff val="25000"/>
+              </a:schemeClr>
+            </a:solidFill>
+            <a:prstDash val="dash"/>
+          </a:ln>
+        </p:spPr>
+        <p:style>
+          <a:lnRef idx="2">
+            <a:schemeClr val="dk1"/>
+          </a:lnRef>
+          <a:fillRef idx="1">
+            <a:schemeClr val="lt1"/>
+          </a:fillRef>
+          <a:effectRef idx="0">
+            <a:schemeClr val="dk1"/>
+          </a:effectRef>
+          <a:fontRef idx="minor">
+            <a:schemeClr val="dk1"/>
+          </a:fontRef>
+        </p:style>
+        <p:txBody>
+          <a:bodyPr rtlCol="0" anchor="ctr"/>
+          <a:lstStyle/>
+          <a:p>
+            <a:pPr algn="ctr"/>
+            <a:endParaRPr lang="en-CN" sz="1350">
+              <a:latin typeface="Times New Roman" panose="02020603050405020304" pitchFamily="18" charset="0"/>
+              <a:cs typeface="Times New Roman" panose="02020603050405020304" pitchFamily="18" charset="0"/>
+            </a:endParaRPr>
+          </a:p>
+        </p:txBody>
+      </p:sp>
+      <p:sp>
+        <p:nvSpPr>
+          <p:cNvPr id="48" name="Rectangle 46">
+            <a:extLst>
+              <a:ext uri="{FF2B5EF4-FFF2-40B4-BE49-F238E27FC236}">
+                <a16:creationId xmlns:a16="http://schemas.microsoft.com/office/drawing/2014/main" id="{5228430F-2634-49DC-8AB2-BA667F18C301}"/>
+              </a:ext>
+            </a:extLst>
+          </p:cNvPr>
+          <p:cNvSpPr/>
+          <p:nvPr/>
+        </p:nvSpPr>
+        <p:spPr>
+          <a:xfrm>
+            <a:off x="5801712" y="1978100"/>
+            <a:ext cx="1310908" cy="206348"/>
+          </a:xfrm>
+          <a:prstGeom prst="rect">
+            <a:avLst/>
+          </a:prstGeom>
+          <a:ln w="12700"/>
+        </p:spPr>
+        <p:style>
+          <a:lnRef idx="2">
+            <a:schemeClr val="dk1"/>
+          </a:lnRef>
+          <a:fillRef idx="1">
+            <a:schemeClr val="lt1"/>
+          </a:fillRef>
+          <a:effectRef idx="0">
+            <a:schemeClr val="dk1"/>
+          </a:effectRef>
+          <a:fontRef idx="minor">
+            <a:schemeClr val="dk1"/>
+          </a:fontRef>
+        </p:style>
+        <p:txBody>
+          <a:bodyPr rtlCol="0" anchor="ctr"/>
+          <a:lstStyle/>
+          <a:p>
+            <a:pPr algn="ctr"/>
+            <a:r>
+              <a:rPr lang="en-US" altLang="zh-CN" sz="825" dirty="0">
+                <a:latin typeface="Times New Roman" panose="02020603050405020304" pitchFamily="18" charset="0"/>
+                <a:ea typeface="SimSun" panose="02010600030101010101" pitchFamily="2" charset="-122"/>
+                <a:cs typeface="Times New Roman" panose="02020603050405020304" pitchFamily="18" charset="0"/>
+              </a:rPr>
+              <a:t>Private memory data</a:t>
+            </a:r>
+            <a:endParaRPr lang="en-CN" altLang="zh-CN" sz="825" dirty="0">
+              <a:latin typeface="Times New Roman" panose="02020603050405020304" pitchFamily="18" charset="0"/>
+              <a:ea typeface="SimSun" panose="02010600030101010101" pitchFamily="2" charset="-122"/>
+              <a:cs typeface="Times New Roman" panose="02020603050405020304" pitchFamily="18" charset="0"/>
+            </a:endParaRPr>
+          </a:p>
+        </p:txBody>
+      </p:sp>
+      <p:sp>
+        <p:nvSpPr>
+          <p:cNvPr id="49" name="Rectangle 47">
+            <a:extLst>
+              <a:ext uri="{FF2B5EF4-FFF2-40B4-BE49-F238E27FC236}">
+                <a16:creationId xmlns:a16="http://schemas.microsoft.com/office/drawing/2014/main" id="{8624A13B-738D-413C-B432-7DE6392FCF56}"/>
+              </a:ext>
+            </a:extLst>
+          </p:cNvPr>
+          <p:cNvSpPr/>
+          <p:nvPr/>
+        </p:nvSpPr>
+        <p:spPr>
+          <a:xfrm>
+            <a:off x="5801712" y="2369553"/>
+            <a:ext cx="1310908" cy="206348"/>
+          </a:xfrm>
+          <a:prstGeom prst="rect">
+            <a:avLst/>
+          </a:prstGeom>
+          <a:ln w="12700"/>
+        </p:spPr>
+        <p:style>
+          <a:lnRef idx="2">
+            <a:schemeClr val="dk1"/>
+          </a:lnRef>
+          <a:fillRef idx="1">
+            <a:schemeClr val="lt1"/>
+          </a:fillRef>
+          <a:effectRef idx="0">
+            <a:schemeClr val="dk1"/>
+          </a:effectRef>
+          <a:fontRef idx="minor">
+            <a:schemeClr val="dk1"/>
+          </a:fontRef>
+        </p:style>
+        <p:txBody>
+          <a:bodyPr rtlCol="0" anchor="ctr"/>
+          <a:lstStyle/>
+          <a:p>
+            <a:pPr algn="ctr"/>
+            <a:r>
+              <a:rPr lang="en-US" altLang="zh-CN" sz="825" dirty="0">
+                <a:latin typeface="Times New Roman" panose="02020603050405020304" pitchFamily="18" charset="0"/>
+                <a:ea typeface="SimSun" panose="02010600030101010101" pitchFamily="2" charset="-122"/>
+                <a:cs typeface="Times New Roman" panose="02020603050405020304" pitchFamily="18" charset="0"/>
+              </a:rPr>
+              <a:t>Shared memory data</a:t>
+            </a:r>
+            <a:endParaRPr lang="en-CN" altLang="zh-CN" sz="825" dirty="0">
+              <a:latin typeface="Times New Roman" panose="02020603050405020304" pitchFamily="18" charset="0"/>
+              <a:ea typeface="SimSun" panose="02010600030101010101" pitchFamily="2" charset="-122"/>
+              <a:cs typeface="Times New Roman" panose="02020603050405020304" pitchFamily="18" charset="0"/>
+            </a:endParaRPr>
+          </a:p>
+        </p:txBody>
+      </p:sp>
+      <p:cxnSp>
+        <p:nvCxnSpPr>
+          <p:cNvPr id="50" name="Curved Connector 12">
+            <a:extLst>
+              <a:ext uri="{FF2B5EF4-FFF2-40B4-BE49-F238E27FC236}">
+                <a16:creationId xmlns:a16="http://schemas.microsoft.com/office/drawing/2014/main" id="{7E435C35-F5F6-42B0-B864-3A2D0E6CD2D8}"/>
+              </a:ext>
+            </a:extLst>
+          </p:cNvPr>
+          <p:cNvCxnSpPr>
+            <a:cxnSpLocks/>
+            <a:stCxn id="49" idx="3"/>
+            <a:endCxn id="48" idx="3"/>
+          </p:cNvCxnSpPr>
+          <p:nvPr/>
+        </p:nvCxnSpPr>
+        <p:spPr>
+          <a:xfrm flipV="1">
+            <a:off x="7112620" y="2081274"/>
+            <a:ext cx="12700" cy="391453"/>
+          </a:xfrm>
+          <a:prstGeom prst="curvedConnector3">
+            <a:avLst>
+              <a:gd name="adj1" fmla="val 1200000"/>
+            </a:avLst>
+          </a:prstGeom>
+          <a:ln>
+            <a:tailEnd type="triangle"/>
+          </a:ln>
+        </p:spPr>
+        <p:style>
+          <a:lnRef idx="1">
+            <a:schemeClr val="dk1"/>
+          </a:lnRef>
+          <a:fillRef idx="0">
+            <a:schemeClr val="dk1"/>
+          </a:fillRef>
+          <a:effectRef idx="0">
+            <a:schemeClr val="dk1"/>
+          </a:effectRef>
+          <a:fontRef idx="minor">
+            <a:schemeClr val="tx1"/>
+          </a:fontRef>
+        </p:style>
+      </p:cxnSp>
+      <p:sp>
+        <p:nvSpPr>
+          <p:cNvPr id="51" name="TextBox 56">
+            <a:extLst>
+              <a:ext uri="{FF2B5EF4-FFF2-40B4-BE49-F238E27FC236}">
+                <a16:creationId xmlns:a16="http://schemas.microsoft.com/office/drawing/2014/main" id="{221E96A4-F277-4768-A626-7E7A561062EC}"/>
+              </a:ext>
+            </a:extLst>
+          </p:cNvPr>
+          <p:cNvSpPr txBox="1"/>
+          <p:nvPr/>
+        </p:nvSpPr>
+        <p:spPr>
+          <a:xfrm>
+            <a:off x="6213382" y="2173749"/>
+            <a:ext cx="1310909" cy="213585"/>
+          </a:xfrm>
+          <a:prstGeom prst="rect">
+            <a:avLst/>
+          </a:prstGeom>
+          <a:noFill/>
+        </p:spPr>
+        <p:txBody>
+          <a:bodyPr wrap="square" rtlCol="0">
+            <a:spAutoFit/>
+          </a:bodyPr>
+          <a:lstStyle/>
+          <a:p>
+            <a:r>
+              <a:rPr lang="en-CN" sz="788" dirty="0">
+                <a:latin typeface="Times New Roman" panose="02020603050405020304" pitchFamily="18" charset="0"/>
+                <a:ea typeface="SimSun" panose="02010600030101010101" pitchFamily="2" charset="-122"/>
+                <a:cs typeface="Times New Roman" panose="02020603050405020304" pitchFamily="18" charset="0"/>
+              </a:rPr>
+              <a:t>COW</a:t>
+            </a:r>
+            <a:r>
+              <a:rPr lang="en-US" altLang="zh-CN" sz="788" dirty="0">
+                <a:latin typeface="Times New Roman" panose="02020603050405020304" pitchFamily="18" charset="0"/>
+                <a:ea typeface="SimSun" panose="02010600030101010101" pitchFamily="2" charset="-122"/>
+                <a:cs typeface="Times New Roman" panose="02020603050405020304" pitchFamily="18" charset="0"/>
+              </a:rPr>
+              <a:t>(Copy</a:t>
+            </a:r>
+            <a:r>
+              <a:rPr lang="zh-CN" altLang="en-US" sz="788" dirty="0">
+                <a:latin typeface="Times New Roman" panose="02020603050405020304" pitchFamily="18" charset="0"/>
+                <a:ea typeface="SimSun" panose="02010600030101010101" pitchFamily="2" charset="-122"/>
+                <a:cs typeface="Times New Roman" panose="02020603050405020304" pitchFamily="18" charset="0"/>
+              </a:rPr>
+              <a:t> </a:t>
+            </a:r>
+            <a:r>
+              <a:rPr lang="en-US" altLang="zh-CN" sz="788" dirty="0">
+                <a:latin typeface="Times New Roman" panose="02020603050405020304" pitchFamily="18" charset="0"/>
+                <a:ea typeface="SimSun" panose="02010600030101010101" pitchFamily="2" charset="-122"/>
+                <a:cs typeface="Times New Roman" panose="02020603050405020304" pitchFamily="18" charset="0"/>
+              </a:rPr>
+              <a:t>On</a:t>
+            </a:r>
+            <a:r>
+              <a:rPr lang="zh-CN" altLang="en-US" sz="788" dirty="0">
+                <a:latin typeface="Times New Roman" panose="02020603050405020304" pitchFamily="18" charset="0"/>
+                <a:ea typeface="SimSun" panose="02010600030101010101" pitchFamily="2" charset="-122"/>
+                <a:cs typeface="Times New Roman" panose="02020603050405020304" pitchFamily="18" charset="0"/>
+              </a:rPr>
+              <a:t> </a:t>
+            </a:r>
+            <a:r>
+              <a:rPr lang="en-US" altLang="zh-CN" sz="788" dirty="0">
+                <a:latin typeface="Times New Roman" panose="02020603050405020304" pitchFamily="18" charset="0"/>
+                <a:ea typeface="SimSun" panose="02010600030101010101" pitchFamily="2" charset="-122"/>
+                <a:cs typeface="Times New Roman" panose="02020603050405020304" pitchFamily="18" charset="0"/>
+              </a:rPr>
+              <a:t>Write)</a:t>
+            </a:r>
+            <a:endParaRPr lang="en-CN" sz="788" dirty="0">
+              <a:latin typeface="Times New Roman" panose="02020603050405020304" pitchFamily="18" charset="0"/>
+              <a:ea typeface="SimSun" panose="02010600030101010101" pitchFamily="2" charset="-122"/>
+              <a:cs typeface="Times New Roman" panose="02020603050405020304" pitchFamily="18" charset="0"/>
+            </a:endParaRPr>
+          </a:p>
+        </p:txBody>
+      </p:sp>
+      <p:sp>
+        <p:nvSpPr>
+          <p:cNvPr id="52" name="TextBox 30">
+            <a:extLst>
+              <a:ext uri="{FF2B5EF4-FFF2-40B4-BE49-F238E27FC236}">
+                <a16:creationId xmlns:a16="http://schemas.microsoft.com/office/drawing/2014/main" id="{753DFB32-6AEB-4B95-8218-3E16E168852B}"/>
+              </a:ext>
+            </a:extLst>
+          </p:cNvPr>
+          <p:cNvSpPr txBox="1"/>
+          <p:nvPr/>
+        </p:nvSpPr>
+        <p:spPr>
+          <a:xfrm>
+            <a:off x="5628282" y="1746639"/>
+            <a:ext cx="1639393" cy="200055"/>
+          </a:xfrm>
+          <a:prstGeom prst="rect">
+            <a:avLst/>
+          </a:prstGeom>
+          <a:noFill/>
+        </p:spPr>
+        <p:txBody>
+          <a:bodyPr wrap="square" rtlCol="0">
+            <a:spAutoFit/>
+          </a:bodyPr>
+          <a:lstStyle/>
+          <a:p>
+            <a:r>
+              <a:rPr lang="en-US" sz="700" dirty="0">
+                <a:latin typeface="Times New Roman" panose="02020603050405020304" pitchFamily="18" charset="0"/>
+                <a:ea typeface="SimSun" panose="02010600030101010101" pitchFamily="2" charset="-122"/>
+                <a:cs typeface="Times New Roman" panose="02020603050405020304" pitchFamily="18" charset="0"/>
+              </a:rPr>
+              <a:t>Virtual memory of serverless function </a:t>
+            </a:r>
+            <a:r>
+              <a:rPr lang="en-US" altLang="zh-CN" sz="700" dirty="0">
+                <a:latin typeface="Times New Roman" panose="02020603050405020304" pitchFamily="18" charset="0"/>
+                <a:ea typeface="SimSun" panose="02010600030101010101" pitchFamily="2" charset="-122"/>
+                <a:cs typeface="Times New Roman" panose="02020603050405020304" pitchFamily="18" charset="0"/>
+              </a:rPr>
+              <a:t>B</a:t>
+            </a:r>
+            <a:endParaRPr lang="en-CN" sz="700" dirty="0">
+              <a:latin typeface="Times New Roman" panose="02020603050405020304" pitchFamily="18" charset="0"/>
+              <a:ea typeface="SimSun" panose="02010600030101010101" pitchFamily="2" charset="-122"/>
+              <a:cs typeface="Times New Roman" panose="02020603050405020304" pitchFamily="18" charset="0"/>
+            </a:endParaRPr>
+          </a:p>
+        </p:txBody>
+      </p:sp>
+      <p:cxnSp>
+        <p:nvCxnSpPr>
+          <p:cNvPr id="29" name="Straight Arrow Connector 49">
+            <a:extLst>
+              <a:ext uri="{FF2B5EF4-FFF2-40B4-BE49-F238E27FC236}">
+                <a16:creationId xmlns:a16="http://schemas.microsoft.com/office/drawing/2014/main" id="{74469E80-203C-45F9-9EDF-E97E5DF93FEB}"/>
+              </a:ext>
+            </a:extLst>
+          </p:cNvPr>
+          <p:cNvCxnSpPr>
+            <a:cxnSpLocks/>
+          </p:cNvCxnSpPr>
+          <p:nvPr/>
+        </p:nvCxnSpPr>
+        <p:spPr>
+          <a:xfrm flipV="1">
+            <a:off x="4527696" y="2580420"/>
+            <a:ext cx="1274016" cy="718087"/>
+          </a:xfrm>
+          <a:prstGeom prst="straightConnector1">
+            <a:avLst/>
+          </a:prstGeom>
+          <a:ln>
+            <a:prstDash val="dash"/>
+            <a:headEnd type="none" w="med" len="med"/>
+            <a:tailEnd type="none" w="med" len="med"/>
+          </a:ln>
+        </p:spPr>
+        <p:style>
+          <a:lnRef idx="1">
+            <a:schemeClr val="dk1"/>
+          </a:lnRef>
+          <a:fillRef idx="0">
+            <a:schemeClr val="dk1"/>
+          </a:fillRef>
+          <a:effectRef idx="0">
+            <a:schemeClr val="dk1"/>
+          </a:effectRef>
+          <a:fontRef idx="minor">
+            <a:schemeClr val="tx1"/>
+          </a:fontRef>
+        </p:style>
+      </p:cxnSp>
+      <p:cxnSp>
+        <p:nvCxnSpPr>
+          <p:cNvPr id="30" name="Straight Arrow Connector 52">
+            <a:extLst>
+              <a:ext uri="{FF2B5EF4-FFF2-40B4-BE49-F238E27FC236}">
+                <a16:creationId xmlns:a16="http://schemas.microsoft.com/office/drawing/2014/main" id="{D81FF3BB-045A-4F7F-BFB6-36C1EA62F076}"/>
+              </a:ext>
+            </a:extLst>
+          </p:cNvPr>
+          <p:cNvCxnSpPr>
+            <a:cxnSpLocks/>
+          </p:cNvCxnSpPr>
+          <p:nvPr/>
+        </p:nvCxnSpPr>
+        <p:spPr>
+          <a:xfrm flipV="1">
+            <a:off x="5760721" y="2590224"/>
+            <a:ext cx="1351899" cy="708280"/>
+          </a:xfrm>
+          <a:prstGeom prst="straightConnector1">
+            <a:avLst/>
+          </a:prstGeom>
+          <a:ln>
+            <a:prstDash val="dash"/>
+            <a:headEnd type="none" w="med" len="med"/>
+            <a:tailEnd type="none" w="med" len="med"/>
+          </a:ln>
+        </p:spPr>
+        <p:style>
+          <a:lnRef idx="1">
+            <a:schemeClr val="dk1"/>
+          </a:lnRef>
+          <a:fillRef idx="0">
+            <a:schemeClr val="dk1"/>
+          </a:fillRef>
+          <a:effectRef idx="0">
+            <a:schemeClr val="dk1"/>
+          </a:effectRef>
+          <a:fontRef idx="minor">
+            <a:schemeClr val="tx1"/>
+          </a:fontRef>
+        </p:style>
+      </p:cxnSp>
+    </p:spTree>
+    <p:extLst>
+      <p:ext uri="{BB962C8B-B14F-4D97-AF65-F5344CB8AC3E}">
+        <p14:creationId xmlns:p14="http://schemas.microsoft.com/office/powerpoint/2010/main" val="2262186657"/>
       </p:ext>
     </p:extLst>
   </p:cSld>
